--- a/wp-content/uploads/2018/10/Feed_the_Future_Assistance_Presentation_Template.pptx
+++ b/wp-content/uploads/2018/10/Feed_the_Future_Assistance_Presentation_Template.pptx
@@ -1,3 +1,7071 @@
+
+<file path=ppt/presentation.xml><?xml version="1.0" encoding="utf-8"?>
+<p:presentation xmlns:a="http://schemas.openxmlformats.org/drawingml/2006/main" xmlns:r="http://schemas.openxmlformats.org/officeDocument/2006/relationships" xmlns:p="http://schemas.openxmlformats.org/presentationml/2006/main" saveSubsetFonts="1" autoCompressPictures="0">
+  <p:sldMasterIdLst>
+    <p:sldMasterId id="2147483698" r:id="rId1"/>
+    <p:sldMasterId id="2147483686" r:id="rId2"/>
+    <p:sldMasterId id="2147483706" r:id="rId3"/>
+    <p:sldMasterId id="2147483701" r:id="rId4"/>
+  </p:sldMasterIdLst>
+  <p:notesMasterIdLst>
+    <p:notesMasterId r:id="rId13"/>
+  </p:notesMasterIdLst>
+  <p:handoutMasterIdLst>
+    <p:handoutMasterId r:id="rId14"/>
+  </p:handoutMasterIdLst>
+  <p:sldIdLst>
+    <p:sldId id="390" r:id="rId5"/>
+    <p:sldId id="391" r:id="rId6"/>
+    <p:sldId id="385" r:id="rId7"/>
+    <p:sldId id="386" r:id="rId8"/>
+    <p:sldId id="387" r:id="rId9"/>
+    <p:sldId id="388" r:id="rId10"/>
+    <p:sldId id="389" r:id="rId11"/>
+    <p:sldId id="288" r:id="rId12"/>
+  </p:sldIdLst>
+  <p:sldSz cx="9144000" cy="6858000" type="screen4x3"/>
+  <p:notesSz cx="6950075" cy="9236075"/>
+  <p:defaultTextStyle>
+    <a:defPPr>
+      <a:defRPr lang="en-US"/>
+    </a:defPPr>
+    <a:lvl1pPr marL="0" algn="l" defTabSz="457200" rtl="0" eaLnBrk="1" latinLnBrk="0" hangingPunct="1">
+      <a:defRPr sz="1800" kern="1200">
+        <a:solidFill>
+          <a:schemeClr val="tx1"/>
+        </a:solidFill>
+        <a:latin typeface="+mn-lt"/>
+        <a:ea typeface="+mn-ea"/>
+        <a:cs typeface="+mn-cs"/>
+      </a:defRPr>
+    </a:lvl1pPr>
+    <a:lvl2pPr marL="457200" algn="l" defTabSz="457200" rtl="0" eaLnBrk="1" latinLnBrk="0" hangingPunct="1">
+      <a:defRPr sz="1800" kern="1200">
+        <a:solidFill>
+          <a:schemeClr val="tx1"/>
+        </a:solidFill>
+        <a:latin typeface="+mn-lt"/>
+        <a:ea typeface="+mn-ea"/>
+        <a:cs typeface="+mn-cs"/>
+      </a:defRPr>
+    </a:lvl2pPr>
+    <a:lvl3pPr marL="914400" algn="l" defTabSz="457200" rtl="0" eaLnBrk="1" latinLnBrk="0" hangingPunct="1">
+      <a:defRPr sz="1800" kern="1200">
+        <a:solidFill>
+          <a:schemeClr val="tx1"/>
+        </a:solidFill>
+        <a:latin typeface="+mn-lt"/>
+        <a:ea typeface="+mn-ea"/>
+        <a:cs typeface="+mn-cs"/>
+      </a:defRPr>
+    </a:lvl3pPr>
+    <a:lvl4pPr marL="1371600" algn="l" defTabSz="457200" rtl="0" eaLnBrk="1" latinLnBrk="0" hangingPunct="1">
+      <a:defRPr sz="1800" kern="1200">
+        <a:solidFill>
+          <a:schemeClr val="tx1"/>
+        </a:solidFill>
+        <a:latin typeface="+mn-lt"/>
+        <a:ea typeface="+mn-ea"/>
+        <a:cs typeface="+mn-cs"/>
+      </a:defRPr>
+    </a:lvl4pPr>
+    <a:lvl5pPr marL="1828800" algn="l" defTabSz="457200" rtl="0" eaLnBrk="1" latinLnBrk="0" hangingPunct="1">
+      <a:defRPr sz="1800" kern="1200">
+        <a:solidFill>
+          <a:schemeClr val="tx1"/>
+        </a:solidFill>
+        <a:latin typeface="+mn-lt"/>
+        <a:ea typeface="+mn-ea"/>
+        <a:cs typeface="+mn-cs"/>
+      </a:defRPr>
+    </a:lvl5pPr>
+    <a:lvl6pPr marL="2286000" algn="l" defTabSz="457200" rtl="0" eaLnBrk="1" latinLnBrk="0" hangingPunct="1">
+      <a:defRPr sz="1800" kern="1200">
+        <a:solidFill>
+          <a:schemeClr val="tx1"/>
+        </a:solidFill>
+        <a:latin typeface="+mn-lt"/>
+        <a:ea typeface="+mn-ea"/>
+        <a:cs typeface="+mn-cs"/>
+      </a:defRPr>
+    </a:lvl6pPr>
+    <a:lvl7pPr marL="2743200" algn="l" defTabSz="457200" rtl="0" eaLnBrk="1" latinLnBrk="0" hangingPunct="1">
+      <a:defRPr sz="1800" kern="1200">
+        <a:solidFill>
+          <a:schemeClr val="tx1"/>
+        </a:solidFill>
+        <a:latin typeface="+mn-lt"/>
+        <a:ea typeface="+mn-ea"/>
+        <a:cs typeface="+mn-cs"/>
+      </a:defRPr>
+    </a:lvl7pPr>
+    <a:lvl8pPr marL="3200400" algn="l" defTabSz="457200" rtl="0" eaLnBrk="1" latinLnBrk="0" hangingPunct="1">
+      <a:defRPr sz="1800" kern="1200">
+        <a:solidFill>
+          <a:schemeClr val="tx1"/>
+        </a:solidFill>
+        <a:latin typeface="+mn-lt"/>
+        <a:ea typeface="+mn-ea"/>
+        <a:cs typeface="+mn-cs"/>
+      </a:defRPr>
+    </a:lvl8pPr>
+    <a:lvl9pPr marL="3657600" algn="l" defTabSz="457200" rtl="0" eaLnBrk="1" latinLnBrk="0" hangingPunct="1">
+      <a:defRPr sz="1800" kern="1200">
+        <a:solidFill>
+          <a:schemeClr val="tx1"/>
+        </a:solidFill>
+        <a:latin typeface="+mn-lt"/>
+        <a:ea typeface="+mn-ea"/>
+        <a:cs typeface="+mn-cs"/>
+      </a:defRPr>
+    </a:lvl9pPr>
+  </p:defaultTextStyle>
+  <p:extLst>
+    <p:ext uri="{EFAFB233-063F-42B5-8137-9DF3F51BA10A}">
+      <p15:sldGuideLst xmlns:p15="http://schemas.microsoft.com/office/powerpoint/2012/main" xmlns="">
+        <p15:guide id="1" orient="horz" pos="2160">
+          <p15:clr>
+            <a:srgbClr val="A4A3A4"/>
+          </p15:clr>
+        </p15:guide>
+        <p15:guide id="2" pos="2880">
+          <p15:clr>
+            <a:srgbClr val="A4A3A4"/>
+          </p15:clr>
+        </p15:guide>
+      </p15:sldGuideLst>
+    </p:ext>
+  </p:extLst>
+</p:presentation>
+</file>
+
+<file path=ppt/handoutMasters/handoutMaster1.xml><?xml version="1.0" encoding="utf-8"?>
+<p:handoutMaster xmlns:a="http://schemas.openxmlformats.org/drawingml/2006/main" xmlns:r="http://schemas.openxmlformats.org/officeDocument/2006/relationships" xmlns:p="http://schemas.openxmlformats.org/presentationml/2006/main">
+  <p:cSld>
+    <p:bg>
+      <p:bgRef idx="1001">
+        <a:schemeClr val="bg1"/>
+      </p:bgRef>
+    </p:bg>
+    <p:spTree>
+      <p:nvGrpSpPr>
+        <p:cNvPr id="1" name=""/>
+        <p:cNvGrpSpPr/>
+        <p:nvPr/>
+      </p:nvGrpSpPr>
+      <p:grpSpPr>
+        <a:xfrm>
+          <a:off x="0" y="0"/>
+          <a:ext cx="0" cy="0"/>
+          <a:chOff x="0" y="0"/>
+          <a:chExt cx="0" cy="0"/>
+        </a:xfrm>
+      </p:grpSpPr>
+      <p:sp>
+        <p:nvSpPr>
+          <p:cNvPr id="2" name="Header Placeholder 1"/>
+          <p:cNvSpPr>
+            <a:spLocks noGrp="1"/>
+          </p:cNvSpPr>
+          <p:nvPr>
+            <p:ph type="hdr" sz="quarter"/>
+          </p:nvPr>
+        </p:nvSpPr>
+        <p:spPr>
+          <a:xfrm>
+            <a:off x="0" y="0"/>
+            <a:ext cx="3011699" cy="461804"/>
+          </a:xfrm>
+          <a:prstGeom prst="rect">
+            <a:avLst/>
+          </a:prstGeom>
+        </p:spPr>
+        <p:txBody>
+          <a:bodyPr vert="horz" lIns="92492" tIns="46246" rIns="92492" bIns="46246" rtlCol="0"/>
+          <a:lstStyle>
+            <a:lvl1pPr algn="l">
+              <a:defRPr sz="1200"/>
+            </a:lvl1pPr>
+          </a:lstStyle>
+          <a:p>
+            <a:endParaRPr lang="en-US"/>
+          </a:p>
+        </p:txBody>
+      </p:sp>
+      <p:sp>
+        <p:nvSpPr>
+          <p:cNvPr id="3" name="Date Placeholder 2"/>
+          <p:cNvSpPr>
+            <a:spLocks noGrp="1"/>
+          </p:cNvSpPr>
+          <p:nvPr>
+            <p:ph type="dt" sz="quarter" idx="1"/>
+          </p:nvPr>
+        </p:nvSpPr>
+        <p:spPr>
+          <a:xfrm>
+            <a:off x="3936768" y="0"/>
+            <a:ext cx="3011699" cy="461804"/>
+          </a:xfrm>
+          <a:prstGeom prst="rect">
+            <a:avLst/>
+          </a:prstGeom>
+        </p:spPr>
+        <p:txBody>
+          <a:bodyPr vert="horz" lIns="92492" tIns="46246" rIns="92492" bIns="46246" rtlCol="0"/>
+          <a:lstStyle>
+            <a:lvl1pPr algn="r">
+              <a:defRPr sz="1200"/>
+            </a:lvl1pPr>
+          </a:lstStyle>
+          <a:p>
+            <a:fld id="{67F5253C-9A75-AF46-ACEE-EAEE5B05D801}" type="datetimeFigureOut">
+              <a:rPr lang="en-US" smtClean="0"/>
+              <a:pPr/>
+              <a:t>5/12/2015</a:t>
+            </a:fld>
+            <a:endParaRPr lang="en-US"/>
+          </a:p>
+        </p:txBody>
+      </p:sp>
+      <p:sp>
+        <p:nvSpPr>
+          <p:cNvPr id="4" name="Footer Placeholder 3"/>
+          <p:cNvSpPr>
+            <a:spLocks noGrp="1"/>
+          </p:cNvSpPr>
+          <p:nvPr>
+            <p:ph type="ftr" sz="quarter" idx="2"/>
+          </p:nvPr>
+        </p:nvSpPr>
+        <p:spPr>
+          <a:xfrm>
+            <a:off x="0" y="8772668"/>
+            <a:ext cx="3011699" cy="461804"/>
+          </a:xfrm>
+          <a:prstGeom prst="rect">
+            <a:avLst/>
+          </a:prstGeom>
+        </p:spPr>
+        <p:txBody>
+          <a:bodyPr vert="horz" lIns="92492" tIns="46246" rIns="92492" bIns="46246" rtlCol="0" anchor="b"/>
+          <a:lstStyle>
+            <a:lvl1pPr algn="l">
+              <a:defRPr sz="1200"/>
+            </a:lvl1pPr>
+          </a:lstStyle>
+          <a:p>
+            <a:endParaRPr lang="en-US"/>
+          </a:p>
+        </p:txBody>
+      </p:sp>
+      <p:sp>
+        <p:nvSpPr>
+          <p:cNvPr id="5" name="Slide Number Placeholder 4"/>
+          <p:cNvSpPr>
+            <a:spLocks noGrp="1"/>
+          </p:cNvSpPr>
+          <p:nvPr>
+            <p:ph type="sldNum" sz="quarter" idx="3"/>
+          </p:nvPr>
+        </p:nvSpPr>
+        <p:spPr>
+          <a:xfrm>
+            <a:off x="3936768" y="8772668"/>
+            <a:ext cx="3011699" cy="461804"/>
+          </a:xfrm>
+          <a:prstGeom prst="rect">
+            <a:avLst/>
+          </a:prstGeom>
+        </p:spPr>
+        <p:txBody>
+          <a:bodyPr vert="horz" lIns="92492" tIns="46246" rIns="92492" bIns="46246" rtlCol="0" anchor="b"/>
+          <a:lstStyle>
+            <a:lvl1pPr algn="r">
+              <a:defRPr sz="1200"/>
+            </a:lvl1pPr>
+          </a:lstStyle>
+          <a:p>
+            <a:fld id="{D1A940B9-CD79-EF4A-961D-7F81D59A9659}" type="slidenum">
+              <a:rPr lang="en-US" smtClean="0"/>
+              <a:pPr/>
+              <a:t>‹#›</a:t>
+            </a:fld>
+            <a:endParaRPr lang="en-US"/>
+          </a:p>
+        </p:txBody>
+      </p:sp>
+    </p:spTree>
+    <p:extLst>
+      <p:ext uri="{BB962C8B-B14F-4D97-AF65-F5344CB8AC3E}">
+        <p14:creationId xmlns:p14="http://schemas.microsoft.com/office/powerpoint/2010/main" val="711619326"/>
+      </p:ext>
+    </p:extLst>
+  </p:cSld>
+  <p:clrMap bg1="lt1" tx1="dk1" bg2="lt2" tx2="dk2" accent1="accent1" accent2="accent2" accent3="accent3" accent4="accent4" accent5="accent5" accent6="accent6" hlink="hlink" folHlink="folHlink"/>
+  <p:hf hdr="0" ftr="0" dt="0"/>
+</p:handoutMaster>
+</file>
+
+<file path=ppt/notesMasters/notesMaster1.xml><?xml version="1.0" encoding="utf-8"?>
+<p:notesMaster xmlns:a="http://schemas.openxmlformats.org/drawingml/2006/main" xmlns:r="http://schemas.openxmlformats.org/officeDocument/2006/relationships" xmlns:p="http://schemas.openxmlformats.org/presentationml/2006/main">
+  <p:cSld>
+    <p:bg>
+      <p:bgRef idx="1001">
+        <a:schemeClr val="bg1"/>
+      </p:bgRef>
+    </p:bg>
+    <p:spTree>
+      <p:nvGrpSpPr>
+        <p:cNvPr id="1" name=""/>
+        <p:cNvGrpSpPr/>
+        <p:nvPr/>
+      </p:nvGrpSpPr>
+      <p:grpSpPr>
+        <a:xfrm>
+          <a:off x="0" y="0"/>
+          <a:ext cx="0" cy="0"/>
+          <a:chOff x="0" y="0"/>
+          <a:chExt cx="0" cy="0"/>
+        </a:xfrm>
+      </p:grpSpPr>
+      <p:sp>
+        <p:nvSpPr>
+          <p:cNvPr id="2" name="Header Placeholder 1"/>
+          <p:cNvSpPr>
+            <a:spLocks noGrp="1"/>
+          </p:cNvSpPr>
+          <p:nvPr>
+            <p:ph type="hdr" sz="quarter"/>
+          </p:nvPr>
+        </p:nvSpPr>
+        <p:spPr>
+          <a:xfrm>
+            <a:off x="0" y="0"/>
+            <a:ext cx="3011699" cy="461804"/>
+          </a:xfrm>
+          <a:prstGeom prst="rect">
+            <a:avLst/>
+          </a:prstGeom>
+        </p:spPr>
+        <p:txBody>
+          <a:bodyPr vert="horz" lIns="92492" tIns="46246" rIns="92492" bIns="46246" rtlCol="0"/>
+          <a:lstStyle>
+            <a:lvl1pPr algn="l">
+              <a:defRPr sz="1200"/>
+            </a:lvl1pPr>
+          </a:lstStyle>
+          <a:p>
+            <a:endParaRPr lang="en-US"/>
+          </a:p>
+        </p:txBody>
+      </p:sp>
+      <p:sp>
+        <p:nvSpPr>
+          <p:cNvPr id="3" name="Date Placeholder 2"/>
+          <p:cNvSpPr>
+            <a:spLocks noGrp="1"/>
+          </p:cNvSpPr>
+          <p:nvPr>
+            <p:ph type="dt" idx="1"/>
+          </p:nvPr>
+        </p:nvSpPr>
+        <p:spPr>
+          <a:xfrm>
+            <a:off x="3936768" y="0"/>
+            <a:ext cx="3011699" cy="461804"/>
+          </a:xfrm>
+          <a:prstGeom prst="rect">
+            <a:avLst/>
+          </a:prstGeom>
+        </p:spPr>
+        <p:txBody>
+          <a:bodyPr vert="horz" lIns="92492" tIns="46246" rIns="92492" bIns="46246" rtlCol="0"/>
+          <a:lstStyle>
+            <a:lvl1pPr algn="r">
+              <a:defRPr sz="1200"/>
+            </a:lvl1pPr>
+          </a:lstStyle>
+          <a:p>
+            <a:fld id="{6B0B5A0C-4C94-FA4D-AE3B-06DAC0064AF4}" type="datetimeFigureOut">
+              <a:rPr lang="en-US" smtClean="0"/>
+              <a:pPr/>
+              <a:t>5/12/2015</a:t>
+            </a:fld>
+            <a:endParaRPr lang="en-US"/>
+          </a:p>
+        </p:txBody>
+      </p:sp>
+      <p:sp>
+        <p:nvSpPr>
+          <p:cNvPr id="4" name="Slide Image Placeholder 3"/>
+          <p:cNvSpPr>
+            <a:spLocks noGrp="1" noRot="1" noChangeAspect="1"/>
+          </p:cNvSpPr>
+          <p:nvPr>
+            <p:ph type="sldImg" idx="2"/>
+          </p:nvPr>
+        </p:nvSpPr>
+        <p:spPr>
+          <a:xfrm>
+            <a:off x="1165225" y="692150"/>
+            <a:ext cx="4619625" cy="3463925"/>
+          </a:xfrm>
+          <a:prstGeom prst="rect">
+            <a:avLst/>
+          </a:prstGeom>
+          <a:noFill/>
+          <a:ln w="12700">
+            <a:solidFill>
+              <a:prstClr val="black"/>
+            </a:solidFill>
+          </a:ln>
+        </p:spPr>
+        <p:txBody>
+          <a:bodyPr vert="horz" lIns="92492" tIns="46246" rIns="92492" bIns="46246" rtlCol="0" anchor="ctr"/>
+          <a:lstStyle/>
+          <a:p>
+            <a:endParaRPr lang="en-US"/>
+          </a:p>
+        </p:txBody>
+      </p:sp>
+      <p:sp>
+        <p:nvSpPr>
+          <p:cNvPr id="5" name="Notes Placeholder 4"/>
+          <p:cNvSpPr>
+            <a:spLocks noGrp="1"/>
+          </p:cNvSpPr>
+          <p:nvPr>
+            <p:ph type="body" sz="quarter" idx="3"/>
+          </p:nvPr>
+        </p:nvSpPr>
+        <p:spPr>
+          <a:xfrm>
+            <a:off x="695008" y="4387136"/>
+            <a:ext cx="5560060" cy="4156234"/>
+          </a:xfrm>
+          <a:prstGeom prst="rect">
+            <a:avLst/>
+          </a:prstGeom>
+        </p:spPr>
+        <p:txBody>
+          <a:bodyPr vert="horz" lIns="92492" tIns="46246" rIns="92492" bIns="46246" rtlCol="0">
+            <a:normAutofit/>
+          </a:bodyPr>
+          <a:lstStyle/>
+          <a:p>
+            <a:pPr lvl="0"/>
+            <a:r>
+              <a:rPr lang="en-US" smtClean="0"/>
+              <a:t>Click to edit Master text styles</a:t>
+            </a:r>
+          </a:p>
+          <a:p>
+            <a:pPr lvl="1"/>
+            <a:r>
+              <a:rPr lang="en-US" smtClean="0"/>
+              <a:t>Second level</a:t>
+            </a:r>
+          </a:p>
+          <a:p>
+            <a:pPr lvl="2"/>
+            <a:r>
+              <a:rPr lang="en-US" smtClean="0"/>
+              <a:t>Third level</a:t>
+            </a:r>
+          </a:p>
+          <a:p>
+            <a:pPr lvl="3"/>
+            <a:r>
+              <a:rPr lang="en-US" smtClean="0"/>
+              <a:t>Fourth level</a:t>
+            </a:r>
+          </a:p>
+          <a:p>
+            <a:pPr lvl="4"/>
+            <a:r>
+              <a:rPr lang="en-US" smtClean="0"/>
+              <a:t>Fifth level</a:t>
+            </a:r>
+            <a:endParaRPr lang="en-US"/>
+          </a:p>
+        </p:txBody>
+      </p:sp>
+      <p:sp>
+        <p:nvSpPr>
+          <p:cNvPr id="6" name="Footer Placeholder 5"/>
+          <p:cNvSpPr>
+            <a:spLocks noGrp="1"/>
+          </p:cNvSpPr>
+          <p:nvPr>
+            <p:ph type="ftr" sz="quarter" idx="4"/>
+          </p:nvPr>
+        </p:nvSpPr>
+        <p:spPr>
+          <a:xfrm>
+            <a:off x="0" y="8772668"/>
+            <a:ext cx="3011699" cy="461804"/>
+          </a:xfrm>
+          <a:prstGeom prst="rect">
+            <a:avLst/>
+          </a:prstGeom>
+        </p:spPr>
+        <p:txBody>
+          <a:bodyPr vert="horz" lIns="92492" tIns="46246" rIns="92492" bIns="46246" rtlCol="0" anchor="b"/>
+          <a:lstStyle>
+            <a:lvl1pPr algn="l">
+              <a:defRPr sz="1200"/>
+            </a:lvl1pPr>
+          </a:lstStyle>
+          <a:p>
+            <a:endParaRPr lang="en-US"/>
+          </a:p>
+        </p:txBody>
+      </p:sp>
+      <p:sp>
+        <p:nvSpPr>
+          <p:cNvPr id="7" name="Slide Number Placeholder 6"/>
+          <p:cNvSpPr>
+            <a:spLocks noGrp="1"/>
+          </p:cNvSpPr>
+          <p:nvPr>
+            <p:ph type="sldNum" sz="quarter" idx="5"/>
+          </p:nvPr>
+        </p:nvSpPr>
+        <p:spPr>
+          <a:xfrm>
+            <a:off x="3936768" y="8772668"/>
+            <a:ext cx="3011699" cy="461804"/>
+          </a:xfrm>
+          <a:prstGeom prst="rect">
+            <a:avLst/>
+          </a:prstGeom>
+        </p:spPr>
+        <p:txBody>
+          <a:bodyPr vert="horz" lIns="92492" tIns="46246" rIns="92492" bIns="46246" rtlCol="0" anchor="b"/>
+          <a:lstStyle>
+            <a:lvl1pPr algn="r">
+              <a:defRPr sz="1200"/>
+            </a:lvl1pPr>
+          </a:lstStyle>
+          <a:p>
+            <a:fld id="{DD154D62-D7A5-D248-8B93-7A8623E1000B}" type="slidenum">
+              <a:rPr lang="en-US" smtClean="0"/>
+              <a:pPr/>
+              <a:t>‹#›</a:t>
+            </a:fld>
+            <a:endParaRPr lang="en-US"/>
+          </a:p>
+        </p:txBody>
+      </p:sp>
+    </p:spTree>
+    <p:extLst>
+      <p:ext uri="{BB962C8B-B14F-4D97-AF65-F5344CB8AC3E}">
+        <p14:creationId xmlns:p14="http://schemas.microsoft.com/office/powerpoint/2010/main" val="1423317391"/>
+      </p:ext>
+    </p:extLst>
+  </p:cSld>
+  <p:clrMap bg1="lt1" tx1="dk1" bg2="lt2" tx2="dk2" accent1="accent1" accent2="accent2" accent3="accent3" accent4="accent4" accent5="accent5" accent6="accent6" hlink="hlink" folHlink="folHlink"/>
+  <p:hf hdr="0" ftr="0" dt="0"/>
+  <p:notesStyle>
+    <a:lvl1pPr marL="0" algn="l" defTabSz="457200" rtl="0" eaLnBrk="1" latinLnBrk="0" hangingPunct="1">
+      <a:defRPr sz="1200" kern="1200">
+        <a:solidFill>
+          <a:schemeClr val="tx1"/>
+        </a:solidFill>
+        <a:latin typeface="+mn-lt"/>
+        <a:ea typeface="+mn-ea"/>
+        <a:cs typeface="+mn-cs"/>
+      </a:defRPr>
+    </a:lvl1pPr>
+    <a:lvl2pPr marL="457200" algn="l" defTabSz="457200" rtl="0" eaLnBrk="1" latinLnBrk="0" hangingPunct="1">
+      <a:defRPr sz="1200" kern="1200">
+        <a:solidFill>
+          <a:schemeClr val="tx1"/>
+        </a:solidFill>
+        <a:latin typeface="+mn-lt"/>
+        <a:ea typeface="+mn-ea"/>
+        <a:cs typeface="+mn-cs"/>
+      </a:defRPr>
+    </a:lvl2pPr>
+    <a:lvl3pPr marL="914400" algn="l" defTabSz="457200" rtl="0" eaLnBrk="1" latinLnBrk="0" hangingPunct="1">
+      <a:defRPr sz="1200" kern="1200">
+        <a:solidFill>
+          <a:schemeClr val="tx1"/>
+        </a:solidFill>
+        <a:latin typeface="+mn-lt"/>
+        <a:ea typeface="+mn-ea"/>
+        <a:cs typeface="+mn-cs"/>
+      </a:defRPr>
+    </a:lvl3pPr>
+    <a:lvl4pPr marL="1371600" algn="l" defTabSz="457200" rtl="0" eaLnBrk="1" latinLnBrk="0" hangingPunct="1">
+      <a:defRPr sz="1200" kern="1200">
+        <a:solidFill>
+          <a:schemeClr val="tx1"/>
+        </a:solidFill>
+        <a:latin typeface="+mn-lt"/>
+        <a:ea typeface="+mn-ea"/>
+        <a:cs typeface="+mn-cs"/>
+      </a:defRPr>
+    </a:lvl4pPr>
+    <a:lvl5pPr marL="1828800" algn="l" defTabSz="457200" rtl="0" eaLnBrk="1" latinLnBrk="0" hangingPunct="1">
+      <a:defRPr sz="1200" kern="1200">
+        <a:solidFill>
+          <a:schemeClr val="tx1"/>
+        </a:solidFill>
+        <a:latin typeface="+mn-lt"/>
+        <a:ea typeface="+mn-ea"/>
+        <a:cs typeface="+mn-cs"/>
+      </a:defRPr>
+    </a:lvl5pPr>
+    <a:lvl6pPr marL="2286000" algn="l" defTabSz="457200" rtl="0" eaLnBrk="1" latinLnBrk="0" hangingPunct="1">
+      <a:defRPr sz="1200" kern="1200">
+        <a:solidFill>
+          <a:schemeClr val="tx1"/>
+        </a:solidFill>
+        <a:latin typeface="+mn-lt"/>
+        <a:ea typeface="+mn-ea"/>
+        <a:cs typeface="+mn-cs"/>
+      </a:defRPr>
+    </a:lvl6pPr>
+    <a:lvl7pPr marL="2743200" algn="l" defTabSz="457200" rtl="0" eaLnBrk="1" latinLnBrk="0" hangingPunct="1">
+      <a:defRPr sz="1200" kern="1200">
+        <a:solidFill>
+          <a:schemeClr val="tx1"/>
+        </a:solidFill>
+        <a:latin typeface="+mn-lt"/>
+        <a:ea typeface="+mn-ea"/>
+        <a:cs typeface="+mn-cs"/>
+      </a:defRPr>
+    </a:lvl7pPr>
+    <a:lvl8pPr marL="3200400" algn="l" defTabSz="457200" rtl="0" eaLnBrk="1" latinLnBrk="0" hangingPunct="1">
+      <a:defRPr sz="1200" kern="1200">
+        <a:solidFill>
+          <a:schemeClr val="tx1"/>
+        </a:solidFill>
+        <a:latin typeface="+mn-lt"/>
+        <a:ea typeface="+mn-ea"/>
+        <a:cs typeface="+mn-cs"/>
+      </a:defRPr>
+    </a:lvl8pPr>
+    <a:lvl9pPr marL="3657600" algn="l" defTabSz="457200" rtl="0" eaLnBrk="1" latinLnBrk="0" hangingPunct="1">
+      <a:defRPr sz="1200" kern="1200">
+        <a:solidFill>
+          <a:schemeClr val="tx1"/>
+        </a:solidFill>
+        <a:latin typeface="+mn-lt"/>
+        <a:ea typeface="+mn-ea"/>
+        <a:cs typeface="+mn-cs"/>
+      </a:defRPr>
+    </a:lvl9pPr>
+  </p:notesStyle>
+</p:notesMaster>
+</file>
+
+<file path=ppt/notesSlides/notesSlide1.xml><?xml version="1.0" encoding="utf-8"?>
+<p:notes xmlns:a="http://schemas.openxmlformats.org/drawingml/2006/main" xmlns:r="http://schemas.openxmlformats.org/officeDocument/2006/relationships" xmlns:p="http://schemas.openxmlformats.org/presentationml/2006/main">
+  <p:cSld>
+    <p:spTree>
+      <p:nvGrpSpPr>
+        <p:cNvPr id="1" name=""/>
+        <p:cNvGrpSpPr/>
+        <p:nvPr/>
+      </p:nvGrpSpPr>
+      <p:grpSpPr>
+        <a:xfrm>
+          <a:off x="0" y="0"/>
+          <a:ext cx="0" cy="0"/>
+          <a:chOff x="0" y="0"/>
+          <a:chExt cx="0" cy="0"/>
+        </a:xfrm>
+      </p:grpSpPr>
+      <p:sp>
+        <p:nvSpPr>
+          <p:cNvPr id="2" name="Slide Image Placeholder 1"/>
+          <p:cNvSpPr>
+            <a:spLocks noGrp="1" noRot="1" noChangeAspect="1"/>
+          </p:cNvSpPr>
+          <p:nvPr>
+            <p:ph type="sldImg"/>
+          </p:nvPr>
+        </p:nvSpPr>
+        <p:spPr/>
+      </p:sp>
+      <p:sp>
+        <p:nvSpPr>
+          <p:cNvPr id="3" name="Notes Placeholder 2"/>
+          <p:cNvSpPr>
+            <a:spLocks noGrp="1"/>
+          </p:cNvSpPr>
+          <p:nvPr>
+            <p:ph type="body" idx="1"/>
+          </p:nvPr>
+        </p:nvSpPr>
+        <p:spPr/>
+        <p:txBody>
+          <a:bodyPr/>
+          <a:lstStyle/>
+          <a:p>
+            <a:r>
+              <a:rPr lang="en-US" dirty="0" smtClean="0"/>
+              <a:t>To insert your implementing partner </a:t>
+            </a:r>
+            <a:r>
+              <a:rPr lang="en-US" b="1" dirty="0" smtClean="0"/>
+              <a:t>institutional</a:t>
+            </a:r>
+            <a:r>
+              <a:rPr lang="en-US" dirty="0" smtClean="0"/>
+              <a:t> logo, go to View</a:t>
+            </a:r>
+            <a:r>
+              <a:rPr lang="en-US" baseline="0" dirty="0" smtClean="0"/>
+              <a:t> &gt;&gt; Slide Master, and replace the gray box with your logo, placing it to the right of the USAID logo at the bottom. No text or partner logos can be placed within the upper blue banner.</a:t>
+            </a:r>
+            <a:endParaRPr lang="en-US" dirty="0"/>
+          </a:p>
+        </p:txBody>
+      </p:sp>
+      <p:sp>
+        <p:nvSpPr>
+          <p:cNvPr id="4" name="Slide Number Placeholder 3"/>
+          <p:cNvSpPr>
+            <a:spLocks noGrp="1"/>
+          </p:cNvSpPr>
+          <p:nvPr>
+            <p:ph type="sldNum" sz="quarter" idx="10"/>
+          </p:nvPr>
+        </p:nvSpPr>
+        <p:spPr/>
+        <p:txBody>
+          <a:bodyPr/>
+          <a:lstStyle/>
+          <a:p>
+            <a:fld id="{DD154D62-D7A5-D248-8B93-7A8623E1000B}" type="slidenum">
+              <a:rPr lang="en-US" smtClean="0"/>
+              <a:pPr/>
+              <a:t>1</a:t>
+            </a:fld>
+            <a:endParaRPr lang="en-US"/>
+          </a:p>
+        </p:txBody>
+      </p:sp>
+    </p:spTree>
+    <p:extLst>
+      <p:ext uri="{BB962C8B-B14F-4D97-AF65-F5344CB8AC3E}">
+        <p14:creationId xmlns:p14="http://schemas.microsoft.com/office/powerpoint/2010/main" val="1340086004"/>
+      </p:ext>
+    </p:extLst>
+  </p:cSld>
+  <p:clrMapOvr>
+    <a:masterClrMapping/>
+  </p:clrMapOvr>
+</p:notes>
+</file>
+
+<file path=ppt/notesSlides/notesSlide2.xml><?xml version="1.0" encoding="utf-8"?>
+<p:notes xmlns:a="http://schemas.openxmlformats.org/drawingml/2006/main" xmlns:r="http://schemas.openxmlformats.org/officeDocument/2006/relationships" xmlns:p="http://schemas.openxmlformats.org/presentationml/2006/main">
+  <p:cSld>
+    <p:spTree>
+      <p:nvGrpSpPr>
+        <p:cNvPr id="1" name=""/>
+        <p:cNvGrpSpPr/>
+        <p:nvPr/>
+      </p:nvGrpSpPr>
+      <p:grpSpPr>
+        <a:xfrm>
+          <a:off x="0" y="0"/>
+          <a:ext cx="0" cy="0"/>
+          <a:chOff x="0" y="0"/>
+          <a:chExt cx="0" cy="0"/>
+        </a:xfrm>
+      </p:grpSpPr>
+      <p:sp>
+        <p:nvSpPr>
+          <p:cNvPr id="2" name="Slide Image Placeholder 1"/>
+          <p:cNvSpPr>
+            <a:spLocks noGrp="1" noRot="1" noChangeAspect="1"/>
+          </p:cNvSpPr>
+          <p:nvPr>
+            <p:ph type="sldImg"/>
+          </p:nvPr>
+        </p:nvSpPr>
+        <p:spPr/>
+      </p:sp>
+      <p:sp>
+        <p:nvSpPr>
+          <p:cNvPr id="3" name="Notes Placeholder 2"/>
+          <p:cNvSpPr>
+            <a:spLocks noGrp="1"/>
+          </p:cNvSpPr>
+          <p:nvPr>
+            <p:ph type="body" idx="1"/>
+          </p:nvPr>
+        </p:nvSpPr>
+        <p:spPr/>
+        <p:txBody>
+          <a:bodyPr/>
+          <a:lstStyle/>
+          <a:p>
+            <a:r>
+              <a:rPr lang="en-US" dirty="0" smtClean="0">
+                <a:solidFill>
+                  <a:srgbClr val="FFFF00"/>
+                </a:solidFill>
+              </a:rPr>
+              <a:t>Please include this slide in your presentation</a:t>
+            </a:r>
+            <a:r>
+              <a:rPr lang="en-US" baseline="0" dirty="0" smtClean="0">
+                <a:solidFill>
+                  <a:srgbClr val="FFFF00"/>
+                </a:solidFill>
+              </a:rPr>
+              <a:t> in the appropriate location.</a:t>
+            </a:r>
+            <a:r>
+              <a:rPr lang="en-US" dirty="0" smtClean="0">
+                <a:solidFill>
+                  <a:srgbClr val="FFFF00"/>
+                </a:solidFill>
+              </a:rPr>
+              <a:t> </a:t>
+            </a:r>
+            <a:r>
+              <a:rPr lang="en-US" dirty="0" smtClean="0"/>
+              <a:t>Notes: </a:t>
+            </a:r>
+            <a:r>
+              <a:rPr lang="en-US" sz="1200" b="0" i="0" u="none" strike="noStrike" kern="1200" baseline="0" dirty="0" smtClean="0">
+                <a:solidFill>
+                  <a:schemeClr val="tx1"/>
+                </a:solidFill>
+                <a:latin typeface="+mn-lt"/>
+                <a:ea typeface="+mn-ea"/>
+                <a:cs typeface="+mn-cs"/>
+              </a:rPr>
+              <a:t>Feed the Future connects U.S. Government efforts targeted at global hunger and food security. Led by USAID, Feed the Future draws on the resources and expertise of the U.S. Departments of Agriculture, Commerce, State and Treasury; the Millennium Challenge Corporation; the United States African Development Foundation; the Peace Corps; the Overseas Private Investment Corporation; the Office of the United States Trade Representative; and the U.S. Geological Survey. </a:t>
+            </a:r>
+            <a:endParaRPr lang="en-US" dirty="0"/>
+          </a:p>
+        </p:txBody>
+      </p:sp>
+      <p:sp>
+        <p:nvSpPr>
+          <p:cNvPr id="4" name="Slide Number Placeholder 3"/>
+          <p:cNvSpPr>
+            <a:spLocks noGrp="1"/>
+          </p:cNvSpPr>
+          <p:nvPr>
+            <p:ph type="sldNum" sz="quarter" idx="10"/>
+          </p:nvPr>
+        </p:nvSpPr>
+        <p:spPr/>
+        <p:txBody>
+          <a:bodyPr/>
+          <a:lstStyle/>
+          <a:p>
+            <a:fld id="{DD154D62-D7A5-D248-8B93-7A8623E1000B}" type="slidenum">
+              <a:rPr lang="en-US" smtClean="0"/>
+              <a:pPr/>
+              <a:t>2</a:t>
+            </a:fld>
+            <a:endParaRPr lang="en-US"/>
+          </a:p>
+        </p:txBody>
+      </p:sp>
+    </p:spTree>
+    <p:extLst>
+      <p:ext uri="{BB962C8B-B14F-4D97-AF65-F5344CB8AC3E}">
+        <p14:creationId xmlns:p14="http://schemas.microsoft.com/office/powerpoint/2010/main" val="2906133677"/>
+      </p:ext>
+    </p:extLst>
+  </p:cSld>
+  <p:clrMapOvr>
+    <a:masterClrMapping/>
+  </p:clrMapOvr>
+</p:notes>
+</file>
+
+<file path=ppt/notesSlides/notesSlide3.xml><?xml version="1.0" encoding="utf-8"?>
+<p:notes xmlns:a="http://schemas.openxmlformats.org/drawingml/2006/main" xmlns:r="http://schemas.openxmlformats.org/officeDocument/2006/relationships" xmlns:p="http://schemas.openxmlformats.org/presentationml/2006/main">
+  <p:cSld>
+    <p:spTree>
+      <p:nvGrpSpPr>
+        <p:cNvPr id="1" name=""/>
+        <p:cNvGrpSpPr/>
+        <p:nvPr/>
+      </p:nvGrpSpPr>
+      <p:grpSpPr>
+        <a:xfrm>
+          <a:off x="0" y="0"/>
+          <a:ext cx="0" cy="0"/>
+          <a:chOff x="0" y="0"/>
+          <a:chExt cx="0" cy="0"/>
+        </a:xfrm>
+      </p:grpSpPr>
+      <p:sp>
+        <p:nvSpPr>
+          <p:cNvPr id="2" name="Slide Image Placeholder 1"/>
+          <p:cNvSpPr>
+            <a:spLocks noGrp="1" noRot="1" noChangeAspect="1"/>
+          </p:cNvSpPr>
+          <p:nvPr>
+            <p:ph type="sldImg"/>
+          </p:nvPr>
+        </p:nvSpPr>
+        <p:spPr/>
+      </p:sp>
+      <p:sp>
+        <p:nvSpPr>
+          <p:cNvPr id="3" name="Notes Placeholder 2"/>
+          <p:cNvSpPr>
+            <a:spLocks noGrp="1"/>
+          </p:cNvSpPr>
+          <p:nvPr>
+            <p:ph type="body" idx="1"/>
+          </p:nvPr>
+        </p:nvSpPr>
+        <p:spPr/>
+        <p:txBody>
+          <a:bodyPr/>
+          <a:lstStyle/>
+          <a:p>
+            <a:pPr marL="0" marR="0" indent="0" algn="l" defTabSz="457200" rtl="0" eaLnBrk="1" fontAlgn="auto" latinLnBrk="0" hangingPunct="1">
+              <a:lnSpc>
+                <a:spcPct val="100000"/>
+              </a:lnSpc>
+              <a:spcBef>
+                <a:spcPts val="0"/>
+              </a:spcBef>
+              <a:spcAft>
+                <a:spcPts val="0"/>
+              </a:spcAft>
+              <a:buClrTx/>
+              <a:buSzTx/>
+              <a:buFontTx/>
+              <a:buNone/>
+              <a:tabLst/>
+              <a:defRPr/>
+            </a:pPr>
+            <a:r>
+              <a:rPr lang="en-US" dirty="0" smtClean="0"/>
+              <a:t>To insert your implementing partner </a:t>
+            </a:r>
+            <a:r>
+              <a:rPr lang="en-US" b="1" dirty="0" smtClean="0"/>
+              <a:t>institutional</a:t>
+            </a:r>
+            <a:r>
+              <a:rPr lang="en-US" dirty="0" smtClean="0"/>
+              <a:t> logo, go to View</a:t>
+            </a:r>
+            <a:r>
+              <a:rPr lang="en-US" baseline="0" dirty="0" smtClean="0"/>
+              <a:t> &gt;&gt; Slide Master, and replace the gray box with your logo, placing it to the right of the USAID logo at the bottom. No text or partner logos can be placed within the upper blue banner.</a:t>
+            </a:r>
+            <a:endParaRPr lang="en-US" dirty="0" smtClean="0"/>
+          </a:p>
+          <a:p>
+            <a:endParaRPr lang="en-US" dirty="0"/>
+          </a:p>
+        </p:txBody>
+      </p:sp>
+      <p:sp>
+        <p:nvSpPr>
+          <p:cNvPr id="4" name="Slide Number Placeholder 3"/>
+          <p:cNvSpPr>
+            <a:spLocks noGrp="1"/>
+          </p:cNvSpPr>
+          <p:nvPr>
+            <p:ph type="sldNum" sz="quarter" idx="10"/>
+          </p:nvPr>
+        </p:nvSpPr>
+        <p:spPr/>
+        <p:txBody>
+          <a:bodyPr/>
+          <a:lstStyle/>
+          <a:p>
+            <a:fld id="{DD154D62-D7A5-D248-8B93-7A8623E1000B}" type="slidenum">
+              <a:rPr lang="en-US" smtClean="0"/>
+              <a:pPr/>
+              <a:t>3</a:t>
+            </a:fld>
+            <a:endParaRPr lang="en-US"/>
+          </a:p>
+        </p:txBody>
+      </p:sp>
+    </p:spTree>
+    <p:extLst>
+      <p:ext uri="{BB962C8B-B14F-4D97-AF65-F5344CB8AC3E}">
+        <p14:creationId xmlns:p14="http://schemas.microsoft.com/office/powerpoint/2010/main" val="2342333297"/>
+      </p:ext>
+    </p:extLst>
+  </p:cSld>
+  <p:clrMapOvr>
+    <a:masterClrMapping/>
+  </p:clrMapOvr>
+</p:notes>
+</file>
+
+<file path=ppt/notesSlides/notesSlide4.xml><?xml version="1.0" encoding="utf-8"?>
+<p:notes xmlns:a="http://schemas.openxmlformats.org/drawingml/2006/main" xmlns:r="http://schemas.openxmlformats.org/officeDocument/2006/relationships" xmlns:p="http://schemas.openxmlformats.org/presentationml/2006/main">
+  <p:cSld>
+    <p:spTree>
+      <p:nvGrpSpPr>
+        <p:cNvPr id="1" name=""/>
+        <p:cNvGrpSpPr/>
+        <p:nvPr/>
+      </p:nvGrpSpPr>
+      <p:grpSpPr>
+        <a:xfrm>
+          <a:off x="0" y="0"/>
+          <a:ext cx="0" cy="0"/>
+          <a:chOff x="0" y="0"/>
+          <a:chExt cx="0" cy="0"/>
+        </a:xfrm>
+      </p:grpSpPr>
+      <p:sp>
+        <p:nvSpPr>
+          <p:cNvPr id="2" name="Slide Image Placeholder 1"/>
+          <p:cNvSpPr>
+            <a:spLocks noGrp="1" noRot="1" noChangeAspect="1"/>
+          </p:cNvSpPr>
+          <p:nvPr>
+            <p:ph type="sldImg"/>
+          </p:nvPr>
+        </p:nvSpPr>
+        <p:spPr/>
+      </p:sp>
+      <p:sp>
+        <p:nvSpPr>
+          <p:cNvPr id="3" name="Notes Placeholder 2"/>
+          <p:cNvSpPr>
+            <a:spLocks noGrp="1"/>
+          </p:cNvSpPr>
+          <p:nvPr>
+            <p:ph type="body" idx="1"/>
+          </p:nvPr>
+        </p:nvSpPr>
+        <p:spPr/>
+        <p:txBody>
+          <a:bodyPr/>
+          <a:lstStyle/>
+          <a:p>
+            <a:pPr marL="0" marR="0" indent="0" algn="l" defTabSz="457200" rtl="0" eaLnBrk="1" fontAlgn="auto" latinLnBrk="0" hangingPunct="1">
+              <a:lnSpc>
+                <a:spcPct val="100000"/>
+              </a:lnSpc>
+              <a:spcBef>
+                <a:spcPts val="0"/>
+              </a:spcBef>
+              <a:spcAft>
+                <a:spcPts val="0"/>
+              </a:spcAft>
+              <a:buClrTx/>
+              <a:buSzTx/>
+              <a:buFontTx/>
+              <a:buNone/>
+              <a:tabLst/>
+              <a:defRPr/>
+            </a:pPr>
+            <a:r>
+              <a:rPr lang="en-US" dirty="0" smtClean="0"/>
+              <a:t>To insert your implementing partner </a:t>
+            </a:r>
+            <a:r>
+              <a:rPr lang="en-US" b="1" dirty="0" smtClean="0"/>
+              <a:t>institutional</a:t>
+            </a:r>
+            <a:r>
+              <a:rPr lang="en-US" dirty="0" smtClean="0"/>
+              <a:t> logo, go to View</a:t>
+            </a:r>
+            <a:r>
+              <a:rPr lang="en-US" baseline="0" dirty="0" smtClean="0"/>
+              <a:t> &gt;&gt; Slide Master, and replace the gray box with your logo, placing it to the right of the USAID logo at the bottom. No text or partner logos can be placed within the upper blue banner.</a:t>
+            </a:r>
+            <a:endParaRPr lang="en-US" dirty="0" smtClean="0"/>
+          </a:p>
+          <a:p>
+            <a:endParaRPr lang="en-US" dirty="0"/>
+          </a:p>
+        </p:txBody>
+      </p:sp>
+      <p:sp>
+        <p:nvSpPr>
+          <p:cNvPr id="4" name="Slide Number Placeholder 3"/>
+          <p:cNvSpPr>
+            <a:spLocks noGrp="1"/>
+          </p:cNvSpPr>
+          <p:nvPr>
+            <p:ph type="sldNum" sz="quarter" idx="10"/>
+          </p:nvPr>
+        </p:nvSpPr>
+        <p:spPr/>
+        <p:txBody>
+          <a:bodyPr/>
+          <a:lstStyle/>
+          <a:p>
+            <a:fld id="{DD154D62-D7A5-D248-8B93-7A8623E1000B}" type="slidenum">
+              <a:rPr lang="en-US" smtClean="0"/>
+              <a:pPr/>
+              <a:t>4</a:t>
+            </a:fld>
+            <a:endParaRPr lang="en-US"/>
+          </a:p>
+        </p:txBody>
+      </p:sp>
+    </p:spTree>
+    <p:extLst>
+      <p:ext uri="{BB962C8B-B14F-4D97-AF65-F5344CB8AC3E}">
+        <p14:creationId xmlns:p14="http://schemas.microsoft.com/office/powerpoint/2010/main" val="1884023233"/>
+      </p:ext>
+    </p:extLst>
+  </p:cSld>
+  <p:clrMapOvr>
+    <a:masterClrMapping/>
+  </p:clrMapOvr>
+</p:notes>
+</file>
+
+<file path=ppt/notesSlides/notesSlide5.xml><?xml version="1.0" encoding="utf-8"?>
+<p:notes xmlns:a="http://schemas.openxmlformats.org/drawingml/2006/main" xmlns:r="http://schemas.openxmlformats.org/officeDocument/2006/relationships" xmlns:p="http://schemas.openxmlformats.org/presentationml/2006/main">
+  <p:cSld>
+    <p:spTree>
+      <p:nvGrpSpPr>
+        <p:cNvPr id="1" name=""/>
+        <p:cNvGrpSpPr/>
+        <p:nvPr/>
+      </p:nvGrpSpPr>
+      <p:grpSpPr>
+        <a:xfrm>
+          <a:off x="0" y="0"/>
+          <a:ext cx="0" cy="0"/>
+          <a:chOff x="0" y="0"/>
+          <a:chExt cx="0" cy="0"/>
+        </a:xfrm>
+      </p:grpSpPr>
+      <p:sp>
+        <p:nvSpPr>
+          <p:cNvPr id="2" name="Slide Image Placeholder 1"/>
+          <p:cNvSpPr>
+            <a:spLocks noGrp="1" noRot="1" noChangeAspect="1"/>
+          </p:cNvSpPr>
+          <p:nvPr>
+            <p:ph type="sldImg"/>
+          </p:nvPr>
+        </p:nvSpPr>
+        <p:spPr/>
+      </p:sp>
+      <p:sp>
+        <p:nvSpPr>
+          <p:cNvPr id="3" name="Notes Placeholder 2"/>
+          <p:cNvSpPr>
+            <a:spLocks noGrp="1"/>
+          </p:cNvSpPr>
+          <p:nvPr>
+            <p:ph type="body" idx="1"/>
+          </p:nvPr>
+        </p:nvSpPr>
+        <p:spPr/>
+        <p:txBody>
+          <a:bodyPr/>
+          <a:lstStyle/>
+          <a:p>
+            <a:pPr marL="0" marR="0" indent="0" algn="l" defTabSz="457200" rtl="0" eaLnBrk="1" fontAlgn="auto" latinLnBrk="0" hangingPunct="1">
+              <a:lnSpc>
+                <a:spcPct val="100000"/>
+              </a:lnSpc>
+              <a:spcBef>
+                <a:spcPts val="0"/>
+              </a:spcBef>
+              <a:spcAft>
+                <a:spcPts val="0"/>
+              </a:spcAft>
+              <a:buClrTx/>
+              <a:buSzTx/>
+              <a:buFontTx/>
+              <a:buNone/>
+              <a:tabLst/>
+              <a:defRPr/>
+            </a:pPr>
+            <a:r>
+              <a:rPr lang="en-US" dirty="0" smtClean="0"/>
+              <a:t>To insert your implementing partner </a:t>
+            </a:r>
+            <a:r>
+              <a:rPr lang="en-US" b="1" dirty="0" smtClean="0"/>
+              <a:t>institutional</a:t>
+            </a:r>
+            <a:r>
+              <a:rPr lang="en-US" dirty="0" smtClean="0"/>
+              <a:t> logo, go to View</a:t>
+            </a:r>
+            <a:r>
+              <a:rPr lang="en-US" baseline="0" dirty="0" smtClean="0"/>
+              <a:t> &gt;&gt; Slide Master, and replace the gray box with your logo, placing it to the right of the USAID logo at the bottom. No text or partner logos can be placed within the upper blue banner.</a:t>
+            </a:r>
+            <a:endParaRPr lang="en-US" dirty="0" smtClean="0"/>
+          </a:p>
+          <a:p>
+            <a:endParaRPr lang="en-US" dirty="0"/>
+          </a:p>
+        </p:txBody>
+      </p:sp>
+      <p:sp>
+        <p:nvSpPr>
+          <p:cNvPr id="4" name="Slide Number Placeholder 3"/>
+          <p:cNvSpPr>
+            <a:spLocks noGrp="1"/>
+          </p:cNvSpPr>
+          <p:nvPr>
+            <p:ph type="sldNum" sz="quarter" idx="10"/>
+          </p:nvPr>
+        </p:nvSpPr>
+        <p:spPr/>
+        <p:txBody>
+          <a:bodyPr/>
+          <a:lstStyle/>
+          <a:p>
+            <a:fld id="{DD154D62-D7A5-D248-8B93-7A8623E1000B}" type="slidenum">
+              <a:rPr lang="en-US" smtClean="0"/>
+              <a:pPr/>
+              <a:t>5</a:t>
+            </a:fld>
+            <a:endParaRPr lang="en-US"/>
+          </a:p>
+        </p:txBody>
+      </p:sp>
+    </p:spTree>
+    <p:extLst>
+      <p:ext uri="{BB962C8B-B14F-4D97-AF65-F5344CB8AC3E}">
+        <p14:creationId xmlns:p14="http://schemas.microsoft.com/office/powerpoint/2010/main" val="3154989396"/>
+      </p:ext>
+    </p:extLst>
+  </p:cSld>
+  <p:clrMapOvr>
+    <a:masterClrMapping/>
+  </p:clrMapOvr>
+</p:notes>
+</file>
+
+<file path=ppt/notesSlides/notesSlide6.xml><?xml version="1.0" encoding="utf-8"?>
+<p:notes xmlns:a="http://schemas.openxmlformats.org/drawingml/2006/main" xmlns:r="http://schemas.openxmlformats.org/officeDocument/2006/relationships" xmlns:p="http://schemas.openxmlformats.org/presentationml/2006/main">
+  <p:cSld>
+    <p:spTree>
+      <p:nvGrpSpPr>
+        <p:cNvPr id="1" name=""/>
+        <p:cNvGrpSpPr/>
+        <p:nvPr/>
+      </p:nvGrpSpPr>
+      <p:grpSpPr>
+        <a:xfrm>
+          <a:off x="0" y="0"/>
+          <a:ext cx="0" cy="0"/>
+          <a:chOff x="0" y="0"/>
+          <a:chExt cx="0" cy="0"/>
+        </a:xfrm>
+      </p:grpSpPr>
+      <p:sp>
+        <p:nvSpPr>
+          <p:cNvPr id="2" name="Slide Image Placeholder 1"/>
+          <p:cNvSpPr>
+            <a:spLocks noGrp="1" noRot="1" noChangeAspect="1"/>
+          </p:cNvSpPr>
+          <p:nvPr>
+            <p:ph type="sldImg"/>
+          </p:nvPr>
+        </p:nvSpPr>
+        <p:spPr/>
+      </p:sp>
+      <p:sp>
+        <p:nvSpPr>
+          <p:cNvPr id="3" name="Notes Placeholder 2"/>
+          <p:cNvSpPr>
+            <a:spLocks noGrp="1"/>
+          </p:cNvSpPr>
+          <p:nvPr>
+            <p:ph type="body" idx="1"/>
+          </p:nvPr>
+        </p:nvSpPr>
+        <p:spPr/>
+        <p:txBody>
+          <a:bodyPr/>
+          <a:lstStyle/>
+          <a:p>
+            <a:pPr marL="0" marR="0" indent="0" algn="l" defTabSz="457200" rtl="0" eaLnBrk="1" fontAlgn="auto" latinLnBrk="0" hangingPunct="1">
+              <a:lnSpc>
+                <a:spcPct val="100000"/>
+              </a:lnSpc>
+              <a:spcBef>
+                <a:spcPts val="0"/>
+              </a:spcBef>
+              <a:spcAft>
+                <a:spcPts val="0"/>
+              </a:spcAft>
+              <a:buClrTx/>
+              <a:buSzTx/>
+              <a:buFontTx/>
+              <a:buNone/>
+              <a:tabLst/>
+              <a:defRPr/>
+            </a:pPr>
+            <a:r>
+              <a:rPr lang="en-US" dirty="0" smtClean="0"/>
+              <a:t>To insert your implementing partner </a:t>
+            </a:r>
+            <a:r>
+              <a:rPr lang="en-US" b="1" dirty="0" smtClean="0"/>
+              <a:t>institutional</a:t>
+            </a:r>
+            <a:r>
+              <a:rPr lang="en-US" dirty="0" smtClean="0"/>
+              <a:t> logo, go to View</a:t>
+            </a:r>
+            <a:r>
+              <a:rPr lang="en-US" baseline="0" dirty="0" smtClean="0"/>
+              <a:t> &gt;&gt; Slide Master, and replace the gray box with your logo, placing it to the right of the USAID logo at the bottom. No text or partner logos can be placed within the upper blue banner.</a:t>
+            </a:r>
+            <a:endParaRPr lang="en-US" dirty="0" smtClean="0"/>
+          </a:p>
+          <a:p>
+            <a:endParaRPr lang="en-US" dirty="0"/>
+          </a:p>
+        </p:txBody>
+      </p:sp>
+      <p:sp>
+        <p:nvSpPr>
+          <p:cNvPr id="4" name="Slide Number Placeholder 3"/>
+          <p:cNvSpPr>
+            <a:spLocks noGrp="1"/>
+          </p:cNvSpPr>
+          <p:nvPr>
+            <p:ph type="sldNum" sz="quarter" idx="10"/>
+          </p:nvPr>
+        </p:nvSpPr>
+        <p:spPr/>
+        <p:txBody>
+          <a:bodyPr/>
+          <a:lstStyle/>
+          <a:p>
+            <a:fld id="{DD154D62-D7A5-D248-8B93-7A8623E1000B}" type="slidenum">
+              <a:rPr lang="en-US" smtClean="0"/>
+              <a:pPr/>
+              <a:t>7</a:t>
+            </a:fld>
+            <a:endParaRPr lang="en-US"/>
+          </a:p>
+        </p:txBody>
+      </p:sp>
+    </p:spTree>
+    <p:extLst>
+      <p:ext uri="{BB962C8B-B14F-4D97-AF65-F5344CB8AC3E}">
+        <p14:creationId xmlns:p14="http://schemas.microsoft.com/office/powerpoint/2010/main" val="1387594294"/>
+      </p:ext>
+    </p:extLst>
+  </p:cSld>
+  <p:clrMapOvr>
+    <a:masterClrMapping/>
+  </p:clrMapOvr>
+</p:notes>
+</file>
+
+<file path=ppt/notesSlides/notesSlide7.xml><?xml version="1.0" encoding="utf-8"?>
+<p:notes xmlns:a="http://schemas.openxmlformats.org/drawingml/2006/main" xmlns:r="http://schemas.openxmlformats.org/officeDocument/2006/relationships" xmlns:p="http://schemas.openxmlformats.org/presentationml/2006/main">
+  <p:cSld>
+    <p:spTree>
+      <p:nvGrpSpPr>
+        <p:cNvPr id="1" name=""/>
+        <p:cNvGrpSpPr/>
+        <p:nvPr/>
+      </p:nvGrpSpPr>
+      <p:grpSpPr>
+        <a:xfrm>
+          <a:off x="0" y="0"/>
+          <a:ext cx="0" cy="0"/>
+          <a:chOff x="0" y="0"/>
+          <a:chExt cx="0" cy="0"/>
+        </a:xfrm>
+      </p:grpSpPr>
+      <p:sp>
+        <p:nvSpPr>
+          <p:cNvPr id="2" name="Slide Image Placeholder 1"/>
+          <p:cNvSpPr>
+            <a:spLocks noGrp="1" noRot="1" noChangeAspect="1"/>
+          </p:cNvSpPr>
+          <p:nvPr>
+            <p:ph type="sldImg"/>
+          </p:nvPr>
+        </p:nvSpPr>
+        <p:spPr/>
+      </p:sp>
+      <p:sp>
+        <p:nvSpPr>
+          <p:cNvPr id="3" name="Notes Placeholder 2"/>
+          <p:cNvSpPr>
+            <a:spLocks noGrp="1"/>
+          </p:cNvSpPr>
+          <p:nvPr>
+            <p:ph type="body" idx="1"/>
+          </p:nvPr>
+        </p:nvSpPr>
+        <p:spPr/>
+        <p:txBody>
+          <a:bodyPr/>
+          <a:lstStyle/>
+          <a:p>
+            <a:pPr marL="0" marR="0" indent="0" algn="l" defTabSz="457200" rtl="0" eaLnBrk="1" fontAlgn="auto" latinLnBrk="0" hangingPunct="1">
+              <a:lnSpc>
+                <a:spcPct val="100000"/>
+              </a:lnSpc>
+              <a:spcBef>
+                <a:spcPts val="0"/>
+              </a:spcBef>
+              <a:spcAft>
+                <a:spcPts val="0"/>
+              </a:spcAft>
+              <a:buClrTx/>
+              <a:buSzTx/>
+              <a:buFontTx/>
+              <a:buNone/>
+              <a:tabLst/>
+              <a:defRPr/>
+            </a:pPr>
+            <a:r>
+              <a:rPr lang="en-US" dirty="0" smtClean="0"/>
+              <a:t>To insert your implementing partner </a:t>
+            </a:r>
+            <a:r>
+              <a:rPr lang="en-US" b="1" dirty="0" smtClean="0"/>
+              <a:t>institutional</a:t>
+            </a:r>
+            <a:r>
+              <a:rPr lang="en-US" dirty="0" smtClean="0"/>
+              <a:t> logo, go to View</a:t>
+            </a:r>
+            <a:r>
+              <a:rPr lang="en-US" baseline="0" dirty="0" smtClean="0"/>
+              <a:t> &gt;&gt; Slide Master, and replace the gray box with your logo, placing it to the right of the USAID logo at the bottom. No text or partner logos can be placed within the upper blue banner.</a:t>
+            </a:r>
+            <a:endParaRPr lang="en-US" dirty="0" smtClean="0"/>
+          </a:p>
+          <a:p>
+            <a:endParaRPr lang="en-US" dirty="0"/>
+          </a:p>
+        </p:txBody>
+      </p:sp>
+      <p:sp>
+        <p:nvSpPr>
+          <p:cNvPr id="4" name="Slide Number Placeholder 3"/>
+          <p:cNvSpPr>
+            <a:spLocks noGrp="1"/>
+          </p:cNvSpPr>
+          <p:nvPr>
+            <p:ph type="sldNum" sz="quarter" idx="10"/>
+          </p:nvPr>
+        </p:nvSpPr>
+        <p:spPr/>
+        <p:txBody>
+          <a:bodyPr/>
+          <a:lstStyle/>
+          <a:p>
+            <a:fld id="{DD154D62-D7A5-D248-8B93-7A8623E1000B}" type="slidenum">
+              <a:rPr lang="en-US" smtClean="0"/>
+              <a:pPr/>
+              <a:t>8</a:t>
+            </a:fld>
+            <a:endParaRPr lang="en-US"/>
+          </a:p>
+        </p:txBody>
+      </p:sp>
+    </p:spTree>
+    <p:extLst>
+      <p:ext uri="{BB962C8B-B14F-4D97-AF65-F5344CB8AC3E}">
+        <p14:creationId xmlns:p14="http://schemas.microsoft.com/office/powerpoint/2010/main" val="1184386385"/>
+      </p:ext>
+    </p:extLst>
+  </p:cSld>
+  <p:clrMapOvr>
+    <a:masterClrMapping/>
+  </p:clrMapOvr>
+</p:notes>
+</file>
+
+<file path=ppt/slideLayouts/slideLayout1.xml><?xml version="1.0" encoding="utf-8"?>
+<p:sldLayout xmlns:a="http://schemas.openxmlformats.org/drawingml/2006/main" xmlns:r="http://schemas.openxmlformats.org/officeDocument/2006/relationships" xmlns:p="http://schemas.openxmlformats.org/presentationml/2006/main" preserve="1" userDrawn="1">
+  <p:cSld name="Title and content">
+    <p:spTree>
+      <p:nvGrpSpPr>
+        <p:cNvPr id="1" name=""/>
+        <p:cNvGrpSpPr/>
+        <p:nvPr/>
+      </p:nvGrpSpPr>
+      <p:grpSpPr>
+        <a:xfrm>
+          <a:off x="0" y="0"/>
+          <a:ext cx="0" cy="0"/>
+          <a:chOff x="0" y="0"/>
+          <a:chExt cx="0" cy="0"/>
+        </a:xfrm>
+      </p:grpSpPr>
+      <p:sp>
+        <p:nvSpPr>
+          <p:cNvPr id="10" name="TextBox 9"/>
+          <p:cNvSpPr txBox="1"/>
+          <p:nvPr userDrawn="1"/>
+        </p:nvSpPr>
+        <p:spPr>
+          <a:xfrm>
+            <a:off x="358758" y="6611159"/>
+            <a:ext cx="7226024" cy="230832"/>
+          </a:xfrm>
+          <a:prstGeom prst="rect">
+            <a:avLst/>
+          </a:prstGeom>
+          <a:noFill/>
+          <a:ln w="12700" cap="sq" cmpd="sng">
+            <a:noFill/>
+            <a:prstDash val="solid"/>
+          </a:ln>
+        </p:spPr>
+        <p:txBody>
+          <a:bodyPr wrap="square" rtlCol="0" anchor="t" anchorCtr="0">
+            <a:spAutoFit/>
+          </a:bodyPr>
+          <a:lstStyle/>
+          <a:p>
+            <a:r>
+              <a:rPr lang="en-US" sz="900" b="0" i="1" dirty="0" smtClean="0">
+                <a:solidFill>
+                  <a:schemeClr val="bg1"/>
+                </a:solidFill>
+                <a:latin typeface="Arial"/>
+                <a:cs typeface="Arial"/>
+              </a:rPr>
+              <a:t>Photo</a:t>
+            </a:r>
+            <a:r>
+              <a:rPr lang="en-US" sz="900" b="0" i="1" baseline="0" dirty="0" smtClean="0">
+                <a:solidFill>
+                  <a:schemeClr val="bg1"/>
+                </a:solidFill>
+                <a:latin typeface="Arial"/>
+                <a:cs typeface="Arial"/>
+              </a:rPr>
+              <a:t> Credit Goes Here</a:t>
+            </a:r>
+            <a:endParaRPr lang="en-US" sz="900" b="0" i="1" dirty="0">
+              <a:solidFill>
+                <a:schemeClr val="bg1"/>
+              </a:solidFill>
+              <a:latin typeface="Arial"/>
+              <a:cs typeface="Arial"/>
+            </a:endParaRPr>
+          </a:p>
+        </p:txBody>
+      </p:sp>
+      <p:sp>
+        <p:nvSpPr>
+          <p:cNvPr id="15" name="Text Placeholder 14"/>
+          <p:cNvSpPr>
+            <a:spLocks noGrp="1"/>
+          </p:cNvSpPr>
+          <p:nvPr>
+            <p:ph type="body" sz="quarter" idx="12" hasCustomPrompt="1"/>
+          </p:nvPr>
+        </p:nvSpPr>
+        <p:spPr>
+          <a:xfrm>
+            <a:off x="462856" y="5723098"/>
+            <a:ext cx="5022850" cy="260350"/>
+          </a:xfrm>
+          <a:prstGeom prst="rect">
+            <a:avLst/>
+          </a:prstGeom>
+        </p:spPr>
+        <p:txBody>
+          <a:bodyPr/>
+          <a:lstStyle>
+            <a:lvl1pPr marL="0" indent="0">
+              <a:buNone/>
+              <a:defRPr sz="1000" i="1" baseline="0">
+                <a:solidFill>
+                  <a:schemeClr val="bg1"/>
+                </a:solidFill>
+                <a:latin typeface="Arial" panose="020B0604020202020204" pitchFamily="34" charset="0"/>
+                <a:cs typeface="Arial" panose="020B0604020202020204" pitchFamily="34" charset="0"/>
+              </a:defRPr>
+            </a:lvl1pPr>
+          </a:lstStyle>
+          <a:p>
+            <a:pPr lvl="0"/>
+            <a:r>
+              <a:rPr lang="en-US" dirty="0" smtClean="0"/>
+              <a:t>Photo credit: Name/Organization</a:t>
+            </a:r>
+            <a:endParaRPr lang="en-US" dirty="0"/>
+          </a:p>
+        </p:txBody>
+      </p:sp>
+      <p:sp>
+        <p:nvSpPr>
+          <p:cNvPr id="17" name="Text Placeholder 16"/>
+          <p:cNvSpPr>
+            <a:spLocks noGrp="1"/>
+          </p:cNvSpPr>
+          <p:nvPr>
+            <p:ph type="body" sz="quarter" idx="13" hasCustomPrompt="1"/>
+          </p:nvPr>
+        </p:nvSpPr>
+        <p:spPr>
+          <a:xfrm>
+            <a:off x="452438" y="5175081"/>
+            <a:ext cx="8186737" cy="268287"/>
+          </a:xfrm>
+          <a:prstGeom prst="rect">
+            <a:avLst/>
+          </a:prstGeom>
+        </p:spPr>
+        <p:txBody>
+          <a:bodyPr/>
+          <a:lstStyle>
+            <a:lvl1pPr marL="0" indent="0">
+              <a:buNone/>
+              <a:defRPr sz="1500" b="1" baseline="0">
+                <a:solidFill>
+                  <a:schemeClr val="bg1"/>
+                </a:solidFill>
+                <a:latin typeface="Arial" panose="020B0604020202020204" pitchFamily="34" charset="0"/>
+                <a:cs typeface="Arial" panose="020B0604020202020204" pitchFamily="34" charset="0"/>
+              </a:defRPr>
+            </a:lvl1pPr>
+          </a:lstStyle>
+          <a:p>
+            <a:pPr lvl="0"/>
+            <a:r>
+              <a:rPr lang="en-US" dirty="0" smtClean="0"/>
+              <a:t>Subhead goes here</a:t>
+            </a:r>
+            <a:endParaRPr lang="en-US" dirty="0"/>
+          </a:p>
+        </p:txBody>
+      </p:sp>
+      <p:sp>
+        <p:nvSpPr>
+          <p:cNvPr id="19" name="Text Placeholder 18"/>
+          <p:cNvSpPr>
+            <a:spLocks noGrp="1"/>
+          </p:cNvSpPr>
+          <p:nvPr>
+            <p:ph type="body" sz="quarter" idx="14" hasCustomPrompt="1"/>
+          </p:nvPr>
+        </p:nvSpPr>
+        <p:spPr>
+          <a:xfrm>
+            <a:off x="1021842" y="3829050"/>
+            <a:ext cx="7089775" cy="1195388"/>
+          </a:xfrm>
+          <a:prstGeom prst="rect">
+            <a:avLst/>
+          </a:prstGeom>
+        </p:spPr>
+        <p:txBody>
+          <a:bodyPr/>
+          <a:lstStyle>
+            <a:lvl1pPr marL="0" indent="0" algn="ctr">
+              <a:buNone/>
+              <a:defRPr sz="3400" baseline="0">
+                <a:solidFill>
+                  <a:schemeClr val="bg1">
+                    <a:lumMod val="85000"/>
+                  </a:schemeClr>
+                </a:solidFill>
+                <a:latin typeface="Arial" panose="020B0604020202020204" pitchFamily="34" charset="0"/>
+                <a:cs typeface="Arial" panose="020B0604020202020204" pitchFamily="34" charset="0"/>
+              </a:defRPr>
+            </a:lvl1pPr>
+          </a:lstStyle>
+          <a:p>
+            <a:pPr lvl="0"/>
+            <a:r>
+              <a:rPr lang="en-US" dirty="0" smtClean="0"/>
+              <a:t>TITLE OF PRESENTATION GOES HERE AND HERE</a:t>
+            </a:r>
+            <a:endParaRPr lang="en-US" dirty="0"/>
+          </a:p>
+        </p:txBody>
+      </p:sp>
+    </p:spTree>
+    <p:extLst>
+      <p:ext uri="{BB962C8B-B14F-4D97-AF65-F5344CB8AC3E}">
+        <p14:creationId xmlns:p14="http://schemas.microsoft.com/office/powerpoint/2010/main" val="2099622312"/>
+      </p:ext>
+    </p:extLst>
+  </p:cSld>
+  <p:clrMapOvr>
+    <a:masterClrMapping/>
+  </p:clrMapOvr>
+  <p:timing>
+    <p:tnLst>
+      <p:par>
+        <p:cTn id="1" dur="indefinite" restart="never" nodeType="tmRoot"/>
+      </p:par>
+    </p:tnLst>
+  </p:timing>
+</p:sldLayout>
+</file>
+
+<file path=ppt/slideLayouts/slideLayout10.xml><?xml version="1.0" encoding="utf-8"?>
+<p:sldLayout xmlns:a="http://schemas.openxmlformats.org/drawingml/2006/main" xmlns:r="http://schemas.openxmlformats.org/officeDocument/2006/relationships" xmlns:p="http://schemas.openxmlformats.org/presentationml/2006/main" preserve="1" userDrawn="1">
+  <p:cSld name="Feed the Future-only branded blank">
+    <p:spTree>
+      <p:nvGrpSpPr>
+        <p:cNvPr id="1" name=""/>
+        <p:cNvGrpSpPr/>
+        <p:nvPr/>
+      </p:nvGrpSpPr>
+      <p:grpSpPr>
+        <a:xfrm>
+          <a:off x="0" y="0"/>
+          <a:ext cx="0" cy="0"/>
+          <a:chOff x="0" y="0"/>
+          <a:chExt cx="0" cy="0"/>
+        </a:xfrm>
+      </p:grpSpPr>
+      <p:sp>
+        <p:nvSpPr>
+          <p:cNvPr id="2" name="Title 1"/>
+          <p:cNvSpPr>
+            <a:spLocks noGrp="1"/>
+          </p:cNvSpPr>
+          <p:nvPr>
+            <p:ph type="title" hasCustomPrompt="1"/>
+          </p:nvPr>
+        </p:nvSpPr>
+        <p:spPr bwMode="auto">
+          <a:xfrm>
+            <a:off x="448041" y="1156441"/>
+            <a:ext cx="8229600" cy="597049"/>
+          </a:xfrm>
+          <a:prstGeom prst="rect">
+            <a:avLst/>
+          </a:prstGeom>
+          <a:noFill/>
+          <a:ln w="0">
+            <a:noFill/>
+            <a:miter lim="800000"/>
+            <a:headEnd/>
+            <a:tailEnd/>
+          </a:ln>
+          <a:extLst>
+            <a:ext uri="{909E8E84-426E-40DD-AFC4-6F175D3DCCD1}">
+              <a14:hiddenFill xmlns:a14="http://schemas.microsoft.com/office/drawing/2010/main">
+                <a:solidFill>
+                  <a:srgbClr val="FFFFFF"/>
+                </a:solidFill>
+              </a14:hiddenFill>
+            </a:ext>
+          </a:extLst>
+        </p:spPr>
+        <p:txBody>
+          <a:bodyPr vert="horz" wrap="square" lIns="91440" tIns="45720" rIns="91440" bIns="0" numCol="1" anchor="t" anchorCtr="0" compatLnSpc="1">
+            <a:prstTxWarp prst="textNoShape">
+              <a:avLst/>
+            </a:prstTxWarp>
+          </a:bodyPr>
+          <a:lstStyle>
+            <a:lvl1pPr>
+              <a:defRPr sz="3200" cap="all" baseline="0">
+                <a:solidFill>
+                  <a:srgbClr val="D37D28"/>
+                </a:solidFill>
+                <a:latin typeface="Arial" panose="020B0604020202020204" pitchFamily="34" charset="0"/>
+                <a:cs typeface="Arial" panose="020B0604020202020204" pitchFamily="34" charset="0"/>
+              </a:defRPr>
+            </a:lvl1pPr>
+          </a:lstStyle>
+          <a:p>
+            <a:r>
+              <a:rPr lang="en-US" altLang="en-US" dirty="0" smtClean="0"/>
+              <a:t>HEADER HERE</a:t>
+            </a:r>
+          </a:p>
+        </p:txBody>
+      </p:sp>
+    </p:spTree>
+    <p:extLst>
+      <p:ext uri="{BB962C8B-B14F-4D97-AF65-F5344CB8AC3E}">
+        <p14:creationId xmlns:p14="http://schemas.microsoft.com/office/powerpoint/2010/main" val="3739319730"/>
+      </p:ext>
+    </p:extLst>
+  </p:cSld>
+  <p:clrMapOvr>
+    <a:masterClrMapping/>
+  </p:clrMapOvr>
+  <p:timing>
+    <p:tnLst>
+      <p:par>
+        <p:cTn id="1" dur="indefinite" restart="never" nodeType="tmRoot"/>
+      </p:par>
+    </p:tnLst>
+  </p:timing>
+</p:sldLayout>
+</file>
+
+<file path=ppt/slideLayouts/slideLayout11.xml><?xml version="1.0" encoding="utf-8"?>
+<p:sldLayout xmlns:a="http://schemas.openxmlformats.org/drawingml/2006/main" xmlns:r="http://schemas.openxmlformats.org/officeDocument/2006/relationships" xmlns:p="http://schemas.openxmlformats.org/presentationml/2006/main" preserve="1" userDrawn="1">
+  <p:cSld name="Closing slide">
+    <p:spTree>
+      <p:nvGrpSpPr>
+        <p:cNvPr id="1" name=""/>
+        <p:cNvGrpSpPr/>
+        <p:nvPr/>
+      </p:nvGrpSpPr>
+      <p:grpSpPr>
+        <a:xfrm>
+          <a:off x="0" y="0"/>
+          <a:ext cx="0" cy="0"/>
+          <a:chOff x="0" y="0"/>
+          <a:chExt cx="0" cy="0"/>
+        </a:xfrm>
+      </p:grpSpPr>
+    </p:spTree>
+    <p:extLst>
+      <p:ext uri="{BB962C8B-B14F-4D97-AF65-F5344CB8AC3E}">
+        <p14:creationId xmlns:p14="http://schemas.microsoft.com/office/powerpoint/2010/main" val="2765871660"/>
+      </p:ext>
+    </p:extLst>
+  </p:cSld>
+  <p:clrMapOvr>
+    <a:masterClrMapping/>
+  </p:clrMapOvr>
+  <p:timing>
+    <p:tnLst>
+      <p:par>
+        <p:cTn id="1" dur="indefinite" restart="never" nodeType="tmRoot"/>
+      </p:par>
+    </p:tnLst>
+  </p:timing>
+</p:sldLayout>
+</file>
+
+<file path=ppt/slideLayouts/slideLayout2.xml><?xml version="1.0" encoding="utf-8"?>
+<p:sldLayout xmlns:a="http://schemas.openxmlformats.org/drawingml/2006/main" xmlns:r="http://schemas.openxmlformats.org/officeDocument/2006/relationships" xmlns:p="http://schemas.openxmlformats.org/presentationml/2006/main" userDrawn="1">
+  <p:cSld name="Title slide">
+    <p:spTree>
+      <p:nvGrpSpPr>
+        <p:cNvPr id="1" name=""/>
+        <p:cNvGrpSpPr/>
+        <p:nvPr/>
+      </p:nvGrpSpPr>
+      <p:grpSpPr>
+        <a:xfrm>
+          <a:off x="0" y="0"/>
+          <a:ext cx="0" cy="0"/>
+          <a:chOff x="0" y="0"/>
+          <a:chExt cx="0" cy="0"/>
+        </a:xfrm>
+      </p:grpSpPr>
+    </p:spTree>
+  </p:cSld>
+  <p:clrMapOvr>
+    <a:masterClrMapping/>
+  </p:clrMapOvr>
+  <p:timing>
+    <p:tnLst>
+      <p:par>
+        <p:cTn id="1" dur="indefinite" restart="never" nodeType="tmRoot"/>
+      </p:par>
+    </p:tnLst>
+  </p:timing>
+</p:sldLayout>
+</file>
+
+<file path=ppt/slideLayouts/slideLayout3.xml><?xml version="1.0" encoding="utf-8"?>
+<p:sldLayout xmlns:a="http://schemas.openxmlformats.org/drawingml/2006/main" xmlns:r="http://schemas.openxmlformats.org/officeDocument/2006/relationships" xmlns:p="http://schemas.openxmlformats.org/presentationml/2006/main" preserve="1" userDrawn="1">
+  <p:cSld name="Co-branded blank">
+    <p:spTree>
+      <p:nvGrpSpPr>
+        <p:cNvPr id="1" name=""/>
+        <p:cNvGrpSpPr/>
+        <p:nvPr/>
+      </p:nvGrpSpPr>
+      <p:grpSpPr>
+        <a:xfrm>
+          <a:off x="0" y="0"/>
+          <a:ext cx="0" cy="0"/>
+          <a:chOff x="0" y="0"/>
+          <a:chExt cx="0" cy="0"/>
+        </a:xfrm>
+      </p:grpSpPr>
+    </p:spTree>
+    <p:extLst>
+      <p:ext uri="{BB962C8B-B14F-4D97-AF65-F5344CB8AC3E}">
+        <p14:creationId xmlns:p14="http://schemas.microsoft.com/office/powerpoint/2010/main" val="1848056061"/>
+      </p:ext>
+    </p:extLst>
+  </p:cSld>
+  <p:clrMapOvr>
+    <a:masterClrMapping/>
+  </p:clrMapOvr>
+  <p:timing>
+    <p:tnLst>
+      <p:par>
+        <p:cTn id="1" dur="indefinite" restart="never" nodeType="tmRoot"/>
+      </p:par>
+    </p:tnLst>
+  </p:timing>
+</p:sldLayout>
+</file>
+
+<file path=ppt/slideLayouts/slideLayout4.xml><?xml version="1.0" encoding="utf-8"?>
+<p:sldLayout xmlns:a="http://schemas.openxmlformats.org/drawingml/2006/main" xmlns:r="http://schemas.openxmlformats.org/officeDocument/2006/relationships" xmlns:p="http://schemas.openxmlformats.org/presentationml/2006/main" preserve="1" userDrawn="1">
+  <p:cSld name="Header and Left Justified Text">
+    <p:spTree>
+      <p:nvGrpSpPr>
+        <p:cNvPr id="1" name=""/>
+        <p:cNvGrpSpPr/>
+        <p:nvPr/>
+      </p:nvGrpSpPr>
+      <p:grpSpPr>
+        <a:xfrm>
+          <a:off x="0" y="0"/>
+          <a:ext cx="0" cy="0"/>
+          <a:chOff x="0" y="0"/>
+          <a:chExt cx="0" cy="0"/>
+        </a:xfrm>
+      </p:grpSpPr>
+      <p:sp>
+        <p:nvSpPr>
+          <p:cNvPr id="4" name="Title 1"/>
+          <p:cNvSpPr>
+            <a:spLocks noGrp="1"/>
+          </p:cNvSpPr>
+          <p:nvPr>
+            <p:ph type="title" hasCustomPrompt="1"/>
+          </p:nvPr>
+        </p:nvSpPr>
+        <p:spPr bwMode="auto">
+          <a:xfrm>
+            <a:off x="448041" y="1156441"/>
+            <a:ext cx="8229600" cy="597049"/>
+          </a:xfrm>
+          <a:prstGeom prst="rect">
+            <a:avLst/>
+          </a:prstGeom>
+          <a:noFill/>
+          <a:ln w="0">
+            <a:noFill/>
+            <a:miter lim="800000"/>
+            <a:headEnd/>
+            <a:tailEnd/>
+          </a:ln>
+          <a:extLst>
+            <a:ext uri="{909E8E84-426E-40DD-AFC4-6F175D3DCCD1}">
+              <a14:hiddenFill xmlns:a14="http://schemas.microsoft.com/office/drawing/2010/main">
+                <a:solidFill>
+                  <a:srgbClr val="FFFFFF"/>
+                </a:solidFill>
+              </a14:hiddenFill>
+            </a:ext>
+          </a:extLst>
+        </p:spPr>
+        <p:txBody>
+          <a:bodyPr vert="horz" wrap="square" lIns="91440" tIns="45720" rIns="91440" bIns="0" numCol="1" anchor="t" anchorCtr="0" compatLnSpc="1">
+            <a:prstTxWarp prst="textNoShape">
+              <a:avLst/>
+            </a:prstTxWarp>
+          </a:bodyPr>
+          <a:lstStyle>
+            <a:lvl1pPr>
+              <a:defRPr sz="3200" cap="all" baseline="0">
+                <a:solidFill>
+                  <a:srgbClr val="D37D28"/>
+                </a:solidFill>
+                <a:latin typeface="Arial" panose="020B0604020202020204" pitchFamily="34" charset="0"/>
+                <a:cs typeface="Arial" panose="020B0604020202020204" pitchFamily="34" charset="0"/>
+              </a:defRPr>
+            </a:lvl1pPr>
+          </a:lstStyle>
+          <a:p>
+            <a:r>
+              <a:rPr lang="en-US" altLang="en-US" dirty="0" smtClean="0"/>
+              <a:t>HEADER HERE</a:t>
+            </a:r>
+          </a:p>
+        </p:txBody>
+      </p:sp>
+      <p:sp>
+        <p:nvSpPr>
+          <p:cNvPr id="8" name="Text Placeholder 7"/>
+          <p:cNvSpPr>
+            <a:spLocks noGrp="1"/>
+          </p:cNvSpPr>
+          <p:nvPr>
+            <p:ph type="body" sz="quarter" idx="10"/>
+          </p:nvPr>
+        </p:nvSpPr>
+        <p:spPr>
+          <a:xfrm>
+            <a:off x="612775" y="2087563"/>
+            <a:ext cx="8101013" cy="3291840"/>
+          </a:xfrm>
+          <a:prstGeom prst="rect">
+            <a:avLst/>
+          </a:prstGeom>
+        </p:spPr>
+        <p:txBody>
+          <a:bodyPr/>
+          <a:lstStyle>
+            <a:lvl1pPr marL="0" indent="0">
+              <a:buNone/>
+              <a:defRPr sz="1800">
+                <a:latin typeface="Arial" panose="020B0604020202020204" pitchFamily="34" charset="0"/>
+                <a:cs typeface="Arial" panose="020B0604020202020204" pitchFamily="34" charset="0"/>
+              </a:defRPr>
+            </a:lvl1pPr>
+            <a:lvl2pPr marL="457200" indent="0">
+              <a:buNone/>
+              <a:defRPr>
+                <a:latin typeface="Arial" panose="020B0604020202020204" pitchFamily="34" charset="0"/>
+                <a:cs typeface="Arial" panose="020B0604020202020204" pitchFamily="34" charset="0"/>
+              </a:defRPr>
+            </a:lvl2pPr>
+            <a:lvl3pPr marL="914400" indent="0">
+              <a:buNone/>
+              <a:defRPr>
+                <a:latin typeface="Arial" panose="020B0604020202020204" pitchFamily="34" charset="0"/>
+                <a:cs typeface="Arial" panose="020B0604020202020204" pitchFamily="34" charset="0"/>
+              </a:defRPr>
+            </a:lvl3pPr>
+            <a:lvl4pPr marL="1371600" indent="0">
+              <a:buNone/>
+              <a:defRPr>
+                <a:latin typeface="Arial" panose="020B0604020202020204" pitchFamily="34" charset="0"/>
+                <a:cs typeface="Arial" panose="020B0604020202020204" pitchFamily="34" charset="0"/>
+              </a:defRPr>
+            </a:lvl4pPr>
+            <a:lvl5pPr marL="1828800" indent="0">
+              <a:buNone/>
+              <a:defRPr>
+                <a:latin typeface="Arial" panose="020B0604020202020204" pitchFamily="34" charset="0"/>
+                <a:cs typeface="Arial" panose="020B0604020202020204" pitchFamily="34" charset="0"/>
+              </a:defRPr>
+            </a:lvl5pPr>
+          </a:lstStyle>
+          <a:p>
+            <a:pPr lvl="0"/>
+            <a:r>
+              <a:rPr lang="en-US" dirty="0" smtClean="0"/>
+              <a:t>Click to edit Master text styles</a:t>
+            </a:r>
+          </a:p>
+          <a:p>
+            <a:pPr lvl="0"/>
+            <a:endParaRPr lang="en-US" dirty="0" smtClean="0"/>
+          </a:p>
+        </p:txBody>
+      </p:sp>
+    </p:spTree>
+    <p:extLst>
+      <p:ext uri="{BB962C8B-B14F-4D97-AF65-F5344CB8AC3E}">
+        <p14:creationId xmlns:p14="http://schemas.microsoft.com/office/powerpoint/2010/main" val="1089391823"/>
+      </p:ext>
+    </p:extLst>
+  </p:cSld>
+  <p:clrMapOvr>
+    <a:masterClrMapping/>
+  </p:clrMapOvr>
+  <p:timing>
+    <p:tnLst>
+      <p:par>
+        <p:cTn id="1" dur="indefinite" restart="never" nodeType="tmRoot"/>
+      </p:par>
+    </p:tnLst>
+  </p:timing>
+</p:sldLayout>
+</file>
+
+<file path=ppt/slideLayouts/slideLayout5.xml><?xml version="1.0" encoding="utf-8"?>
+<p:sldLayout xmlns:a="http://schemas.openxmlformats.org/drawingml/2006/main" xmlns:r="http://schemas.openxmlformats.org/officeDocument/2006/relationships" xmlns:p="http://schemas.openxmlformats.org/presentationml/2006/main" preserve="1" userDrawn="1">
+  <p:cSld name="Header and bulleted list">
+    <p:spTree>
+      <p:nvGrpSpPr>
+        <p:cNvPr id="1" name=""/>
+        <p:cNvGrpSpPr/>
+        <p:nvPr/>
+      </p:nvGrpSpPr>
+      <p:grpSpPr>
+        <a:xfrm>
+          <a:off x="0" y="0"/>
+          <a:ext cx="0" cy="0"/>
+          <a:chOff x="0" y="0"/>
+          <a:chExt cx="0" cy="0"/>
+        </a:xfrm>
+      </p:grpSpPr>
+      <p:sp>
+        <p:nvSpPr>
+          <p:cNvPr id="3" name="Title 1"/>
+          <p:cNvSpPr>
+            <a:spLocks noGrp="1"/>
+          </p:cNvSpPr>
+          <p:nvPr>
+            <p:ph type="title" hasCustomPrompt="1"/>
+          </p:nvPr>
+        </p:nvSpPr>
+        <p:spPr bwMode="auto">
+          <a:xfrm>
+            <a:off x="448041" y="1156441"/>
+            <a:ext cx="8229600" cy="597049"/>
+          </a:xfrm>
+          <a:prstGeom prst="rect">
+            <a:avLst/>
+          </a:prstGeom>
+          <a:noFill/>
+          <a:extLst>
+            <a:ext uri="{909E8E84-426E-40DD-AFC4-6F175D3DCCD1}">
+              <a14:hiddenFill xmlns:a14="http://schemas.microsoft.com/office/drawing/2010/main">
+                <a:solidFill>
+                  <a:srgbClr val="FFFFFF"/>
+                </a:solidFill>
+              </a14:hiddenFill>
+            </a:ext>
+            <a:ext uri="{91240B29-F687-4F45-9708-019B960494DF}">
+              <a14:hiddenLine xmlns:a14="http://schemas.microsoft.com/office/drawing/2010/main" w="9525">
+                <a:solidFill>
+                  <a:srgbClr val="000000"/>
+                </a:solidFill>
+                <a:miter lim="800000"/>
+                <a:headEnd/>
+                <a:tailEnd/>
+              </a14:hiddenLine>
+            </a:ext>
+          </a:extLst>
+        </p:spPr>
+        <p:txBody>
+          <a:bodyPr vert="horz" wrap="square" lIns="91440" tIns="45720" rIns="91440" bIns="0" numCol="1" anchor="t" anchorCtr="0" compatLnSpc="1">
+            <a:prstTxWarp prst="textNoShape">
+              <a:avLst/>
+            </a:prstTxWarp>
+          </a:bodyPr>
+          <a:lstStyle>
+            <a:lvl1pPr>
+              <a:defRPr sz="3200" cap="all" baseline="0">
+                <a:solidFill>
+                  <a:srgbClr val="D37D28"/>
+                </a:solidFill>
+                <a:latin typeface="Arial" panose="020B0604020202020204" pitchFamily="34" charset="0"/>
+                <a:cs typeface="Arial" panose="020B0604020202020204" pitchFamily="34" charset="0"/>
+              </a:defRPr>
+            </a:lvl1pPr>
+          </a:lstStyle>
+          <a:p>
+            <a:r>
+              <a:rPr lang="en-US" altLang="en-US" dirty="0" smtClean="0"/>
+              <a:t>HEADER HERE</a:t>
+            </a:r>
+          </a:p>
+        </p:txBody>
+      </p:sp>
+      <p:sp>
+        <p:nvSpPr>
+          <p:cNvPr id="4" name="Text Placeholder 7"/>
+          <p:cNvSpPr>
+            <a:spLocks noGrp="1"/>
+          </p:cNvSpPr>
+          <p:nvPr>
+            <p:ph type="body" sz="quarter" idx="10"/>
+          </p:nvPr>
+        </p:nvSpPr>
+        <p:spPr>
+          <a:xfrm>
+            <a:off x="612775" y="2087563"/>
+            <a:ext cx="8101013" cy="3291840"/>
+          </a:xfrm>
+          <a:prstGeom prst="rect">
+            <a:avLst/>
+          </a:prstGeom>
+        </p:spPr>
+        <p:txBody>
+          <a:bodyPr/>
+          <a:lstStyle>
+            <a:lvl1pPr marL="285750" marR="0" indent="-285750" algn="l" defTabSz="457200" rtl="0" eaLnBrk="1" fontAlgn="auto" latinLnBrk="0" hangingPunct="1">
+              <a:lnSpc>
+                <a:spcPct val="100000"/>
+              </a:lnSpc>
+              <a:spcBef>
+                <a:spcPct val="20000"/>
+              </a:spcBef>
+              <a:spcAft>
+                <a:spcPts val="0"/>
+              </a:spcAft>
+              <a:buClrTx/>
+              <a:buSzTx/>
+              <a:buFont typeface="Arial" panose="020B0604020202020204" pitchFamily="34" charset="0"/>
+              <a:buChar char="•"/>
+              <a:tabLst/>
+              <a:defRPr lang="en-US" sz="1800" kern="1200" dirty="0" smtClean="0">
+                <a:solidFill>
+                  <a:schemeClr val="tx1"/>
+                </a:solidFill>
+                <a:latin typeface="Arial"/>
+                <a:ea typeface="+mn-ea"/>
+                <a:cs typeface="Arial"/>
+              </a:defRPr>
+            </a:lvl1pPr>
+            <a:lvl2pPr marL="457200" indent="0">
+              <a:buNone/>
+              <a:defRPr>
+                <a:latin typeface="Arial" panose="020B0604020202020204" pitchFamily="34" charset="0"/>
+                <a:cs typeface="Arial" panose="020B0604020202020204" pitchFamily="34" charset="0"/>
+              </a:defRPr>
+            </a:lvl2pPr>
+            <a:lvl3pPr marL="914400" indent="0">
+              <a:buNone/>
+              <a:defRPr>
+                <a:latin typeface="Arial" panose="020B0604020202020204" pitchFamily="34" charset="0"/>
+                <a:cs typeface="Arial" panose="020B0604020202020204" pitchFamily="34" charset="0"/>
+              </a:defRPr>
+            </a:lvl3pPr>
+            <a:lvl4pPr marL="1371600" indent="0">
+              <a:buNone/>
+              <a:defRPr>
+                <a:latin typeface="Arial" panose="020B0604020202020204" pitchFamily="34" charset="0"/>
+                <a:cs typeface="Arial" panose="020B0604020202020204" pitchFamily="34" charset="0"/>
+              </a:defRPr>
+            </a:lvl4pPr>
+            <a:lvl5pPr marL="1828800" indent="0">
+              <a:buNone/>
+              <a:defRPr>
+                <a:latin typeface="Arial" panose="020B0604020202020204" pitchFamily="34" charset="0"/>
+                <a:cs typeface="Arial" panose="020B0604020202020204" pitchFamily="34" charset="0"/>
+              </a:defRPr>
+            </a:lvl5pPr>
+          </a:lstStyle>
+          <a:p>
+            <a:pPr lvl="0"/>
+            <a:r>
+              <a:rPr lang="en-US" dirty="0" smtClean="0"/>
+              <a:t>Click to edit Master text styles</a:t>
+            </a:r>
+          </a:p>
+          <a:p>
+            <a:pPr lvl="0"/>
+            <a:endParaRPr lang="en-US" dirty="0" smtClean="0"/>
+          </a:p>
+          <a:p>
+            <a:pPr lvl="0"/>
+            <a:endParaRPr lang="en-US" dirty="0" smtClean="0"/>
+          </a:p>
+          <a:p>
+            <a:pPr lvl="0"/>
+            <a:endParaRPr lang="en-US" dirty="0" smtClean="0"/>
+          </a:p>
+        </p:txBody>
+      </p:sp>
+    </p:spTree>
+    <p:extLst>
+      <p:ext uri="{BB962C8B-B14F-4D97-AF65-F5344CB8AC3E}">
+        <p14:creationId xmlns:p14="http://schemas.microsoft.com/office/powerpoint/2010/main" val="857997006"/>
+      </p:ext>
+    </p:extLst>
+  </p:cSld>
+  <p:clrMapOvr>
+    <a:masterClrMapping/>
+  </p:clrMapOvr>
+  <p:timing>
+    <p:tnLst>
+      <p:par>
+        <p:cTn id="1" dur="indefinite" restart="never" nodeType="tmRoot"/>
+      </p:par>
+    </p:tnLst>
+  </p:timing>
+</p:sldLayout>
+</file>
+
+<file path=ppt/slideLayouts/slideLayout6.xml><?xml version="1.0" encoding="utf-8"?>
+<p:sldLayout xmlns:a="http://schemas.openxmlformats.org/drawingml/2006/main" xmlns:r="http://schemas.openxmlformats.org/officeDocument/2006/relationships" xmlns:p="http://schemas.openxmlformats.org/presentationml/2006/main" preserve="1" userDrawn="1">
+  <p:cSld name="Header, subhead, and bulleted list">
+    <p:spTree>
+      <p:nvGrpSpPr>
+        <p:cNvPr id="1" name=""/>
+        <p:cNvGrpSpPr/>
+        <p:nvPr/>
+      </p:nvGrpSpPr>
+      <p:grpSpPr>
+        <a:xfrm>
+          <a:off x="0" y="0"/>
+          <a:ext cx="0" cy="0"/>
+          <a:chOff x="0" y="0"/>
+          <a:chExt cx="0" cy="0"/>
+        </a:xfrm>
+      </p:grpSpPr>
+      <p:sp>
+        <p:nvSpPr>
+          <p:cNvPr id="3" name="Title 1"/>
+          <p:cNvSpPr>
+            <a:spLocks noGrp="1"/>
+          </p:cNvSpPr>
+          <p:nvPr>
+            <p:ph type="title" hasCustomPrompt="1"/>
+          </p:nvPr>
+        </p:nvSpPr>
+        <p:spPr bwMode="auto">
+          <a:xfrm>
+            <a:off x="448041" y="1156441"/>
+            <a:ext cx="8229600" cy="597049"/>
+          </a:xfrm>
+          <a:prstGeom prst="rect">
+            <a:avLst/>
+          </a:prstGeom>
+          <a:noFill/>
+          <a:extLst>
+            <a:ext uri="{909E8E84-426E-40DD-AFC4-6F175D3DCCD1}">
+              <a14:hiddenFill xmlns:a14="http://schemas.microsoft.com/office/drawing/2010/main">
+                <a:solidFill>
+                  <a:srgbClr val="FFFFFF"/>
+                </a:solidFill>
+              </a14:hiddenFill>
+            </a:ext>
+            <a:ext uri="{91240B29-F687-4F45-9708-019B960494DF}">
+              <a14:hiddenLine xmlns:a14="http://schemas.microsoft.com/office/drawing/2010/main" w="9525">
+                <a:solidFill>
+                  <a:srgbClr val="000000"/>
+                </a:solidFill>
+                <a:miter lim="800000"/>
+                <a:headEnd/>
+                <a:tailEnd/>
+              </a14:hiddenLine>
+            </a:ext>
+          </a:extLst>
+        </p:spPr>
+        <p:txBody>
+          <a:bodyPr vert="horz" wrap="square" lIns="91440" tIns="45720" rIns="91440" bIns="0" numCol="1" anchor="t" anchorCtr="0" compatLnSpc="1">
+            <a:prstTxWarp prst="textNoShape">
+              <a:avLst/>
+            </a:prstTxWarp>
+          </a:bodyPr>
+          <a:lstStyle>
+            <a:lvl1pPr>
+              <a:defRPr sz="3200" cap="all" baseline="0">
+                <a:solidFill>
+                  <a:srgbClr val="D37D28"/>
+                </a:solidFill>
+                <a:latin typeface="Arial" panose="020B0604020202020204" pitchFamily="34" charset="0"/>
+                <a:cs typeface="Arial" panose="020B0604020202020204" pitchFamily="34" charset="0"/>
+              </a:defRPr>
+            </a:lvl1pPr>
+          </a:lstStyle>
+          <a:p>
+            <a:r>
+              <a:rPr lang="en-US" altLang="en-US" dirty="0" smtClean="0"/>
+              <a:t>HEADER HERE</a:t>
+            </a:r>
+          </a:p>
+        </p:txBody>
+      </p:sp>
+      <p:sp>
+        <p:nvSpPr>
+          <p:cNvPr id="8" name="Text Placeholder 7"/>
+          <p:cNvSpPr>
+            <a:spLocks noGrp="1"/>
+          </p:cNvSpPr>
+          <p:nvPr>
+            <p:ph type="body" sz="quarter" idx="10"/>
+          </p:nvPr>
+        </p:nvSpPr>
+        <p:spPr>
+          <a:xfrm>
+            <a:off x="612775" y="2388787"/>
+            <a:ext cx="8101013" cy="3291840"/>
+          </a:xfrm>
+          <a:prstGeom prst="rect">
+            <a:avLst/>
+          </a:prstGeom>
+        </p:spPr>
+        <p:txBody>
+          <a:bodyPr/>
+          <a:lstStyle>
+            <a:lvl1pPr marL="285750" marR="0" indent="-285750" algn="l" defTabSz="457200" rtl="0" eaLnBrk="1" fontAlgn="auto" latinLnBrk="0" hangingPunct="1">
+              <a:lnSpc>
+                <a:spcPct val="100000"/>
+              </a:lnSpc>
+              <a:spcBef>
+                <a:spcPct val="20000"/>
+              </a:spcBef>
+              <a:spcAft>
+                <a:spcPts val="0"/>
+              </a:spcAft>
+              <a:buClrTx/>
+              <a:buSzTx/>
+              <a:buFont typeface="Arial" panose="020B0604020202020204" pitchFamily="34" charset="0"/>
+              <a:buChar char="•"/>
+              <a:tabLst/>
+              <a:defRPr lang="en-US" sz="1800" kern="1200" dirty="0" smtClean="0">
+                <a:solidFill>
+                  <a:schemeClr val="tx1"/>
+                </a:solidFill>
+                <a:latin typeface="Arial"/>
+                <a:ea typeface="+mn-ea"/>
+                <a:cs typeface="Arial"/>
+              </a:defRPr>
+            </a:lvl1pPr>
+            <a:lvl2pPr marL="457200" indent="0">
+              <a:buNone/>
+              <a:defRPr>
+                <a:latin typeface="Arial" panose="020B0604020202020204" pitchFamily="34" charset="0"/>
+                <a:cs typeface="Arial" panose="020B0604020202020204" pitchFamily="34" charset="0"/>
+              </a:defRPr>
+            </a:lvl2pPr>
+            <a:lvl3pPr marL="914400" indent="0">
+              <a:buNone/>
+              <a:defRPr>
+                <a:latin typeface="Arial" panose="020B0604020202020204" pitchFamily="34" charset="0"/>
+                <a:cs typeface="Arial" panose="020B0604020202020204" pitchFamily="34" charset="0"/>
+              </a:defRPr>
+            </a:lvl3pPr>
+            <a:lvl4pPr marL="1371600" indent="0">
+              <a:buNone/>
+              <a:defRPr>
+                <a:latin typeface="Arial" panose="020B0604020202020204" pitchFamily="34" charset="0"/>
+                <a:cs typeface="Arial" panose="020B0604020202020204" pitchFamily="34" charset="0"/>
+              </a:defRPr>
+            </a:lvl4pPr>
+            <a:lvl5pPr marL="1828800" indent="0">
+              <a:buNone/>
+              <a:defRPr>
+                <a:latin typeface="Arial" panose="020B0604020202020204" pitchFamily="34" charset="0"/>
+                <a:cs typeface="Arial" panose="020B0604020202020204" pitchFamily="34" charset="0"/>
+              </a:defRPr>
+            </a:lvl5pPr>
+          </a:lstStyle>
+          <a:p>
+            <a:pPr lvl="0"/>
+            <a:r>
+              <a:rPr lang="en-US" dirty="0" smtClean="0"/>
+              <a:t>Click to edit Master text styles</a:t>
+            </a:r>
+          </a:p>
+          <a:p>
+            <a:pPr lvl="0"/>
+            <a:endParaRPr lang="en-US" dirty="0" smtClean="0"/>
+          </a:p>
+          <a:p>
+            <a:pPr lvl="0"/>
+            <a:endParaRPr lang="en-US" dirty="0" smtClean="0"/>
+          </a:p>
+          <a:p>
+            <a:pPr lvl="0"/>
+            <a:endParaRPr lang="en-US" dirty="0" smtClean="0"/>
+          </a:p>
+        </p:txBody>
+      </p:sp>
+      <p:sp>
+        <p:nvSpPr>
+          <p:cNvPr id="14" name="Text Placeholder 13"/>
+          <p:cNvSpPr>
+            <a:spLocks noGrp="1"/>
+          </p:cNvSpPr>
+          <p:nvPr>
+            <p:ph type="body" sz="quarter" idx="11" hasCustomPrompt="1"/>
+          </p:nvPr>
+        </p:nvSpPr>
+        <p:spPr>
+          <a:xfrm>
+            <a:off x="516477" y="1903413"/>
+            <a:ext cx="8153400" cy="452437"/>
+          </a:xfrm>
+          <a:prstGeom prst="rect">
+            <a:avLst/>
+          </a:prstGeom>
+        </p:spPr>
+        <p:txBody>
+          <a:bodyPr/>
+          <a:lstStyle>
+            <a:lvl1pPr marL="0" indent="0">
+              <a:buNone/>
+              <a:defRPr sz="2100" b="1" baseline="0">
+                <a:solidFill>
+                  <a:srgbClr val="D37D28"/>
+                </a:solidFill>
+                <a:latin typeface="Arial" panose="020B0604020202020204" pitchFamily="34" charset="0"/>
+                <a:cs typeface="Arial" panose="020B0604020202020204" pitchFamily="34" charset="0"/>
+              </a:defRPr>
+            </a:lvl1pPr>
+          </a:lstStyle>
+          <a:p>
+            <a:pPr lvl="0"/>
+            <a:r>
+              <a:rPr lang="en-US" dirty="0" smtClean="0"/>
+              <a:t>Subhead goes here</a:t>
+            </a:r>
+            <a:endParaRPr lang="en-US" dirty="0"/>
+          </a:p>
+        </p:txBody>
+      </p:sp>
+    </p:spTree>
+    <p:extLst>
+      <p:ext uri="{BB962C8B-B14F-4D97-AF65-F5344CB8AC3E}">
+        <p14:creationId xmlns:p14="http://schemas.microsoft.com/office/powerpoint/2010/main" val="2749483637"/>
+      </p:ext>
+    </p:extLst>
+  </p:cSld>
+  <p:clrMapOvr>
+    <a:masterClrMapping/>
+  </p:clrMapOvr>
+  <p:timing>
+    <p:tnLst>
+      <p:par>
+        <p:cTn id="1" dur="indefinite" restart="never" nodeType="tmRoot"/>
+      </p:par>
+    </p:tnLst>
+  </p:timing>
+</p:sldLayout>
+</file>
+
+<file path=ppt/slideLayouts/slideLayout7.xml><?xml version="1.0" encoding="utf-8"?>
+<p:sldLayout xmlns:a="http://schemas.openxmlformats.org/drawingml/2006/main" xmlns:r="http://schemas.openxmlformats.org/officeDocument/2006/relationships" xmlns:p="http://schemas.openxmlformats.org/presentationml/2006/main" preserve="1" userDrawn="1">
+  <p:cSld name="Header, bulleted list, and photo">
+    <p:spTree>
+      <p:nvGrpSpPr>
+        <p:cNvPr id="1" name=""/>
+        <p:cNvGrpSpPr/>
+        <p:nvPr/>
+      </p:nvGrpSpPr>
+      <p:grpSpPr>
+        <a:xfrm>
+          <a:off x="0" y="0"/>
+          <a:ext cx="0" cy="0"/>
+          <a:chOff x="0" y="0"/>
+          <a:chExt cx="0" cy="0"/>
+        </a:xfrm>
+      </p:grpSpPr>
+      <p:sp>
+        <p:nvSpPr>
+          <p:cNvPr id="4" name="Title 1"/>
+          <p:cNvSpPr>
+            <a:spLocks noGrp="1"/>
+          </p:cNvSpPr>
+          <p:nvPr>
+            <p:ph type="title" hasCustomPrompt="1"/>
+          </p:nvPr>
+        </p:nvSpPr>
+        <p:spPr bwMode="auto">
+          <a:xfrm>
+            <a:off x="448041" y="1156441"/>
+            <a:ext cx="8229600" cy="597049"/>
+          </a:xfrm>
+          <a:prstGeom prst="rect">
+            <a:avLst/>
+          </a:prstGeom>
+          <a:noFill/>
+          <a:extLst>
+            <a:ext uri="{909E8E84-426E-40DD-AFC4-6F175D3DCCD1}">
+              <a14:hiddenFill xmlns:a14="http://schemas.microsoft.com/office/drawing/2010/main">
+                <a:solidFill>
+                  <a:srgbClr val="FFFFFF"/>
+                </a:solidFill>
+              </a14:hiddenFill>
+            </a:ext>
+            <a:ext uri="{91240B29-F687-4F45-9708-019B960494DF}">
+              <a14:hiddenLine xmlns:a14="http://schemas.microsoft.com/office/drawing/2010/main" w="9525">
+                <a:solidFill>
+                  <a:srgbClr val="000000"/>
+                </a:solidFill>
+                <a:miter lim="800000"/>
+                <a:headEnd/>
+                <a:tailEnd/>
+              </a14:hiddenLine>
+            </a:ext>
+          </a:extLst>
+        </p:spPr>
+        <p:txBody>
+          <a:bodyPr vert="horz" wrap="square" lIns="91440" tIns="45720" rIns="91440" bIns="0" numCol="1" anchor="t" anchorCtr="0" compatLnSpc="1">
+            <a:prstTxWarp prst="textNoShape">
+              <a:avLst/>
+            </a:prstTxWarp>
+          </a:bodyPr>
+          <a:lstStyle>
+            <a:lvl1pPr>
+              <a:defRPr sz="3200" cap="all" baseline="0">
+                <a:solidFill>
+                  <a:srgbClr val="D37D28"/>
+                </a:solidFill>
+                <a:latin typeface="Arial" panose="020B0604020202020204" pitchFamily="34" charset="0"/>
+                <a:cs typeface="Arial" panose="020B0604020202020204" pitchFamily="34" charset="0"/>
+              </a:defRPr>
+            </a:lvl1pPr>
+          </a:lstStyle>
+          <a:p>
+            <a:r>
+              <a:rPr lang="en-US" altLang="en-US" dirty="0" smtClean="0"/>
+              <a:t>HEADER HERE</a:t>
+            </a:r>
+          </a:p>
+        </p:txBody>
+      </p:sp>
+      <p:sp>
+        <p:nvSpPr>
+          <p:cNvPr id="8" name="Text Placeholder 7"/>
+          <p:cNvSpPr>
+            <a:spLocks noGrp="1"/>
+          </p:cNvSpPr>
+          <p:nvPr>
+            <p:ph type="body" sz="quarter" idx="10"/>
+          </p:nvPr>
+        </p:nvSpPr>
+        <p:spPr>
+          <a:xfrm>
+            <a:off x="601663" y="2205038"/>
+            <a:ext cx="4368800" cy="3840162"/>
+          </a:xfrm>
+          <a:prstGeom prst="rect">
+            <a:avLst/>
+          </a:prstGeom>
+        </p:spPr>
+        <p:txBody>
+          <a:bodyPr/>
+          <a:lstStyle>
+            <a:lvl1pPr>
+              <a:defRPr sz="1800">
+                <a:latin typeface="Arial" panose="020B0604020202020204" pitchFamily="34" charset="0"/>
+                <a:cs typeface="Arial" panose="020B0604020202020204" pitchFamily="34" charset="0"/>
+              </a:defRPr>
+            </a:lvl1pPr>
+          </a:lstStyle>
+          <a:p>
+            <a:pPr lvl="0"/>
+            <a:r>
+              <a:rPr lang="en-US" dirty="0" smtClean="0"/>
+              <a:t>Click to edit Master</a:t>
+            </a:r>
+            <a:endParaRPr lang="en-US" dirty="0"/>
+          </a:p>
+        </p:txBody>
+      </p:sp>
+      <p:sp>
+        <p:nvSpPr>
+          <p:cNvPr id="10" name="Picture Placeholder 9"/>
+          <p:cNvSpPr>
+            <a:spLocks noGrp="1"/>
+          </p:cNvSpPr>
+          <p:nvPr>
+            <p:ph type="pic" sz="quarter" idx="11"/>
+          </p:nvPr>
+        </p:nvSpPr>
+        <p:spPr>
+          <a:xfrm>
+            <a:off x="5325018" y="2204869"/>
+            <a:ext cx="3344862" cy="3679564"/>
+          </a:xfrm>
+          <a:prstGeom prst="rect">
+            <a:avLst/>
+          </a:prstGeom>
+        </p:spPr>
+        <p:txBody>
+          <a:bodyPr/>
+          <a:lstStyle/>
+          <a:p>
+            <a:endParaRPr lang="en-US" dirty="0"/>
+          </a:p>
+        </p:txBody>
+      </p:sp>
+    </p:spTree>
+    <p:extLst>
+      <p:ext uri="{BB962C8B-B14F-4D97-AF65-F5344CB8AC3E}">
+        <p14:creationId xmlns:p14="http://schemas.microsoft.com/office/powerpoint/2010/main" val="3257799536"/>
+      </p:ext>
+    </p:extLst>
+  </p:cSld>
+  <p:clrMapOvr>
+    <a:masterClrMapping/>
+  </p:clrMapOvr>
+  <p:timing>
+    <p:tnLst>
+      <p:par>
+        <p:cTn id="1" dur="indefinite" restart="never" nodeType="tmRoot"/>
+      </p:par>
+    </p:tnLst>
+  </p:timing>
+</p:sldLayout>
+</file>
+
+<file path=ppt/slideLayouts/slideLayout8.xml><?xml version="1.0" encoding="utf-8"?>
+<p:sldLayout xmlns:a="http://schemas.openxmlformats.org/drawingml/2006/main" xmlns:r="http://schemas.openxmlformats.org/officeDocument/2006/relationships" xmlns:p="http://schemas.openxmlformats.org/presentationml/2006/main" preserve="1" userDrawn="1">
+  <p:cSld name="Header, subhead in parens, bulleted list">
+    <p:spTree>
+      <p:nvGrpSpPr>
+        <p:cNvPr id="1" name=""/>
+        <p:cNvGrpSpPr/>
+        <p:nvPr/>
+      </p:nvGrpSpPr>
+      <p:grpSpPr>
+        <a:xfrm>
+          <a:off x="0" y="0"/>
+          <a:ext cx="0" cy="0"/>
+          <a:chOff x="0" y="0"/>
+          <a:chExt cx="0" cy="0"/>
+        </a:xfrm>
+      </p:grpSpPr>
+      <p:sp>
+        <p:nvSpPr>
+          <p:cNvPr id="11" name="Text Placeholder 7"/>
+          <p:cNvSpPr>
+            <a:spLocks noGrp="1"/>
+          </p:cNvSpPr>
+          <p:nvPr>
+            <p:ph type="body" sz="quarter" idx="10"/>
+          </p:nvPr>
+        </p:nvSpPr>
+        <p:spPr>
+          <a:xfrm>
+            <a:off x="612775" y="2388787"/>
+            <a:ext cx="8101013" cy="3291840"/>
+          </a:xfrm>
+          <a:prstGeom prst="rect">
+            <a:avLst/>
+          </a:prstGeom>
+        </p:spPr>
+        <p:txBody>
+          <a:bodyPr/>
+          <a:lstStyle>
+            <a:lvl1pPr marL="285750" indent="-285750">
+              <a:buFont typeface="Arial" panose="020B0604020202020204" pitchFamily="34" charset="0"/>
+              <a:buChar char="•"/>
+              <a:defRPr sz="1800">
+                <a:latin typeface="Arial" panose="020B0604020202020204" pitchFamily="34" charset="0"/>
+                <a:cs typeface="Arial" panose="020B0604020202020204" pitchFamily="34" charset="0"/>
+              </a:defRPr>
+            </a:lvl1pPr>
+            <a:lvl2pPr marL="457200" indent="0">
+              <a:buNone/>
+              <a:defRPr>
+                <a:latin typeface="Arial" panose="020B0604020202020204" pitchFamily="34" charset="0"/>
+                <a:cs typeface="Arial" panose="020B0604020202020204" pitchFamily="34" charset="0"/>
+              </a:defRPr>
+            </a:lvl2pPr>
+            <a:lvl3pPr marL="914400" indent="0">
+              <a:buNone/>
+              <a:defRPr>
+                <a:latin typeface="Arial" panose="020B0604020202020204" pitchFamily="34" charset="0"/>
+                <a:cs typeface="Arial" panose="020B0604020202020204" pitchFamily="34" charset="0"/>
+              </a:defRPr>
+            </a:lvl3pPr>
+            <a:lvl4pPr marL="1371600" indent="0">
+              <a:buNone/>
+              <a:defRPr>
+                <a:latin typeface="Arial" panose="020B0604020202020204" pitchFamily="34" charset="0"/>
+                <a:cs typeface="Arial" panose="020B0604020202020204" pitchFamily="34" charset="0"/>
+              </a:defRPr>
+            </a:lvl4pPr>
+            <a:lvl5pPr marL="1828800" indent="0">
+              <a:buNone/>
+              <a:defRPr>
+                <a:latin typeface="Arial" panose="020B0604020202020204" pitchFamily="34" charset="0"/>
+                <a:cs typeface="Arial" panose="020B0604020202020204" pitchFamily="34" charset="0"/>
+              </a:defRPr>
+            </a:lvl5pPr>
+          </a:lstStyle>
+          <a:p>
+            <a:pPr lvl="0"/>
+            <a:r>
+              <a:rPr lang="en-US" dirty="0" smtClean="0"/>
+              <a:t>Click to edit Master text styles</a:t>
+            </a:r>
+          </a:p>
+          <a:p>
+            <a:pPr lvl="0"/>
+            <a:endParaRPr lang="en-US" dirty="0" smtClean="0"/>
+          </a:p>
+        </p:txBody>
+      </p:sp>
+      <p:sp>
+        <p:nvSpPr>
+          <p:cNvPr id="12" name="Text Placeholder 13"/>
+          <p:cNvSpPr>
+            <a:spLocks noGrp="1"/>
+          </p:cNvSpPr>
+          <p:nvPr>
+            <p:ph type="body" sz="quarter" idx="11" hasCustomPrompt="1"/>
+          </p:nvPr>
+        </p:nvSpPr>
+        <p:spPr>
+          <a:xfrm>
+            <a:off x="516477" y="1699709"/>
+            <a:ext cx="8153400" cy="398033"/>
+          </a:xfrm>
+          <a:prstGeom prst="rect">
+            <a:avLst/>
+          </a:prstGeom>
+        </p:spPr>
+        <p:txBody>
+          <a:bodyPr/>
+          <a:lstStyle>
+            <a:lvl1pPr marL="0" marR="0" indent="0" algn="ctr" defTabSz="457200" rtl="0" eaLnBrk="1" fontAlgn="auto" latinLnBrk="0" hangingPunct="1">
+              <a:lnSpc>
+                <a:spcPts val="2350"/>
+              </a:lnSpc>
+              <a:spcBef>
+                <a:spcPts val="0"/>
+              </a:spcBef>
+              <a:spcAft>
+                <a:spcPts val="0"/>
+              </a:spcAft>
+              <a:buClrTx/>
+              <a:buSzTx/>
+              <a:buFontTx/>
+              <a:buNone/>
+              <a:tabLst/>
+              <a:defRPr sz="2100" b="1" baseline="0">
+                <a:solidFill>
+                  <a:srgbClr val="D37D28"/>
+                </a:solidFill>
+                <a:latin typeface="Arial" panose="020B0604020202020204" pitchFamily="34" charset="0"/>
+                <a:cs typeface="Arial" panose="020B0604020202020204" pitchFamily="34" charset="0"/>
+              </a:defRPr>
+            </a:lvl1pPr>
+          </a:lstStyle>
+          <a:p>
+            <a:pPr marL="0" marR="0" lvl="0" indent="0" algn="ctr" defTabSz="457200" rtl="0" eaLnBrk="1" fontAlgn="auto" latinLnBrk="0" hangingPunct="1">
+              <a:lnSpc>
+                <a:spcPts val="2350"/>
+              </a:lnSpc>
+              <a:spcBef>
+                <a:spcPts val="0"/>
+              </a:spcBef>
+              <a:spcAft>
+                <a:spcPts val="0"/>
+              </a:spcAft>
+              <a:buClrTx/>
+              <a:buSzTx/>
+              <a:buFontTx/>
+              <a:buNone/>
+              <a:tabLst/>
+              <a:defRPr/>
+            </a:pPr>
+            <a:r>
+              <a:rPr kumimoji="0" lang="en-US" sz="2000" b="0" i="0" u="none" strike="noStrike" kern="1200" cap="none" spc="0" normalizeH="0" baseline="0" noProof="0" dirty="0" smtClean="0">
+                <a:ln>
+                  <a:noFill/>
+                </a:ln>
+                <a:solidFill>
+                  <a:srgbClr val="D37D28"/>
+                </a:solidFill>
+                <a:effectLst/>
+                <a:uLnTx/>
+                <a:uFillTx/>
+                <a:latin typeface="Arial"/>
+                <a:ea typeface="+mn-ea"/>
+                <a:cs typeface="Arial"/>
+              </a:rPr>
+              <a:t>(Parentheses Under Header)</a:t>
+            </a:r>
+          </a:p>
+        </p:txBody>
+      </p:sp>
+      <p:sp>
+        <p:nvSpPr>
+          <p:cNvPr id="13" name="Title 1"/>
+          <p:cNvSpPr>
+            <a:spLocks noGrp="1"/>
+          </p:cNvSpPr>
+          <p:nvPr>
+            <p:ph type="title" hasCustomPrompt="1"/>
+          </p:nvPr>
+        </p:nvSpPr>
+        <p:spPr bwMode="auto">
+          <a:xfrm>
+            <a:off x="448041" y="1156441"/>
+            <a:ext cx="8229600" cy="597049"/>
+          </a:xfrm>
+          <a:prstGeom prst="rect">
+            <a:avLst/>
+          </a:prstGeom>
+          <a:noFill/>
+          <a:extLst>
+            <a:ext uri="{909E8E84-426E-40DD-AFC4-6F175D3DCCD1}">
+              <a14:hiddenFill xmlns:a14="http://schemas.microsoft.com/office/drawing/2010/main">
+                <a:solidFill>
+                  <a:srgbClr val="FFFFFF"/>
+                </a:solidFill>
+              </a14:hiddenFill>
+            </a:ext>
+            <a:ext uri="{91240B29-F687-4F45-9708-019B960494DF}">
+              <a14:hiddenLine xmlns:a14="http://schemas.microsoft.com/office/drawing/2010/main" w="9525">
+                <a:solidFill>
+                  <a:srgbClr val="000000"/>
+                </a:solidFill>
+                <a:miter lim="800000"/>
+                <a:headEnd/>
+                <a:tailEnd/>
+              </a14:hiddenLine>
+            </a:ext>
+          </a:extLst>
+        </p:spPr>
+        <p:txBody>
+          <a:bodyPr vert="horz" wrap="square" lIns="91440" tIns="45720" rIns="91440" bIns="0" numCol="1" anchor="t" anchorCtr="0" compatLnSpc="1">
+            <a:prstTxWarp prst="textNoShape">
+              <a:avLst/>
+            </a:prstTxWarp>
+          </a:bodyPr>
+          <a:lstStyle>
+            <a:lvl1pPr>
+              <a:defRPr sz="3200" cap="all" baseline="0">
+                <a:solidFill>
+                  <a:srgbClr val="D37D28"/>
+                </a:solidFill>
+                <a:latin typeface="Arial" panose="020B0604020202020204" pitchFamily="34" charset="0"/>
+                <a:cs typeface="Arial" panose="020B0604020202020204" pitchFamily="34" charset="0"/>
+              </a:defRPr>
+            </a:lvl1pPr>
+          </a:lstStyle>
+          <a:p>
+            <a:r>
+              <a:rPr lang="en-US" altLang="en-US" dirty="0" smtClean="0"/>
+              <a:t>HEADER HERE</a:t>
+            </a:r>
+          </a:p>
+        </p:txBody>
+      </p:sp>
+    </p:spTree>
+    <p:extLst>
+      <p:ext uri="{BB962C8B-B14F-4D97-AF65-F5344CB8AC3E}">
+        <p14:creationId xmlns:p14="http://schemas.microsoft.com/office/powerpoint/2010/main" val="1339460627"/>
+      </p:ext>
+    </p:extLst>
+  </p:cSld>
+  <p:clrMapOvr>
+    <a:masterClrMapping/>
+  </p:clrMapOvr>
+  <p:timing>
+    <p:tnLst>
+      <p:par>
+        <p:cTn id="1" dur="indefinite" restart="never" nodeType="tmRoot"/>
+      </p:par>
+    </p:tnLst>
+  </p:timing>
+</p:sldLayout>
+</file>
+
+<file path=ppt/slideLayouts/slideLayout9.xml><?xml version="1.0" encoding="utf-8"?>
+<p:sldLayout xmlns:a="http://schemas.openxmlformats.org/drawingml/2006/main" xmlns:r="http://schemas.openxmlformats.org/officeDocument/2006/relationships" xmlns:p="http://schemas.openxmlformats.org/presentationml/2006/main" userDrawn="1">
+  <p:cSld name="Feed the Future-only branded blank">
+    <p:spTree>
+      <p:nvGrpSpPr>
+        <p:cNvPr id="1" name=""/>
+        <p:cNvGrpSpPr/>
+        <p:nvPr/>
+      </p:nvGrpSpPr>
+      <p:grpSpPr>
+        <a:xfrm>
+          <a:off x="0" y="0"/>
+          <a:ext cx="0" cy="0"/>
+          <a:chOff x="0" y="0"/>
+          <a:chExt cx="0" cy="0"/>
+        </a:xfrm>
+      </p:grpSpPr>
+      <p:sp>
+        <p:nvSpPr>
+          <p:cNvPr id="2" name="Title 1"/>
+          <p:cNvSpPr>
+            <a:spLocks noGrp="1"/>
+          </p:cNvSpPr>
+          <p:nvPr>
+            <p:ph type="title" hasCustomPrompt="1"/>
+          </p:nvPr>
+        </p:nvSpPr>
+        <p:spPr bwMode="auto">
+          <a:xfrm>
+            <a:off x="448041" y="1156441"/>
+            <a:ext cx="8229600" cy="597049"/>
+          </a:xfrm>
+          <a:prstGeom prst="rect">
+            <a:avLst/>
+          </a:prstGeom>
+          <a:noFill/>
+          <a:ln w="0">
+            <a:noFill/>
+            <a:miter lim="800000"/>
+            <a:headEnd/>
+            <a:tailEnd/>
+          </a:ln>
+          <a:extLst>
+            <a:ext uri="{909E8E84-426E-40DD-AFC4-6F175D3DCCD1}">
+              <a14:hiddenFill xmlns:a14="http://schemas.microsoft.com/office/drawing/2010/main">
+                <a:solidFill>
+                  <a:srgbClr val="FFFFFF"/>
+                </a:solidFill>
+              </a14:hiddenFill>
+            </a:ext>
+          </a:extLst>
+        </p:spPr>
+        <p:txBody>
+          <a:bodyPr vert="horz" wrap="square" lIns="91440" tIns="45720" rIns="91440" bIns="0" numCol="1" anchor="t" anchorCtr="0" compatLnSpc="1">
+            <a:prstTxWarp prst="textNoShape">
+              <a:avLst/>
+            </a:prstTxWarp>
+          </a:bodyPr>
+          <a:lstStyle>
+            <a:lvl1pPr>
+              <a:defRPr sz="3200" cap="all" baseline="0">
+                <a:solidFill>
+                  <a:srgbClr val="D37D28"/>
+                </a:solidFill>
+                <a:latin typeface="Arial" panose="020B0604020202020204" pitchFamily="34" charset="0"/>
+                <a:cs typeface="Arial" panose="020B0604020202020204" pitchFamily="34" charset="0"/>
+              </a:defRPr>
+            </a:lvl1pPr>
+          </a:lstStyle>
+          <a:p>
+            <a:r>
+              <a:rPr lang="en-US" altLang="en-US" dirty="0" smtClean="0"/>
+              <a:t>HEADER HERE</a:t>
+            </a:r>
+          </a:p>
+        </p:txBody>
+      </p:sp>
+    </p:spTree>
+    <p:extLst>
+      <p:ext uri="{BB962C8B-B14F-4D97-AF65-F5344CB8AC3E}">
+        <p14:creationId xmlns:p14="http://schemas.microsoft.com/office/powerpoint/2010/main" val="999664985"/>
+      </p:ext>
+    </p:extLst>
+  </p:cSld>
+  <p:clrMapOvr>
+    <a:masterClrMapping/>
+  </p:clrMapOvr>
+  <p:timing>
+    <p:tnLst>
+      <p:par>
+        <p:cTn id="1" dur="indefinite" restart="never" nodeType="tmRoot"/>
+      </p:par>
+    </p:tnLst>
+  </p:timing>
+</p:sldLayout>
+</file>
+
+<file path=ppt/slideMasters/slideMaster1.xml><?xml version="1.0" encoding="utf-8"?>
+<p:sldMaster xmlns:a="http://schemas.openxmlformats.org/drawingml/2006/main" xmlns:r="http://schemas.openxmlformats.org/officeDocument/2006/relationships" xmlns:p="http://schemas.openxmlformats.org/presentationml/2006/main" preserve="1">
+  <p:cSld>
+    <p:bg>
+      <p:bgRef idx="1001">
+        <a:schemeClr val="bg1"/>
+      </p:bgRef>
+    </p:bg>
+    <p:spTree>
+      <p:nvGrpSpPr>
+        <p:cNvPr id="1" name=""/>
+        <p:cNvGrpSpPr/>
+        <p:nvPr/>
+      </p:nvGrpSpPr>
+      <p:grpSpPr>
+        <a:xfrm>
+          <a:off x="0" y="0"/>
+          <a:ext cx="0" cy="0"/>
+          <a:chOff x="0" y="0"/>
+          <a:chExt cx="0" cy="0"/>
+        </a:xfrm>
+      </p:grpSpPr>
+      <p:pic>
+        <p:nvPicPr>
+          <p:cNvPr id="11" name="Picture 10" descr="Horizontal_RGB_600.jpg"/>
+          <p:cNvPicPr>
+            <a:picLocks noChangeAspect="1"/>
+          </p:cNvPicPr>
+          <p:nvPr userDrawn="1"/>
+        </p:nvPicPr>
+        <p:blipFill>
+          <a:blip r:embed="rId4">
+            <a:extLst>
+              <a:ext uri="{28A0092B-C50C-407E-A947-70E740481C1C}">
+                <a14:useLocalDpi xmlns:a14="http://schemas.microsoft.com/office/drawing/2010/main" val="0"/>
+              </a:ext>
+            </a:extLst>
+          </a:blip>
+          <a:stretch>
+            <a:fillRect/>
+          </a:stretch>
+        </p:blipFill>
+        <p:spPr>
+          <a:xfrm>
+            <a:off x="108033" y="5942146"/>
+            <a:ext cx="2372451" cy="915854"/>
+          </a:xfrm>
+          <a:prstGeom prst="rect">
+            <a:avLst/>
+          </a:prstGeom>
+        </p:spPr>
+      </p:pic>
+      <p:sp>
+        <p:nvSpPr>
+          <p:cNvPr id="5" name="Rectangle 4"/>
+          <p:cNvSpPr/>
+          <p:nvPr userDrawn="1"/>
+        </p:nvSpPr>
+        <p:spPr>
+          <a:xfrm>
+            <a:off x="0" y="5102420"/>
+            <a:ext cx="9144000" cy="846688"/>
+          </a:xfrm>
+          <a:prstGeom prst="rect">
+            <a:avLst/>
+          </a:prstGeom>
+          <a:solidFill>
+            <a:srgbClr val="4799B5"/>
+          </a:solidFill>
+          <a:effectLst/>
+        </p:spPr>
+        <p:style>
+          <a:lnRef idx="1">
+            <a:schemeClr val="accent1"/>
+          </a:lnRef>
+          <a:fillRef idx="3">
+            <a:schemeClr val="accent1"/>
+          </a:fillRef>
+          <a:effectRef idx="2">
+            <a:schemeClr val="accent1"/>
+          </a:effectRef>
+          <a:fontRef idx="minor">
+            <a:schemeClr val="lt1"/>
+          </a:fontRef>
+        </p:style>
+        <p:txBody>
+          <a:bodyPr rtlCol="0" anchor="ctr"/>
+          <a:lstStyle/>
+          <a:p>
+            <a:pPr algn="ctr"/>
+            <a:endParaRPr lang="en-US" dirty="0"/>
+          </a:p>
+        </p:txBody>
+      </p:sp>
+      <p:sp>
+        <p:nvSpPr>
+          <p:cNvPr id="8" name="Rectangle 7"/>
+          <p:cNvSpPr/>
+          <p:nvPr userDrawn="1"/>
+        </p:nvSpPr>
+        <p:spPr>
+          <a:xfrm>
+            <a:off x="6970957" y="6059727"/>
+            <a:ext cx="2008628" cy="744483"/>
+          </a:xfrm>
+          <a:prstGeom prst="rect">
+            <a:avLst/>
+          </a:prstGeom>
+          <a:solidFill>
+            <a:schemeClr val="bg1">
+              <a:lumMod val="65000"/>
+            </a:schemeClr>
+          </a:solidFill>
+          <a:effectLst/>
+        </p:spPr>
+        <p:style>
+          <a:lnRef idx="1">
+            <a:schemeClr val="accent1"/>
+          </a:lnRef>
+          <a:fillRef idx="3">
+            <a:schemeClr val="accent1"/>
+          </a:fillRef>
+          <a:effectRef idx="2">
+            <a:schemeClr val="accent1"/>
+          </a:effectRef>
+          <a:fontRef idx="minor">
+            <a:schemeClr val="lt1"/>
+          </a:fontRef>
+        </p:style>
+        <p:txBody>
+          <a:bodyPr rtlCol="0" anchor="ctr"/>
+          <a:lstStyle/>
+          <a:p>
+            <a:pPr algn="ctr">
+              <a:lnSpc>
+                <a:spcPts val="1520"/>
+              </a:lnSpc>
+            </a:pPr>
+            <a:r>
+              <a:rPr lang="en-US" sz="1400" dirty="0" smtClean="0">
+                <a:latin typeface="Arial" panose="020B0604020202020204" pitchFamily="34" charset="0"/>
+                <a:cs typeface="Arial" panose="020B0604020202020204" pitchFamily="34" charset="0"/>
+              </a:rPr>
+              <a:t>PARTNER LOGO GOES HERE (click slide master to add)</a:t>
+            </a:r>
+            <a:endParaRPr lang="en-US" sz="1400" dirty="0">
+              <a:latin typeface="Arial" panose="020B0604020202020204" pitchFamily="34" charset="0"/>
+              <a:cs typeface="Arial" panose="020B0604020202020204" pitchFamily="34" charset="0"/>
+            </a:endParaRPr>
+          </a:p>
+        </p:txBody>
+      </p:sp>
+      <p:sp>
+        <p:nvSpPr>
+          <p:cNvPr id="7" name="Rectangle 6"/>
+          <p:cNvSpPr/>
+          <p:nvPr userDrawn="1"/>
+        </p:nvSpPr>
+        <p:spPr>
+          <a:xfrm>
+            <a:off x="0" y="-1"/>
+            <a:ext cx="9144000" cy="1058305"/>
+          </a:xfrm>
+          <a:prstGeom prst="rect">
+            <a:avLst/>
+          </a:prstGeom>
+          <a:solidFill>
+            <a:srgbClr val="4799B5"/>
+          </a:solidFill>
+          <a:effectLst/>
+        </p:spPr>
+        <p:style>
+          <a:lnRef idx="1">
+            <a:schemeClr val="accent1"/>
+          </a:lnRef>
+          <a:fillRef idx="3">
+            <a:schemeClr val="accent1"/>
+          </a:fillRef>
+          <a:effectRef idx="2">
+            <a:schemeClr val="accent1"/>
+          </a:effectRef>
+          <a:fontRef idx="minor">
+            <a:schemeClr val="lt1"/>
+          </a:fontRef>
+        </p:style>
+        <p:txBody>
+          <a:bodyPr rtlCol="0" anchor="ctr"/>
+          <a:lstStyle/>
+          <a:p>
+            <a:pPr algn="ctr"/>
+            <a:endParaRPr lang="en-US" dirty="0"/>
+          </a:p>
+        </p:txBody>
+      </p:sp>
+      <p:pic>
+        <p:nvPicPr>
+          <p:cNvPr id="9" name="Picture 8" descr="horizontal RGB white.eps"/>
+          <p:cNvPicPr>
+            <a:picLocks noChangeAspect="1"/>
+          </p:cNvPicPr>
+          <p:nvPr userDrawn="1"/>
+        </p:nvPicPr>
+        <p:blipFill>
+          <a:blip r:embed="rId5">
+            <a:extLst>
+              <a:ext uri="{28A0092B-C50C-407E-A947-70E740481C1C}">
+                <a14:useLocalDpi xmlns:a14="http://schemas.microsoft.com/office/drawing/2010/main" val="0"/>
+              </a:ext>
+            </a:extLst>
+          </a:blip>
+          <a:stretch>
+            <a:fillRect/>
+          </a:stretch>
+        </p:blipFill>
+        <p:spPr>
+          <a:xfrm>
+            <a:off x="291966" y="225746"/>
+            <a:ext cx="3401400" cy="577885"/>
+          </a:xfrm>
+          <a:prstGeom prst="rect">
+            <a:avLst/>
+          </a:prstGeom>
+        </p:spPr>
+      </p:pic>
+    </p:spTree>
+    <p:extLst>
+      <p:ext uri="{BB962C8B-B14F-4D97-AF65-F5344CB8AC3E}">
+        <p14:creationId xmlns:p14="http://schemas.microsoft.com/office/powerpoint/2010/main" val="1448004005"/>
+      </p:ext>
+    </p:extLst>
+  </p:cSld>
+  <p:clrMap bg1="lt1" tx1="dk1" bg2="lt2" tx2="dk2" accent1="accent1" accent2="accent2" accent3="accent3" accent4="accent4" accent5="accent5" accent6="accent6" hlink="hlink" folHlink="folHlink"/>
+  <p:sldLayoutIdLst>
+    <p:sldLayoutId id="2147483700" r:id="rId1"/>
+    <p:sldLayoutId id="2147483705" r:id="rId2"/>
+  </p:sldLayoutIdLst>
+  <p:timing>
+    <p:tnLst>
+      <p:par>
+        <p:cTn id="1" dur="indefinite" restart="never" nodeType="tmRoot"/>
+      </p:par>
+    </p:tnLst>
+  </p:timing>
+  <p:txStyles>
+    <p:titleStyle>
+      <a:lvl1pPr algn="ctr" defTabSz="457200" rtl="0" eaLnBrk="1" latinLnBrk="0" hangingPunct="1">
+        <a:spcBef>
+          <a:spcPct val="0"/>
+        </a:spcBef>
+        <a:buNone/>
+        <a:defRPr sz="4400" kern="1200">
+          <a:solidFill>
+            <a:schemeClr val="tx1"/>
+          </a:solidFill>
+          <a:latin typeface="+mj-lt"/>
+          <a:ea typeface="+mj-ea"/>
+          <a:cs typeface="+mj-cs"/>
+        </a:defRPr>
+      </a:lvl1pPr>
+    </p:titleStyle>
+    <p:bodyStyle>
+      <a:lvl1pPr marL="342900" indent="-342900" algn="l" defTabSz="457200" rtl="0" eaLnBrk="1" latinLnBrk="0" hangingPunct="1">
+        <a:spcBef>
+          <a:spcPct val="20000"/>
+        </a:spcBef>
+        <a:buFont typeface="Arial"/>
+        <a:buChar char="•"/>
+        <a:defRPr sz="3200" kern="1200">
+          <a:solidFill>
+            <a:schemeClr val="tx1"/>
+          </a:solidFill>
+          <a:latin typeface="+mn-lt"/>
+          <a:ea typeface="+mn-ea"/>
+          <a:cs typeface="+mn-cs"/>
+        </a:defRPr>
+      </a:lvl1pPr>
+      <a:lvl2pPr marL="742950" indent="-285750" algn="l" defTabSz="457200" rtl="0" eaLnBrk="1" latinLnBrk="0" hangingPunct="1">
+        <a:spcBef>
+          <a:spcPct val="20000"/>
+        </a:spcBef>
+        <a:buFont typeface="Arial"/>
+        <a:buChar char="–"/>
+        <a:defRPr sz="2800" kern="1200">
+          <a:solidFill>
+            <a:schemeClr val="tx1"/>
+          </a:solidFill>
+          <a:latin typeface="+mn-lt"/>
+          <a:ea typeface="+mn-ea"/>
+          <a:cs typeface="+mn-cs"/>
+        </a:defRPr>
+      </a:lvl2pPr>
+      <a:lvl3pPr marL="1143000" indent="-228600" algn="l" defTabSz="457200" rtl="0" eaLnBrk="1" latinLnBrk="0" hangingPunct="1">
+        <a:spcBef>
+          <a:spcPct val="20000"/>
+        </a:spcBef>
+        <a:buFont typeface="Arial"/>
+        <a:buChar char="•"/>
+        <a:defRPr sz="2400" kern="1200">
+          <a:solidFill>
+            <a:schemeClr val="tx1"/>
+          </a:solidFill>
+          <a:latin typeface="+mn-lt"/>
+          <a:ea typeface="+mn-ea"/>
+          <a:cs typeface="+mn-cs"/>
+        </a:defRPr>
+      </a:lvl3pPr>
+      <a:lvl4pPr marL="1600200" indent="-228600" algn="l" defTabSz="457200" rtl="0" eaLnBrk="1" latinLnBrk="0" hangingPunct="1">
+        <a:spcBef>
+          <a:spcPct val="20000"/>
+        </a:spcBef>
+        <a:buFont typeface="Arial"/>
+        <a:buChar char="–"/>
+        <a:defRPr sz="2000" kern="1200">
+          <a:solidFill>
+            <a:schemeClr val="tx1"/>
+          </a:solidFill>
+          <a:latin typeface="+mn-lt"/>
+          <a:ea typeface="+mn-ea"/>
+          <a:cs typeface="+mn-cs"/>
+        </a:defRPr>
+      </a:lvl4pPr>
+      <a:lvl5pPr marL="2057400" indent="-228600" algn="l" defTabSz="457200" rtl="0" eaLnBrk="1" latinLnBrk="0" hangingPunct="1">
+        <a:spcBef>
+          <a:spcPct val="20000"/>
+        </a:spcBef>
+        <a:buFont typeface="Arial"/>
+        <a:buChar char="»"/>
+        <a:defRPr sz="2000" kern="1200">
+          <a:solidFill>
+            <a:schemeClr val="tx1"/>
+          </a:solidFill>
+          <a:latin typeface="+mn-lt"/>
+          <a:ea typeface="+mn-ea"/>
+          <a:cs typeface="+mn-cs"/>
+        </a:defRPr>
+      </a:lvl5pPr>
+      <a:lvl6pPr marL="2514600" indent="-228600" algn="l" defTabSz="457200" rtl="0" eaLnBrk="1" latinLnBrk="0" hangingPunct="1">
+        <a:spcBef>
+          <a:spcPct val="20000"/>
+        </a:spcBef>
+        <a:buFont typeface="Arial"/>
+        <a:buChar char="•"/>
+        <a:defRPr sz="2000" kern="1200">
+          <a:solidFill>
+            <a:schemeClr val="tx1"/>
+          </a:solidFill>
+          <a:latin typeface="+mn-lt"/>
+          <a:ea typeface="+mn-ea"/>
+          <a:cs typeface="+mn-cs"/>
+        </a:defRPr>
+      </a:lvl6pPr>
+      <a:lvl7pPr marL="2971800" indent="-228600" algn="l" defTabSz="457200" rtl="0" eaLnBrk="1" latinLnBrk="0" hangingPunct="1">
+        <a:spcBef>
+          <a:spcPct val="20000"/>
+        </a:spcBef>
+        <a:buFont typeface="Arial"/>
+        <a:buChar char="•"/>
+        <a:defRPr sz="2000" kern="1200">
+          <a:solidFill>
+            <a:schemeClr val="tx1"/>
+          </a:solidFill>
+          <a:latin typeface="+mn-lt"/>
+          <a:ea typeface="+mn-ea"/>
+          <a:cs typeface="+mn-cs"/>
+        </a:defRPr>
+      </a:lvl7pPr>
+      <a:lvl8pPr marL="3429000" indent="-228600" algn="l" defTabSz="457200" rtl="0" eaLnBrk="1" latinLnBrk="0" hangingPunct="1">
+        <a:spcBef>
+          <a:spcPct val="20000"/>
+        </a:spcBef>
+        <a:buFont typeface="Arial"/>
+        <a:buChar char="•"/>
+        <a:defRPr sz="2000" kern="1200">
+          <a:solidFill>
+            <a:schemeClr val="tx1"/>
+          </a:solidFill>
+          <a:latin typeface="+mn-lt"/>
+          <a:ea typeface="+mn-ea"/>
+          <a:cs typeface="+mn-cs"/>
+        </a:defRPr>
+      </a:lvl8pPr>
+      <a:lvl9pPr marL="3886200" indent="-228600" algn="l" defTabSz="457200" rtl="0" eaLnBrk="1" latinLnBrk="0" hangingPunct="1">
+        <a:spcBef>
+          <a:spcPct val="20000"/>
+        </a:spcBef>
+        <a:buFont typeface="Arial"/>
+        <a:buChar char="•"/>
+        <a:defRPr sz="2000" kern="1200">
+          <a:solidFill>
+            <a:schemeClr val="tx1"/>
+          </a:solidFill>
+          <a:latin typeface="+mn-lt"/>
+          <a:ea typeface="+mn-ea"/>
+          <a:cs typeface="+mn-cs"/>
+        </a:defRPr>
+      </a:lvl9pPr>
+    </p:bodyStyle>
+    <p:otherStyle>
+      <a:defPPr>
+        <a:defRPr lang="en-US"/>
+      </a:defPPr>
+      <a:lvl1pPr marL="0" algn="l" defTabSz="457200" rtl="0" eaLnBrk="1" latinLnBrk="0" hangingPunct="1">
+        <a:defRPr sz="1800" kern="1200">
+          <a:solidFill>
+            <a:schemeClr val="tx1"/>
+          </a:solidFill>
+          <a:latin typeface="+mn-lt"/>
+          <a:ea typeface="+mn-ea"/>
+          <a:cs typeface="+mn-cs"/>
+        </a:defRPr>
+      </a:lvl1pPr>
+      <a:lvl2pPr marL="457200" algn="l" defTabSz="457200" rtl="0" eaLnBrk="1" latinLnBrk="0" hangingPunct="1">
+        <a:defRPr sz="1800" kern="1200">
+          <a:solidFill>
+            <a:schemeClr val="tx1"/>
+          </a:solidFill>
+          <a:latin typeface="+mn-lt"/>
+          <a:ea typeface="+mn-ea"/>
+          <a:cs typeface="+mn-cs"/>
+        </a:defRPr>
+      </a:lvl2pPr>
+      <a:lvl3pPr marL="914400" algn="l" defTabSz="457200" rtl="0" eaLnBrk="1" latinLnBrk="0" hangingPunct="1">
+        <a:defRPr sz="1800" kern="1200">
+          <a:solidFill>
+            <a:schemeClr val="tx1"/>
+          </a:solidFill>
+          <a:latin typeface="+mn-lt"/>
+          <a:ea typeface="+mn-ea"/>
+          <a:cs typeface="+mn-cs"/>
+        </a:defRPr>
+      </a:lvl3pPr>
+      <a:lvl4pPr marL="1371600" algn="l" defTabSz="457200" rtl="0" eaLnBrk="1" latinLnBrk="0" hangingPunct="1">
+        <a:defRPr sz="1800" kern="1200">
+          <a:solidFill>
+            <a:schemeClr val="tx1"/>
+          </a:solidFill>
+          <a:latin typeface="+mn-lt"/>
+          <a:ea typeface="+mn-ea"/>
+          <a:cs typeface="+mn-cs"/>
+        </a:defRPr>
+      </a:lvl4pPr>
+      <a:lvl5pPr marL="1828800" algn="l" defTabSz="457200" rtl="0" eaLnBrk="1" latinLnBrk="0" hangingPunct="1">
+        <a:defRPr sz="1800" kern="1200">
+          <a:solidFill>
+            <a:schemeClr val="tx1"/>
+          </a:solidFill>
+          <a:latin typeface="+mn-lt"/>
+          <a:ea typeface="+mn-ea"/>
+          <a:cs typeface="+mn-cs"/>
+        </a:defRPr>
+      </a:lvl5pPr>
+      <a:lvl6pPr marL="2286000" algn="l" defTabSz="457200" rtl="0" eaLnBrk="1" latinLnBrk="0" hangingPunct="1">
+        <a:defRPr sz="1800" kern="1200">
+          <a:solidFill>
+            <a:schemeClr val="tx1"/>
+          </a:solidFill>
+          <a:latin typeface="+mn-lt"/>
+          <a:ea typeface="+mn-ea"/>
+          <a:cs typeface="+mn-cs"/>
+        </a:defRPr>
+      </a:lvl6pPr>
+      <a:lvl7pPr marL="2743200" algn="l" defTabSz="457200" rtl="0" eaLnBrk="1" latinLnBrk="0" hangingPunct="1">
+        <a:defRPr sz="1800" kern="1200">
+          <a:solidFill>
+            <a:schemeClr val="tx1"/>
+          </a:solidFill>
+          <a:latin typeface="+mn-lt"/>
+          <a:ea typeface="+mn-ea"/>
+          <a:cs typeface="+mn-cs"/>
+        </a:defRPr>
+      </a:lvl7pPr>
+      <a:lvl8pPr marL="3200400" algn="l" defTabSz="457200" rtl="0" eaLnBrk="1" latinLnBrk="0" hangingPunct="1">
+        <a:defRPr sz="1800" kern="1200">
+          <a:solidFill>
+            <a:schemeClr val="tx1"/>
+          </a:solidFill>
+          <a:latin typeface="+mn-lt"/>
+          <a:ea typeface="+mn-ea"/>
+          <a:cs typeface="+mn-cs"/>
+        </a:defRPr>
+      </a:lvl8pPr>
+      <a:lvl9pPr marL="3657600" algn="l" defTabSz="457200" rtl="0" eaLnBrk="1" latinLnBrk="0" hangingPunct="1">
+        <a:defRPr sz="1800" kern="1200">
+          <a:solidFill>
+            <a:schemeClr val="tx1"/>
+          </a:solidFill>
+          <a:latin typeface="+mn-lt"/>
+          <a:ea typeface="+mn-ea"/>
+          <a:cs typeface="+mn-cs"/>
+        </a:defRPr>
+      </a:lvl9pPr>
+    </p:otherStyle>
+  </p:txStyles>
+</p:sldMaster>
+</file>
+
+<file path=ppt/slideMasters/slideMaster2.xml><?xml version="1.0" encoding="utf-8"?>
+<p:sldMaster xmlns:a="http://schemas.openxmlformats.org/drawingml/2006/main" xmlns:r="http://schemas.openxmlformats.org/officeDocument/2006/relationships" xmlns:p="http://schemas.openxmlformats.org/presentationml/2006/main" preserve="1">
+  <p:cSld>
+    <p:bg>
+      <p:bgRef idx="1001">
+        <a:schemeClr val="bg1"/>
+      </p:bgRef>
+    </p:bg>
+    <p:spTree>
+      <p:nvGrpSpPr>
+        <p:cNvPr id="1" name=""/>
+        <p:cNvGrpSpPr/>
+        <p:nvPr/>
+      </p:nvGrpSpPr>
+      <p:grpSpPr>
+        <a:xfrm>
+          <a:off x="0" y="0"/>
+          <a:ext cx="0" cy="0"/>
+          <a:chOff x="0" y="0"/>
+          <a:chExt cx="0" cy="0"/>
+        </a:xfrm>
+      </p:grpSpPr>
+      <p:sp>
+        <p:nvSpPr>
+          <p:cNvPr id="3" name="Rectangle 2"/>
+          <p:cNvSpPr/>
+          <p:nvPr userDrawn="1"/>
+        </p:nvSpPr>
+        <p:spPr>
+          <a:xfrm>
+            <a:off x="0" y="-1"/>
+            <a:ext cx="9144000" cy="1058305"/>
+          </a:xfrm>
+          <a:prstGeom prst="rect">
+            <a:avLst/>
+          </a:prstGeom>
+          <a:solidFill>
+            <a:srgbClr val="4799B5"/>
+          </a:solidFill>
+          <a:effectLst/>
+        </p:spPr>
+        <p:style>
+          <a:lnRef idx="1">
+            <a:schemeClr val="accent1"/>
+          </a:lnRef>
+          <a:fillRef idx="3">
+            <a:schemeClr val="accent1"/>
+          </a:fillRef>
+          <a:effectRef idx="2">
+            <a:schemeClr val="accent1"/>
+          </a:effectRef>
+          <a:fontRef idx="minor">
+            <a:schemeClr val="lt1"/>
+          </a:fontRef>
+        </p:style>
+        <p:txBody>
+          <a:bodyPr rtlCol="0" anchor="ctr"/>
+          <a:lstStyle/>
+          <a:p>
+            <a:pPr algn="ctr"/>
+            <a:endParaRPr lang="en-US" dirty="0"/>
+          </a:p>
+        </p:txBody>
+      </p:sp>
+      <p:pic>
+        <p:nvPicPr>
+          <p:cNvPr id="4" name="Picture 3" descr="horizontal RGB white.eps"/>
+          <p:cNvPicPr>
+            <a:picLocks noChangeAspect="1"/>
+          </p:cNvPicPr>
+          <p:nvPr userDrawn="1"/>
+        </p:nvPicPr>
+        <p:blipFill>
+          <a:blip r:embed="rId9">
+            <a:extLst>
+              <a:ext uri="{28A0092B-C50C-407E-A947-70E740481C1C}">
+                <a14:useLocalDpi xmlns:a14="http://schemas.microsoft.com/office/drawing/2010/main" val="0"/>
+              </a:ext>
+            </a:extLst>
+          </a:blip>
+          <a:stretch>
+            <a:fillRect/>
+          </a:stretch>
+        </p:blipFill>
+        <p:spPr>
+          <a:xfrm>
+            <a:off x="291966" y="225746"/>
+            <a:ext cx="3401400" cy="577885"/>
+          </a:xfrm>
+          <a:prstGeom prst="rect">
+            <a:avLst/>
+          </a:prstGeom>
+        </p:spPr>
+      </p:pic>
+      <p:pic>
+        <p:nvPicPr>
+          <p:cNvPr id="5" name="Picture 4" descr="Horizontal_RGB_600.jpg"/>
+          <p:cNvPicPr>
+            <a:picLocks noChangeAspect="1"/>
+          </p:cNvPicPr>
+          <p:nvPr userDrawn="1"/>
+        </p:nvPicPr>
+        <p:blipFill>
+          <a:blip r:embed="rId10">
+            <a:extLst>
+              <a:ext uri="{28A0092B-C50C-407E-A947-70E740481C1C}">
+                <a14:useLocalDpi xmlns:a14="http://schemas.microsoft.com/office/drawing/2010/main" val="0"/>
+              </a:ext>
+            </a:extLst>
+          </a:blip>
+          <a:stretch>
+            <a:fillRect/>
+          </a:stretch>
+        </p:blipFill>
+        <p:spPr>
+          <a:xfrm>
+            <a:off x="108033" y="5942146"/>
+            <a:ext cx="2372451" cy="915854"/>
+          </a:xfrm>
+          <a:prstGeom prst="rect">
+            <a:avLst/>
+          </a:prstGeom>
+        </p:spPr>
+      </p:pic>
+      <p:sp>
+        <p:nvSpPr>
+          <p:cNvPr id="7" name="Rectangle 6"/>
+          <p:cNvSpPr/>
+          <p:nvPr userDrawn="1"/>
+        </p:nvSpPr>
+        <p:spPr>
+          <a:xfrm>
+            <a:off x="6972752" y="6060484"/>
+            <a:ext cx="2008628" cy="744483"/>
+          </a:xfrm>
+          <a:prstGeom prst="rect">
+            <a:avLst/>
+          </a:prstGeom>
+          <a:solidFill>
+            <a:schemeClr val="bg1">
+              <a:lumMod val="65000"/>
+            </a:schemeClr>
+          </a:solidFill>
+          <a:effectLst/>
+        </p:spPr>
+        <p:style>
+          <a:lnRef idx="1">
+            <a:schemeClr val="accent1"/>
+          </a:lnRef>
+          <a:fillRef idx="3">
+            <a:schemeClr val="accent1"/>
+          </a:fillRef>
+          <a:effectRef idx="2">
+            <a:schemeClr val="accent1"/>
+          </a:effectRef>
+          <a:fontRef idx="minor">
+            <a:schemeClr val="lt1"/>
+          </a:fontRef>
+        </p:style>
+        <p:txBody>
+          <a:bodyPr rtlCol="0" anchor="ctr"/>
+          <a:lstStyle/>
+          <a:p>
+            <a:pPr algn="ctr">
+              <a:lnSpc>
+                <a:spcPts val="1520"/>
+              </a:lnSpc>
+            </a:pPr>
+            <a:r>
+              <a:rPr lang="en-US" sz="1400" dirty="0" smtClean="0">
+                <a:latin typeface="Arial" panose="020B0604020202020204" pitchFamily="34" charset="0"/>
+                <a:cs typeface="Arial" panose="020B0604020202020204" pitchFamily="34" charset="0"/>
+              </a:rPr>
+              <a:t>PARTNER LOGO GOES HERE (click slide master to add)</a:t>
+            </a:r>
+            <a:endParaRPr lang="en-US" sz="1400" dirty="0">
+              <a:latin typeface="Arial" panose="020B0604020202020204" pitchFamily="34" charset="0"/>
+              <a:cs typeface="Arial" panose="020B0604020202020204" pitchFamily="34" charset="0"/>
+            </a:endParaRPr>
+          </a:p>
+        </p:txBody>
+      </p:sp>
+    </p:spTree>
+    <p:extLst>
+      <p:ext uri="{BB962C8B-B14F-4D97-AF65-F5344CB8AC3E}">
+        <p14:creationId xmlns:p14="http://schemas.microsoft.com/office/powerpoint/2010/main" val="3085796189"/>
+      </p:ext>
+    </p:extLst>
+  </p:cSld>
+  <p:clrMap bg1="lt1" tx1="dk1" bg2="lt2" tx2="dk2" accent1="accent1" accent2="accent2" accent3="accent3" accent4="accent4" accent5="accent5" accent6="accent6" hlink="hlink" folHlink="folHlink"/>
+  <p:sldLayoutIdLst>
+    <p:sldLayoutId id="2147483693" r:id="rId1"/>
+    <p:sldLayoutId id="2147483692" r:id="rId2"/>
+    <p:sldLayoutId id="2147483694" r:id="rId3"/>
+    <p:sldLayoutId id="2147483695" r:id="rId4"/>
+    <p:sldLayoutId id="2147483697" r:id="rId5"/>
+    <p:sldLayoutId id="2147483696" r:id="rId6"/>
+    <p:sldLayoutId id="2147483708" r:id="rId7"/>
+  </p:sldLayoutIdLst>
+  <p:timing>
+    <p:tnLst>
+      <p:par>
+        <p:cTn id="1" dur="indefinite" restart="never" nodeType="tmRoot"/>
+      </p:par>
+    </p:tnLst>
+  </p:timing>
+  <p:txStyles>
+    <p:titleStyle>
+      <a:lvl1pPr algn="ctr" defTabSz="457200" rtl="0" eaLnBrk="1" latinLnBrk="0" hangingPunct="1">
+        <a:spcBef>
+          <a:spcPct val="0"/>
+        </a:spcBef>
+        <a:buNone/>
+        <a:defRPr sz="4400" kern="1200">
+          <a:solidFill>
+            <a:schemeClr val="tx1"/>
+          </a:solidFill>
+          <a:latin typeface="+mj-lt"/>
+          <a:ea typeface="+mj-ea"/>
+          <a:cs typeface="+mj-cs"/>
+        </a:defRPr>
+      </a:lvl1pPr>
+    </p:titleStyle>
+    <p:bodyStyle>
+      <a:lvl1pPr marL="342900" indent="-342900" algn="l" defTabSz="457200" rtl="0" eaLnBrk="1" latinLnBrk="0" hangingPunct="1">
+        <a:spcBef>
+          <a:spcPct val="20000"/>
+        </a:spcBef>
+        <a:buFont typeface="Arial"/>
+        <a:buChar char="•"/>
+        <a:defRPr sz="3200" kern="1200">
+          <a:solidFill>
+            <a:schemeClr val="tx1"/>
+          </a:solidFill>
+          <a:latin typeface="+mn-lt"/>
+          <a:ea typeface="+mn-ea"/>
+          <a:cs typeface="+mn-cs"/>
+        </a:defRPr>
+      </a:lvl1pPr>
+      <a:lvl2pPr marL="742950" indent="-285750" algn="l" defTabSz="457200" rtl="0" eaLnBrk="1" latinLnBrk="0" hangingPunct="1">
+        <a:spcBef>
+          <a:spcPct val="20000"/>
+        </a:spcBef>
+        <a:buFont typeface="Arial"/>
+        <a:buChar char="–"/>
+        <a:defRPr sz="2800" kern="1200">
+          <a:solidFill>
+            <a:schemeClr val="tx1"/>
+          </a:solidFill>
+          <a:latin typeface="+mn-lt"/>
+          <a:ea typeface="+mn-ea"/>
+          <a:cs typeface="+mn-cs"/>
+        </a:defRPr>
+      </a:lvl2pPr>
+      <a:lvl3pPr marL="1143000" indent="-228600" algn="l" defTabSz="457200" rtl="0" eaLnBrk="1" latinLnBrk="0" hangingPunct="1">
+        <a:spcBef>
+          <a:spcPct val="20000"/>
+        </a:spcBef>
+        <a:buFont typeface="Arial"/>
+        <a:buChar char="•"/>
+        <a:defRPr sz="2400" kern="1200">
+          <a:solidFill>
+            <a:schemeClr val="tx1"/>
+          </a:solidFill>
+          <a:latin typeface="+mn-lt"/>
+          <a:ea typeface="+mn-ea"/>
+          <a:cs typeface="+mn-cs"/>
+        </a:defRPr>
+      </a:lvl3pPr>
+      <a:lvl4pPr marL="1600200" indent="-228600" algn="l" defTabSz="457200" rtl="0" eaLnBrk="1" latinLnBrk="0" hangingPunct="1">
+        <a:spcBef>
+          <a:spcPct val="20000"/>
+        </a:spcBef>
+        <a:buFont typeface="Arial"/>
+        <a:buChar char="–"/>
+        <a:defRPr sz="2000" kern="1200">
+          <a:solidFill>
+            <a:schemeClr val="tx1"/>
+          </a:solidFill>
+          <a:latin typeface="+mn-lt"/>
+          <a:ea typeface="+mn-ea"/>
+          <a:cs typeface="+mn-cs"/>
+        </a:defRPr>
+      </a:lvl4pPr>
+      <a:lvl5pPr marL="2057400" indent="-228600" algn="l" defTabSz="457200" rtl="0" eaLnBrk="1" latinLnBrk="0" hangingPunct="1">
+        <a:spcBef>
+          <a:spcPct val="20000"/>
+        </a:spcBef>
+        <a:buFont typeface="Arial"/>
+        <a:buChar char="»"/>
+        <a:defRPr sz="2000" kern="1200">
+          <a:solidFill>
+            <a:schemeClr val="tx1"/>
+          </a:solidFill>
+          <a:latin typeface="+mn-lt"/>
+          <a:ea typeface="+mn-ea"/>
+          <a:cs typeface="+mn-cs"/>
+        </a:defRPr>
+      </a:lvl5pPr>
+      <a:lvl6pPr marL="2514600" indent="-228600" algn="l" defTabSz="457200" rtl="0" eaLnBrk="1" latinLnBrk="0" hangingPunct="1">
+        <a:spcBef>
+          <a:spcPct val="20000"/>
+        </a:spcBef>
+        <a:buFont typeface="Arial"/>
+        <a:buChar char="•"/>
+        <a:defRPr sz="2000" kern="1200">
+          <a:solidFill>
+            <a:schemeClr val="tx1"/>
+          </a:solidFill>
+          <a:latin typeface="+mn-lt"/>
+          <a:ea typeface="+mn-ea"/>
+          <a:cs typeface="+mn-cs"/>
+        </a:defRPr>
+      </a:lvl6pPr>
+      <a:lvl7pPr marL="2971800" indent="-228600" algn="l" defTabSz="457200" rtl="0" eaLnBrk="1" latinLnBrk="0" hangingPunct="1">
+        <a:spcBef>
+          <a:spcPct val="20000"/>
+        </a:spcBef>
+        <a:buFont typeface="Arial"/>
+        <a:buChar char="•"/>
+        <a:defRPr sz="2000" kern="1200">
+          <a:solidFill>
+            <a:schemeClr val="tx1"/>
+          </a:solidFill>
+          <a:latin typeface="+mn-lt"/>
+          <a:ea typeface="+mn-ea"/>
+          <a:cs typeface="+mn-cs"/>
+        </a:defRPr>
+      </a:lvl7pPr>
+      <a:lvl8pPr marL="3429000" indent="-228600" algn="l" defTabSz="457200" rtl="0" eaLnBrk="1" latinLnBrk="0" hangingPunct="1">
+        <a:spcBef>
+          <a:spcPct val="20000"/>
+        </a:spcBef>
+        <a:buFont typeface="Arial"/>
+        <a:buChar char="•"/>
+        <a:defRPr sz="2000" kern="1200">
+          <a:solidFill>
+            <a:schemeClr val="tx1"/>
+          </a:solidFill>
+          <a:latin typeface="+mn-lt"/>
+          <a:ea typeface="+mn-ea"/>
+          <a:cs typeface="+mn-cs"/>
+        </a:defRPr>
+      </a:lvl8pPr>
+      <a:lvl9pPr marL="3886200" indent="-228600" algn="l" defTabSz="457200" rtl="0" eaLnBrk="1" latinLnBrk="0" hangingPunct="1">
+        <a:spcBef>
+          <a:spcPct val="20000"/>
+        </a:spcBef>
+        <a:buFont typeface="Arial"/>
+        <a:buChar char="•"/>
+        <a:defRPr sz="2000" kern="1200">
+          <a:solidFill>
+            <a:schemeClr val="tx1"/>
+          </a:solidFill>
+          <a:latin typeface="+mn-lt"/>
+          <a:ea typeface="+mn-ea"/>
+          <a:cs typeface="+mn-cs"/>
+        </a:defRPr>
+      </a:lvl9pPr>
+    </p:bodyStyle>
+    <p:otherStyle>
+      <a:defPPr>
+        <a:defRPr lang="en-US"/>
+      </a:defPPr>
+      <a:lvl1pPr marL="0" algn="l" defTabSz="457200" rtl="0" eaLnBrk="1" latinLnBrk="0" hangingPunct="1">
+        <a:defRPr sz="1800" kern="1200">
+          <a:solidFill>
+            <a:schemeClr val="tx1"/>
+          </a:solidFill>
+          <a:latin typeface="+mn-lt"/>
+          <a:ea typeface="+mn-ea"/>
+          <a:cs typeface="+mn-cs"/>
+        </a:defRPr>
+      </a:lvl1pPr>
+      <a:lvl2pPr marL="457200" algn="l" defTabSz="457200" rtl="0" eaLnBrk="1" latinLnBrk="0" hangingPunct="1">
+        <a:defRPr sz="1800" kern="1200">
+          <a:solidFill>
+            <a:schemeClr val="tx1"/>
+          </a:solidFill>
+          <a:latin typeface="+mn-lt"/>
+          <a:ea typeface="+mn-ea"/>
+          <a:cs typeface="+mn-cs"/>
+        </a:defRPr>
+      </a:lvl2pPr>
+      <a:lvl3pPr marL="914400" algn="l" defTabSz="457200" rtl="0" eaLnBrk="1" latinLnBrk="0" hangingPunct="1">
+        <a:defRPr sz="1800" kern="1200">
+          <a:solidFill>
+            <a:schemeClr val="tx1"/>
+          </a:solidFill>
+          <a:latin typeface="+mn-lt"/>
+          <a:ea typeface="+mn-ea"/>
+          <a:cs typeface="+mn-cs"/>
+        </a:defRPr>
+      </a:lvl3pPr>
+      <a:lvl4pPr marL="1371600" algn="l" defTabSz="457200" rtl="0" eaLnBrk="1" latinLnBrk="0" hangingPunct="1">
+        <a:defRPr sz="1800" kern="1200">
+          <a:solidFill>
+            <a:schemeClr val="tx1"/>
+          </a:solidFill>
+          <a:latin typeface="+mn-lt"/>
+          <a:ea typeface="+mn-ea"/>
+          <a:cs typeface="+mn-cs"/>
+        </a:defRPr>
+      </a:lvl4pPr>
+      <a:lvl5pPr marL="1828800" algn="l" defTabSz="457200" rtl="0" eaLnBrk="1" latinLnBrk="0" hangingPunct="1">
+        <a:defRPr sz="1800" kern="1200">
+          <a:solidFill>
+            <a:schemeClr val="tx1"/>
+          </a:solidFill>
+          <a:latin typeface="+mn-lt"/>
+          <a:ea typeface="+mn-ea"/>
+          <a:cs typeface="+mn-cs"/>
+        </a:defRPr>
+      </a:lvl5pPr>
+      <a:lvl6pPr marL="2286000" algn="l" defTabSz="457200" rtl="0" eaLnBrk="1" latinLnBrk="0" hangingPunct="1">
+        <a:defRPr sz="1800" kern="1200">
+          <a:solidFill>
+            <a:schemeClr val="tx1"/>
+          </a:solidFill>
+          <a:latin typeface="+mn-lt"/>
+          <a:ea typeface="+mn-ea"/>
+          <a:cs typeface="+mn-cs"/>
+        </a:defRPr>
+      </a:lvl6pPr>
+      <a:lvl7pPr marL="2743200" algn="l" defTabSz="457200" rtl="0" eaLnBrk="1" latinLnBrk="0" hangingPunct="1">
+        <a:defRPr sz="1800" kern="1200">
+          <a:solidFill>
+            <a:schemeClr val="tx1"/>
+          </a:solidFill>
+          <a:latin typeface="+mn-lt"/>
+          <a:ea typeface="+mn-ea"/>
+          <a:cs typeface="+mn-cs"/>
+        </a:defRPr>
+      </a:lvl7pPr>
+      <a:lvl8pPr marL="3200400" algn="l" defTabSz="457200" rtl="0" eaLnBrk="1" latinLnBrk="0" hangingPunct="1">
+        <a:defRPr sz="1800" kern="1200">
+          <a:solidFill>
+            <a:schemeClr val="tx1"/>
+          </a:solidFill>
+          <a:latin typeface="+mn-lt"/>
+          <a:ea typeface="+mn-ea"/>
+          <a:cs typeface="+mn-cs"/>
+        </a:defRPr>
+      </a:lvl8pPr>
+      <a:lvl9pPr marL="3657600" algn="l" defTabSz="457200" rtl="0" eaLnBrk="1" latinLnBrk="0" hangingPunct="1">
+        <a:defRPr sz="1800" kern="1200">
+          <a:solidFill>
+            <a:schemeClr val="tx1"/>
+          </a:solidFill>
+          <a:latin typeface="+mn-lt"/>
+          <a:ea typeface="+mn-ea"/>
+          <a:cs typeface="+mn-cs"/>
+        </a:defRPr>
+      </a:lvl9pPr>
+    </p:otherStyle>
+  </p:txStyles>
+</p:sldMaster>
+</file>
+
+<file path=ppt/slideMasters/slideMaster3.xml><?xml version="1.0" encoding="utf-8"?>
+<p:sldMaster xmlns:a="http://schemas.openxmlformats.org/drawingml/2006/main" xmlns:r="http://schemas.openxmlformats.org/officeDocument/2006/relationships" xmlns:p="http://schemas.openxmlformats.org/presentationml/2006/main" preserve="1">
+  <p:cSld>
+    <p:bg>
+      <p:bgRef idx="1001">
+        <a:schemeClr val="bg1"/>
+      </p:bgRef>
+    </p:bg>
+    <p:spTree>
+      <p:nvGrpSpPr>
+        <p:cNvPr id="1" name=""/>
+        <p:cNvGrpSpPr/>
+        <p:nvPr/>
+      </p:nvGrpSpPr>
+      <p:grpSpPr>
+        <a:xfrm>
+          <a:off x="0" y="0"/>
+          <a:ext cx="0" cy="0"/>
+          <a:chOff x="0" y="0"/>
+          <a:chExt cx="0" cy="0"/>
+        </a:xfrm>
+      </p:grpSpPr>
+      <p:sp>
+        <p:nvSpPr>
+          <p:cNvPr id="3" name="Rectangle 2"/>
+          <p:cNvSpPr/>
+          <p:nvPr userDrawn="1"/>
+        </p:nvSpPr>
+        <p:spPr>
+          <a:xfrm>
+            <a:off x="0" y="-1"/>
+            <a:ext cx="9144000" cy="1058305"/>
+          </a:xfrm>
+          <a:prstGeom prst="rect">
+            <a:avLst/>
+          </a:prstGeom>
+          <a:solidFill>
+            <a:srgbClr val="4799B5"/>
+          </a:solidFill>
+          <a:effectLst/>
+        </p:spPr>
+        <p:style>
+          <a:lnRef idx="1">
+            <a:schemeClr val="accent1"/>
+          </a:lnRef>
+          <a:fillRef idx="3">
+            <a:schemeClr val="accent1"/>
+          </a:fillRef>
+          <a:effectRef idx="2">
+            <a:schemeClr val="accent1"/>
+          </a:effectRef>
+          <a:fontRef idx="minor">
+            <a:schemeClr val="lt1"/>
+          </a:fontRef>
+        </p:style>
+        <p:txBody>
+          <a:bodyPr rtlCol="0" anchor="ctr"/>
+          <a:lstStyle/>
+          <a:p>
+            <a:pPr algn="ctr"/>
+            <a:endParaRPr lang="en-US" dirty="0"/>
+          </a:p>
+        </p:txBody>
+      </p:sp>
+      <p:pic>
+        <p:nvPicPr>
+          <p:cNvPr id="4" name="Picture 3" descr="horizontal RGB white.eps"/>
+          <p:cNvPicPr>
+            <a:picLocks noChangeAspect="1"/>
+          </p:cNvPicPr>
+          <p:nvPr userDrawn="1"/>
+        </p:nvPicPr>
+        <p:blipFill>
+          <a:blip r:embed="rId3">
+            <a:extLst>
+              <a:ext uri="{28A0092B-C50C-407E-A947-70E740481C1C}">
+                <a14:useLocalDpi xmlns:a14="http://schemas.microsoft.com/office/drawing/2010/main" val="0"/>
+              </a:ext>
+            </a:extLst>
+          </a:blip>
+          <a:stretch>
+            <a:fillRect/>
+          </a:stretch>
+        </p:blipFill>
+        <p:spPr>
+          <a:xfrm>
+            <a:off x="291966" y="225746"/>
+            <a:ext cx="3401400" cy="577885"/>
+          </a:xfrm>
+          <a:prstGeom prst="rect">
+            <a:avLst/>
+          </a:prstGeom>
+        </p:spPr>
+      </p:pic>
+    </p:spTree>
+    <p:extLst>
+      <p:ext uri="{BB962C8B-B14F-4D97-AF65-F5344CB8AC3E}">
+        <p14:creationId xmlns:p14="http://schemas.microsoft.com/office/powerpoint/2010/main" val="608652071"/>
+      </p:ext>
+    </p:extLst>
+  </p:cSld>
+  <p:clrMap bg1="lt1" tx1="dk1" bg2="lt2" tx2="dk2" accent1="accent1" accent2="accent2" accent3="accent3" accent4="accent4" accent5="accent5" accent6="accent6" hlink="hlink" folHlink="folHlink"/>
+  <p:sldLayoutIdLst>
+    <p:sldLayoutId id="2147483707" r:id="rId1"/>
+  </p:sldLayoutIdLst>
+  <p:timing>
+    <p:tnLst>
+      <p:par>
+        <p:cTn id="1" dur="indefinite" restart="never" nodeType="tmRoot"/>
+      </p:par>
+    </p:tnLst>
+  </p:timing>
+  <p:txStyles>
+    <p:titleStyle>
+      <a:lvl1pPr algn="ctr" defTabSz="457200" rtl="0" eaLnBrk="1" latinLnBrk="0" hangingPunct="1">
+        <a:spcBef>
+          <a:spcPct val="0"/>
+        </a:spcBef>
+        <a:buNone/>
+        <a:defRPr sz="4400" kern="1200">
+          <a:solidFill>
+            <a:schemeClr val="tx1"/>
+          </a:solidFill>
+          <a:latin typeface="+mj-lt"/>
+          <a:ea typeface="+mj-ea"/>
+          <a:cs typeface="+mj-cs"/>
+        </a:defRPr>
+      </a:lvl1pPr>
+    </p:titleStyle>
+    <p:bodyStyle>
+      <a:lvl1pPr marL="342900" indent="-342900" algn="l" defTabSz="457200" rtl="0" eaLnBrk="1" latinLnBrk="0" hangingPunct="1">
+        <a:spcBef>
+          <a:spcPct val="20000"/>
+        </a:spcBef>
+        <a:buFont typeface="Arial"/>
+        <a:buChar char="•"/>
+        <a:defRPr sz="3200" kern="1200">
+          <a:solidFill>
+            <a:schemeClr val="tx1"/>
+          </a:solidFill>
+          <a:latin typeface="+mn-lt"/>
+          <a:ea typeface="+mn-ea"/>
+          <a:cs typeface="+mn-cs"/>
+        </a:defRPr>
+      </a:lvl1pPr>
+      <a:lvl2pPr marL="742950" indent="-285750" algn="l" defTabSz="457200" rtl="0" eaLnBrk="1" latinLnBrk="0" hangingPunct="1">
+        <a:spcBef>
+          <a:spcPct val="20000"/>
+        </a:spcBef>
+        <a:buFont typeface="Arial"/>
+        <a:buChar char="–"/>
+        <a:defRPr sz="2800" kern="1200">
+          <a:solidFill>
+            <a:schemeClr val="tx1"/>
+          </a:solidFill>
+          <a:latin typeface="+mn-lt"/>
+          <a:ea typeface="+mn-ea"/>
+          <a:cs typeface="+mn-cs"/>
+        </a:defRPr>
+      </a:lvl2pPr>
+      <a:lvl3pPr marL="1143000" indent="-228600" algn="l" defTabSz="457200" rtl="0" eaLnBrk="1" latinLnBrk="0" hangingPunct="1">
+        <a:spcBef>
+          <a:spcPct val="20000"/>
+        </a:spcBef>
+        <a:buFont typeface="Arial"/>
+        <a:buChar char="•"/>
+        <a:defRPr sz="2400" kern="1200">
+          <a:solidFill>
+            <a:schemeClr val="tx1"/>
+          </a:solidFill>
+          <a:latin typeface="+mn-lt"/>
+          <a:ea typeface="+mn-ea"/>
+          <a:cs typeface="+mn-cs"/>
+        </a:defRPr>
+      </a:lvl3pPr>
+      <a:lvl4pPr marL="1600200" indent="-228600" algn="l" defTabSz="457200" rtl="0" eaLnBrk="1" latinLnBrk="0" hangingPunct="1">
+        <a:spcBef>
+          <a:spcPct val="20000"/>
+        </a:spcBef>
+        <a:buFont typeface="Arial"/>
+        <a:buChar char="–"/>
+        <a:defRPr sz="2000" kern="1200">
+          <a:solidFill>
+            <a:schemeClr val="tx1"/>
+          </a:solidFill>
+          <a:latin typeface="+mn-lt"/>
+          <a:ea typeface="+mn-ea"/>
+          <a:cs typeface="+mn-cs"/>
+        </a:defRPr>
+      </a:lvl4pPr>
+      <a:lvl5pPr marL="2057400" indent="-228600" algn="l" defTabSz="457200" rtl="0" eaLnBrk="1" latinLnBrk="0" hangingPunct="1">
+        <a:spcBef>
+          <a:spcPct val="20000"/>
+        </a:spcBef>
+        <a:buFont typeface="Arial"/>
+        <a:buChar char="»"/>
+        <a:defRPr sz="2000" kern="1200">
+          <a:solidFill>
+            <a:schemeClr val="tx1"/>
+          </a:solidFill>
+          <a:latin typeface="+mn-lt"/>
+          <a:ea typeface="+mn-ea"/>
+          <a:cs typeface="+mn-cs"/>
+        </a:defRPr>
+      </a:lvl5pPr>
+      <a:lvl6pPr marL="2514600" indent="-228600" algn="l" defTabSz="457200" rtl="0" eaLnBrk="1" latinLnBrk="0" hangingPunct="1">
+        <a:spcBef>
+          <a:spcPct val="20000"/>
+        </a:spcBef>
+        <a:buFont typeface="Arial"/>
+        <a:buChar char="•"/>
+        <a:defRPr sz="2000" kern="1200">
+          <a:solidFill>
+            <a:schemeClr val="tx1"/>
+          </a:solidFill>
+          <a:latin typeface="+mn-lt"/>
+          <a:ea typeface="+mn-ea"/>
+          <a:cs typeface="+mn-cs"/>
+        </a:defRPr>
+      </a:lvl6pPr>
+      <a:lvl7pPr marL="2971800" indent="-228600" algn="l" defTabSz="457200" rtl="0" eaLnBrk="1" latinLnBrk="0" hangingPunct="1">
+        <a:spcBef>
+          <a:spcPct val="20000"/>
+        </a:spcBef>
+        <a:buFont typeface="Arial"/>
+        <a:buChar char="•"/>
+        <a:defRPr sz="2000" kern="1200">
+          <a:solidFill>
+            <a:schemeClr val="tx1"/>
+          </a:solidFill>
+          <a:latin typeface="+mn-lt"/>
+          <a:ea typeface="+mn-ea"/>
+          <a:cs typeface="+mn-cs"/>
+        </a:defRPr>
+      </a:lvl7pPr>
+      <a:lvl8pPr marL="3429000" indent="-228600" algn="l" defTabSz="457200" rtl="0" eaLnBrk="1" latinLnBrk="0" hangingPunct="1">
+        <a:spcBef>
+          <a:spcPct val="20000"/>
+        </a:spcBef>
+        <a:buFont typeface="Arial"/>
+        <a:buChar char="•"/>
+        <a:defRPr sz="2000" kern="1200">
+          <a:solidFill>
+            <a:schemeClr val="tx1"/>
+          </a:solidFill>
+          <a:latin typeface="+mn-lt"/>
+          <a:ea typeface="+mn-ea"/>
+          <a:cs typeface="+mn-cs"/>
+        </a:defRPr>
+      </a:lvl8pPr>
+      <a:lvl9pPr marL="3886200" indent="-228600" algn="l" defTabSz="457200" rtl="0" eaLnBrk="1" latinLnBrk="0" hangingPunct="1">
+        <a:spcBef>
+          <a:spcPct val="20000"/>
+        </a:spcBef>
+        <a:buFont typeface="Arial"/>
+        <a:buChar char="•"/>
+        <a:defRPr sz="2000" kern="1200">
+          <a:solidFill>
+            <a:schemeClr val="tx1"/>
+          </a:solidFill>
+          <a:latin typeface="+mn-lt"/>
+          <a:ea typeface="+mn-ea"/>
+          <a:cs typeface="+mn-cs"/>
+        </a:defRPr>
+      </a:lvl9pPr>
+    </p:bodyStyle>
+    <p:otherStyle>
+      <a:defPPr>
+        <a:defRPr lang="en-US"/>
+      </a:defPPr>
+      <a:lvl1pPr marL="0" algn="l" defTabSz="457200" rtl="0" eaLnBrk="1" latinLnBrk="0" hangingPunct="1">
+        <a:defRPr sz="1800" kern="1200">
+          <a:solidFill>
+            <a:schemeClr val="tx1"/>
+          </a:solidFill>
+          <a:latin typeface="+mn-lt"/>
+          <a:ea typeface="+mn-ea"/>
+          <a:cs typeface="+mn-cs"/>
+        </a:defRPr>
+      </a:lvl1pPr>
+      <a:lvl2pPr marL="457200" algn="l" defTabSz="457200" rtl="0" eaLnBrk="1" latinLnBrk="0" hangingPunct="1">
+        <a:defRPr sz="1800" kern="1200">
+          <a:solidFill>
+            <a:schemeClr val="tx1"/>
+          </a:solidFill>
+          <a:latin typeface="+mn-lt"/>
+          <a:ea typeface="+mn-ea"/>
+          <a:cs typeface="+mn-cs"/>
+        </a:defRPr>
+      </a:lvl2pPr>
+      <a:lvl3pPr marL="914400" algn="l" defTabSz="457200" rtl="0" eaLnBrk="1" latinLnBrk="0" hangingPunct="1">
+        <a:defRPr sz="1800" kern="1200">
+          <a:solidFill>
+            <a:schemeClr val="tx1"/>
+          </a:solidFill>
+          <a:latin typeface="+mn-lt"/>
+          <a:ea typeface="+mn-ea"/>
+          <a:cs typeface="+mn-cs"/>
+        </a:defRPr>
+      </a:lvl3pPr>
+      <a:lvl4pPr marL="1371600" algn="l" defTabSz="457200" rtl="0" eaLnBrk="1" latinLnBrk="0" hangingPunct="1">
+        <a:defRPr sz="1800" kern="1200">
+          <a:solidFill>
+            <a:schemeClr val="tx1"/>
+          </a:solidFill>
+          <a:latin typeface="+mn-lt"/>
+          <a:ea typeface="+mn-ea"/>
+          <a:cs typeface="+mn-cs"/>
+        </a:defRPr>
+      </a:lvl4pPr>
+      <a:lvl5pPr marL="1828800" algn="l" defTabSz="457200" rtl="0" eaLnBrk="1" latinLnBrk="0" hangingPunct="1">
+        <a:defRPr sz="1800" kern="1200">
+          <a:solidFill>
+            <a:schemeClr val="tx1"/>
+          </a:solidFill>
+          <a:latin typeface="+mn-lt"/>
+          <a:ea typeface="+mn-ea"/>
+          <a:cs typeface="+mn-cs"/>
+        </a:defRPr>
+      </a:lvl5pPr>
+      <a:lvl6pPr marL="2286000" algn="l" defTabSz="457200" rtl="0" eaLnBrk="1" latinLnBrk="0" hangingPunct="1">
+        <a:defRPr sz="1800" kern="1200">
+          <a:solidFill>
+            <a:schemeClr val="tx1"/>
+          </a:solidFill>
+          <a:latin typeface="+mn-lt"/>
+          <a:ea typeface="+mn-ea"/>
+          <a:cs typeface="+mn-cs"/>
+        </a:defRPr>
+      </a:lvl6pPr>
+      <a:lvl7pPr marL="2743200" algn="l" defTabSz="457200" rtl="0" eaLnBrk="1" latinLnBrk="0" hangingPunct="1">
+        <a:defRPr sz="1800" kern="1200">
+          <a:solidFill>
+            <a:schemeClr val="tx1"/>
+          </a:solidFill>
+          <a:latin typeface="+mn-lt"/>
+          <a:ea typeface="+mn-ea"/>
+          <a:cs typeface="+mn-cs"/>
+        </a:defRPr>
+      </a:lvl7pPr>
+      <a:lvl8pPr marL="3200400" algn="l" defTabSz="457200" rtl="0" eaLnBrk="1" latinLnBrk="0" hangingPunct="1">
+        <a:defRPr sz="1800" kern="1200">
+          <a:solidFill>
+            <a:schemeClr val="tx1"/>
+          </a:solidFill>
+          <a:latin typeface="+mn-lt"/>
+          <a:ea typeface="+mn-ea"/>
+          <a:cs typeface="+mn-cs"/>
+        </a:defRPr>
+      </a:lvl8pPr>
+      <a:lvl9pPr marL="3657600" algn="l" defTabSz="457200" rtl="0" eaLnBrk="1" latinLnBrk="0" hangingPunct="1">
+        <a:defRPr sz="1800" kern="1200">
+          <a:solidFill>
+            <a:schemeClr val="tx1"/>
+          </a:solidFill>
+          <a:latin typeface="+mn-lt"/>
+          <a:ea typeface="+mn-ea"/>
+          <a:cs typeface="+mn-cs"/>
+        </a:defRPr>
+      </a:lvl9pPr>
+    </p:otherStyle>
+  </p:txStyles>
+</p:sldMaster>
+</file>
+
+<file path=ppt/slideMasters/slideMaster4.xml><?xml version="1.0" encoding="utf-8"?>
+<p:sldMaster xmlns:a="http://schemas.openxmlformats.org/drawingml/2006/main" xmlns:r="http://schemas.openxmlformats.org/officeDocument/2006/relationships" xmlns:p="http://schemas.openxmlformats.org/presentationml/2006/main" preserve="1">
+  <p:cSld>
+    <p:bg>
+      <p:bgRef idx="1001">
+        <a:schemeClr val="bg1"/>
+      </p:bgRef>
+    </p:bg>
+    <p:spTree>
+      <p:nvGrpSpPr>
+        <p:cNvPr id="1" name=""/>
+        <p:cNvGrpSpPr/>
+        <p:nvPr/>
+      </p:nvGrpSpPr>
+      <p:grpSpPr>
+        <a:xfrm>
+          <a:off x="0" y="0"/>
+          <a:ext cx="0" cy="0"/>
+          <a:chOff x="0" y="0"/>
+          <a:chExt cx="0" cy="0"/>
+        </a:xfrm>
+      </p:grpSpPr>
+      <p:sp>
+        <p:nvSpPr>
+          <p:cNvPr id="4" name="Rectangle 3"/>
+          <p:cNvSpPr/>
+          <p:nvPr userDrawn="1"/>
+        </p:nvSpPr>
+        <p:spPr>
+          <a:xfrm>
+            <a:off x="0" y="0"/>
+            <a:ext cx="9144000" cy="5806417"/>
+          </a:xfrm>
+          <a:prstGeom prst="rect">
+            <a:avLst/>
+          </a:prstGeom>
+          <a:solidFill>
+            <a:srgbClr val="4799B5"/>
+          </a:solidFill>
+          <a:effectLst/>
+        </p:spPr>
+        <p:style>
+          <a:lnRef idx="1">
+            <a:schemeClr val="accent1"/>
+          </a:lnRef>
+          <a:fillRef idx="3">
+            <a:schemeClr val="accent1"/>
+          </a:fillRef>
+          <a:effectRef idx="2">
+            <a:schemeClr val="accent1"/>
+          </a:effectRef>
+          <a:fontRef idx="minor">
+            <a:schemeClr val="lt1"/>
+          </a:fontRef>
+        </p:style>
+        <p:txBody>
+          <a:bodyPr rtlCol="0" anchor="ctr"/>
+          <a:lstStyle/>
+          <a:p>
+            <a:pPr algn="ctr"/>
+            <a:endParaRPr lang="en-US" dirty="0"/>
+          </a:p>
+        </p:txBody>
+      </p:sp>
+      <p:sp>
+        <p:nvSpPr>
+          <p:cNvPr id="6" name="Subtitle 4"/>
+          <p:cNvSpPr txBox="1">
+            <a:spLocks/>
+          </p:cNvSpPr>
+          <p:nvPr userDrawn="1"/>
+        </p:nvSpPr>
+        <p:spPr>
+          <a:xfrm>
+            <a:off x="472786" y="5256486"/>
+            <a:ext cx="8214013" cy="1099863"/>
+          </a:xfrm>
+          <a:prstGeom prst="rect">
+            <a:avLst/>
+          </a:prstGeom>
+        </p:spPr>
+        <p:txBody>
+          <a:bodyPr anchor="t"/>
+          <a:lstStyle/>
+          <a:p>
+            <a:pPr marL="231775" lvl="2" indent="-231775" algn="ctr">
+              <a:lnSpc>
+                <a:spcPts val="2000"/>
+              </a:lnSpc>
+            </a:pPr>
+            <a:r>
+              <a:rPr lang="en-US" sz="2000" dirty="0" err="1" smtClean="0">
+                <a:solidFill>
+                  <a:schemeClr val="bg1"/>
+                </a:solidFill>
+                <a:latin typeface="Gill Sans MT"/>
+                <a:cs typeface="Gill Sans MT"/>
+              </a:rPr>
+              <a:t>www.feedthefuture.gov</a:t>
+            </a:r>
+            <a:endParaRPr lang="en-US" sz="2000" dirty="0" smtClean="0">
+              <a:solidFill>
+                <a:schemeClr val="bg1"/>
+              </a:solidFill>
+              <a:latin typeface="Gill Sans MT"/>
+              <a:cs typeface="Gill Sans MT"/>
+            </a:endParaRPr>
+          </a:p>
+        </p:txBody>
+      </p:sp>
+      <p:pic>
+        <p:nvPicPr>
+          <p:cNvPr id="3" name="Picture 2" descr="vertical RGB white.eps"/>
+          <p:cNvPicPr>
+            <a:picLocks noChangeAspect="1"/>
+          </p:cNvPicPr>
+          <p:nvPr userDrawn="1"/>
+        </p:nvPicPr>
+        <p:blipFill>
+          <a:blip r:embed="rId3">
+            <a:extLst>
+              <a:ext uri="{28A0092B-C50C-407E-A947-70E740481C1C}">
+                <a14:useLocalDpi xmlns:a14="http://schemas.microsoft.com/office/drawing/2010/main" val="0"/>
+              </a:ext>
+            </a:extLst>
+          </a:blip>
+          <a:stretch>
+            <a:fillRect/>
+          </a:stretch>
+        </p:blipFill>
+        <p:spPr>
+          <a:xfrm>
+            <a:off x="2054668" y="1580049"/>
+            <a:ext cx="4945209" cy="2302837"/>
+          </a:xfrm>
+          <a:prstGeom prst="rect">
+            <a:avLst/>
+          </a:prstGeom>
+        </p:spPr>
+      </p:pic>
+      <p:pic>
+        <p:nvPicPr>
+          <p:cNvPr id="9" name="Picture 8" descr="Horizontal_RGB_600.jpg"/>
+          <p:cNvPicPr>
+            <a:picLocks noChangeAspect="1"/>
+          </p:cNvPicPr>
+          <p:nvPr userDrawn="1"/>
+        </p:nvPicPr>
+        <p:blipFill>
+          <a:blip r:embed="rId4">
+            <a:extLst>
+              <a:ext uri="{28A0092B-C50C-407E-A947-70E740481C1C}">
+                <a14:useLocalDpi xmlns:a14="http://schemas.microsoft.com/office/drawing/2010/main" val="0"/>
+              </a:ext>
+            </a:extLst>
+          </a:blip>
+          <a:stretch>
+            <a:fillRect/>
+          </a:stretch>
+        </p:blipFill>
+        <p:spPr>
+          <a:xfrm>
+            <a:off x="108033" y="5942146"/>
+            <a:ext cx="2372451" cy="915854"/>
+          </a:xfrm>
+          <a:prstGeom prst="rect">
+            <a:avLst/>
+          </a:prstGeom>
+        </p:spPr>
+      </p:pic>
+      <p:sp>
+        <p:nvSpPr>
+          <p:cNvPr id="8" name="Rectangle 7"/>
+          <p:cNvSpPr/>
+          <p:nvPr userDrawn="1"/>
+        </p:nvSpPr>
+        <p:spPr>
+          <a:xfrm>
+            <a:off x="6972752" y="6060484"/>
+            <a:ext cx="2008628" cy="744483"/>
+          </a:xfrm>
+          <a:prstGeom prst="rect">
+            <a:avLst/>
+          </a:prstGeom>
+          <a:solidFill>
+            <a:schemeClr val="bg1">
+              <a:lumMod val="65000"/>
+            </a:schemeClr>
+          </a:solidFill>
+          <a:effectLst/>
+        </p:spPr>
+        <p:style>
+          <a:lnRef idx="1">
+            <a:schemeClr val="accent1"/>
+          </a:lnRef>
+          <a:fillRef idx="3">
+            <a:schemeClr val="accent1"/>
+          </a:fillRef>
+          <a:effectRef idx="2">
+            <a:schemeClr val="accent1"/>
+          </a:effectRef>
+          <a:fontRef idx="minor">
+            <a:schemeClr val="lt1"/>
+          </a:fontRef>
+        </p:style>
+        <p:txBody>
+          <a:bodyPr rtlCol="0" anchor="ctr"/>
+          <a:lstStyle/>
+          <a:p>
+            <a:pPr algn="ctr">
+              <a:lnSpc>
+                <a:spcPts val="1520"/>
+              </a:lnSpc>
+            </a:pPr>
+            <a:r>
+              <a:rPr lang="en-US" sz="1400" dirty="0" smtClean="0">
+                <a:latin typeface="Arial" panose="020B0604020202020204" pitchFamily="34" charset="0"/>
+                <a:cs typeface="Arial" panose="020B0604020202020204" pitchFamily="34" charset="0"/>
+              </a:rPr>
+              <a:t>PARTNER LOGO GOES HERE (click slide master to add)</a:t>
+            </a:r>
+            <a:endParaRPr lang="en-US" sz="1400" dirty="0">
+              <a:latin typeface="Arial" panose="020B0604020202020204" pitchFamily="34" charset="0"/>
+              <a:cs typeface="Arial" panose="020B0604020202020204" pitchFamily="34" charset="0"/>
+            </a:endParaRPr>
+          </a:p>
+        </p:txBody>
+      </p:sp>
+    </p:spTree>
+    <p:extLst>
+      <p:ext uri="{BB962C8B-B14F-4D97-AF65-F5344CB8AC3E}">
+        <p14:creationId xmlns:p14="http://schemas.microsoft.com/office/powerpoint/2010/main" val="451978955"/>
+      </p:ext>
+    </p:extLst>
+  </p:cSld>
+  <p:clrMap bg1="lt1" tx1="dk1" bg2="lt2" tx2="dk2" accent1="accent1" accent2="accent2" accent3="accent3" accent4="accent4" accent5="accent5" accent6="accent6" hlink="hlink" folHlink="folHlink"/>
+  <p:sldLayoutIdLst>
+    <p:sldLayoutId id="2147483702" r:id="rId1"/>
+  </p:sldLayoutIdLst>
+  <p:timing>
+    <p:tnLst>
+      <p:par>
+        <p:cTn id="1" dur="indefinite" restart="never" nodeType="tmRoot"/>
+      </p:par>
+    </p:tnLst>
+  </p:timing>
+  <p:hf hdr="0" ftr="0" dt="0"/>
+  <p:txStyles>
+    <p:titleStyle>
+      <a:lvl1pPr algn="ctr" defTabSz="457200" rtl="0" eaLnBrk="1" latinLnBrk="0" hangingPunct="1">
+        <a:spcBef>
+          <a:spcPct val="0"/>
+        </a:spcBef>
+        <a:buNone/>
+        <a:defRPr sz="4400" kern="1200">
+          <a:solidFill>
+            <a:schemeClr val="tx1"/>
+          </a:solidFill>
+          <a:latin typeface="+mj-lt"/>
+          <a:ea typeface="+mj-ea"/>
+          <a:cs typeface="+mj-cs"/>
+        </a:defRPr>
+      </a:lvl1pPr>
+    </p:titleStyle>
+    <p:bodyStyle>
+      <a:lvl1pPr marL="342900" indent="-342900" algn="l" defTabSz="457200" rtl="0" eaLnBrk="1" latinLnBrk="0" hangingPunct="1">
+        <a:spcBef>
+          <a:spcPct val="20000"/>
+        </a:spcBef>
+        <a:buFont typeface="Arial"/>
+        <a:buChar char="•"/>
+        <a:defRPr sz="3200" kern="1200">
+          <a:solidFill>
+            <a:schemeClr val="tx1"/>
+          </a:solidFill>
+          <a:latin typeface="+mn-lt"/>
+          <a:ea typeface="+mn-ea"/>
+          <a:cs typeface="+mn-cs"/>
+        </a:defRPr>
+      </a:lvl1pPr>
+      <a:lvl2pPr marL="742950" indent="-285750" algn="l" defTabSz="457200" rtl="0" eaLnBrk="1" latinLnBrk="0" hangingPunct="1">
+        <a:spcBef>
+          <a:spcPct val="20000"/>
+        </a:spcBef>
+        <a:buFont typeface="Arial"/>
+        <a:buChar char="–"/>
+        <a:defRPr sz="2800" kern="1200">
+          <a:solidFill>
+            <a:schemeClr val="tx1"/>
+          </a:solidFill>
+          <a:latin typeface="+mn-lt"/>
+          <a:ea typeface="+mn-ea"/>
+          <a:cs typeface="+mn-cs"/>
+        </a:defRPr>
+      </a:lvl2pPr>
+      <a:lvl3pPr marL="1143000" indent="-228600" algn="l" defTabSz="457200" rtl="0" eaLnBrk="1" latinLnBrk="0" hangingPunct="1">
+        <a:spcBef>
+          <a:spcPct val="20000"/>
+        </a:spcBef>
+        <a:buFont typeface="Arial"/>
+        <a:buChar char="•"/>
+        <a:defRPr sz="2400" kern="1200">
+          <a:solidFill>
+            <a:schemeClr val="tx1"/>
+          </a:solidFill>
+          <a:latin typeface="+mn-lt"/>
+          <a:ea typeface="+mn-ea"/>
+          <a:cs typeface="+mn-cs"/>
+        </a:defRPr>
+      </a:lvl3pPr>
+      <a:lvl4pPr marL="1600200" indent="-228600" algn="l" defTabSz="457200" rtl="0" eaLnBrk="1" latinLnBrk="0" hangingPunct="1">
+        <a:spcBef>
+          <a:spcPct val="20000"/>
+        </a:spcBef>
+        <a:buFont typeface="Arial"/>
+        <a:buChar char="–"/>
+        <a:defRPr sz="2000" kern="1200">
+          <a:solidFill>
+            <a:schemeClr val="tx1"/>
+          </a:solidFill>
+          <a:latin typeface="+mn-lt"/>
+          <a:ea typeface="+mn-ea"/>
+          <a:cs typeface="+mn-cs"/>
+        </a:defRPr>
+      </a:lvl4pPr>
+      <a:lvl5pPr marL="2057400" indent="-228600" algn="l" defTabSz="457200" rtl="0" eaLnBrk="1" latinLnBrk="0" hangingPunct="1">
+        <a:spcBef>
+          <a:spcPct val="20000"/>
+        </a:spcBef>
+        <a:buFont typeface="Arial"/>
+        <a:buChar char="»"/>
+        <a:defRPr sz="2000" kern="1200">
+          <a:solidFill>
+            <a:schemeClr val="tx1"/>
+          </a:solidFill>
+          <a:latin typeface="+mn-lt"/>
+          <a:ea typeface="+mn-ea"/>
+          <a:cs typeface="+mn-cs"/>
+        </a:defRPr>
+      </a:lvl5pPr>
+      <a:lvl6pPr marL="2514600" indent="-228600" algn="l" defTabSz="457200" rtl="0" eaLnBrk="1" latinLnBrk="0" hangingPunct="1">
+        <a:spcBef>
+          <a:spcPct val="20000"/>
+        </a:spcBef>
+        <a:buFont typeface="Arial"/>
+        <a:buChar char="•"/>
+        <a:defRPr sz="2000" kern="1200">
+          <a:solidFill>
+            <a:schemeClr val="tx1"/>
+          </a:solidFill>
+          <a:latin typeface="+mn-lt"/>
+          <a:ea typeface="+mn-ea"/>
+          <a:cs typeface="+mn-cs"/>
+        </a:defRPr>
+      </a:lvl6pPr>
+      <a:lvl7pPr marL="2971800" indent="-228600" algn="l" defTabSz="457200" rtl="0" eaLnBrk="1" latinLnBrk="0" hangingPunct="1">
+        <a:spcBef>
+          <a:spcPct val="20000"/>
+        </a:spcBef>
+        <a:buFont typeface="Arial"/>
+        <a:buChar char="•"/>
+        <a:defRPr sz="2000" kern="1200">
+          <a:solidFill>
+            <a:schemeClr val="tx1"/>
+          </a:solidFill>
+          <a:latin typeface="+mn-lt"/>
+          <a:ea typeface="+mn-ea"/>
+          <a:cs typeface="+mn-cs"/>
+        </a:defRPr>
+      </a:lvl7pPr>
+      <a:lvl8pPr marL="3429000" indent="-228600" algn="l" defTabSz="457200" rtl="0" eaLnBrk="1" latinLnBrk="0" hangingPunct="1">
+        <a:spcBef>
+          <a:spcPct val="20000"/>
+        </a:spcBef>
+        <a:buFont typeface="Arial"/>
+        <a:buChar char="•"/>
+        <a:defRPr sz="2000" kern="1200">
+          <a:solidFill>
+            <a:schemeClr val="tx1"/>
+          </a:solidFill>
+          <a:latin typeface="+mn-lt"/>
+          <a:ea typeface="+mn-ea"/>
+          <a:cs typeface="+mn-cs"/>
+        </a:defRPr>
+      </a:lvl8pPr>
+      <a:lvl9pPr marL="3886200" indent="-228600" algn="l" defTabSz="457200" rtl="0" eaLnBrk="1" latinLnBrk="0" hangingPunct="1">
+        <a:spcBef>
+          <a:spcPct val="20000"/>
+        </a:spcBef>
+        <a:buFont typeface="Arial"/>
+        <a:buChar char="•"/>
+        <a:defRPr sz="2000" kern="1200">
+          <a:solidFill>
+            <a:schemeClr val="tx1"/>
+          </a:solidFill>
+          <a:latin typeface="+mn-lt"/>
+          <a:ea typeface="+mn-ea"/>
+          <a:cs typeface="+mn-cs"/>
+        </a:defRPr>
+      </a:lvl9pPr>
+    </p:bodyStyle>
+    <p:otherStyle>
+      <a:defPPr>
+        <a:defRPr lang="en-US"/>
+      </a:defPPr>
+      <a:lvl1pPr marL="0" algn="l" defTabSz="457200" rtl="0" eaLnBrk="1" latinLnBrk="0" hangingPunct="1">
+        <a:defRPr sz="1800" kern="1200">
+          <a:solidFill>
+            <a:schemeClr val="tx1"/>
+          </a:solidFill>
+          <a:latin typeface="+mn-lt"/>
+          <a:ea typeface="+mn-ea"/>
+          <a:cs typeface="+mn-cs"/>
+        </a:defRPr>
+      </a:lvl1pPr>
+      <a:lvl2pPr marL="457200" algn="l" defTabSz="457200" rtl="0" eaLnBrk="1" latinLnBrk="0" hangingPunct="1">
+        <a:defRPr sz="1800" kern="1200">
+          <a:solidFill>
+            <a:schemeClr val="tx1"/>
+          </a:solidFill>
+          <a:latin typeface="+mn-lt"/>
+          <a:ea typeface="+mn-ea"/>
+          <a:cs typeface="+mn-cs"/>
+        </a:defRPr>
+      </a:lvl2pPr>
+      <a:lvl3pPr marL="914400" algn="l" defTabSz="457200" rtl="0" eaLnBrk="1" latinLnBrk="0" hangingPunct="1">
+        <a:defRPr sz="1800" kern="1200">
+          <a:solidFill>
+            <a:schemeClr val="tx1"/>
+          </a:solidFill>
+          <a:latin typeface="+mn-lt"/>
+          <a:ea typeface="+mn-ea"/>
+          <a:cs typeface="+mn-cs"/>
+        </a:defRPr>
+      </a:lvl3pPr>
+      <a:lvl4pPr marL="1371600" algn="l" defTabSz="457200" rtl="0" eaLnBrk="1" latinLnBrk="0" hangingPunct="1">
+        <a:defRPr sz="1800" kern="1200">
+          <a:solidFill>
+            <a:schemeClr val="tx1"/>
+          </a:solidFill>
+          <a:latin typeface="+mn-lt"/>
+          <a:ea typeface="+mn-ea"/>
+          <a:cs typeface="+mn-cs"/>
+        </a:defRPr>
+      </a:lvl4pPr>
+      <a:lvl5pPr marL="1828800" algn="l" defTabSz="457200" rtl="0" eaLnBrk="1" latinLnBrk="0" hangingPunct="1">
+        <a:defRPr sz="1800" kern="1200">
+          <a:solidFill>
+            <a:schemeClr val="tx1"/>
+          </a:solidFill>
+          <a:latin typeface="+mn-lt"/>
+          <a:ea typeface="+mn-ea"/>
+          <a:cs typeface="+mn-cs"/>
+        </a:defRPr>
+      </a:lvl5pPr>
+      <a:lvl6pPr marL="2286000" algn="l" defTabSz="457200" rtl="0" eaLnBrk="1" latinLnBrk="0" hangingPunct="1">
+        <a:defRPr sz="1800" kern="1200">
+          <a:solidFill>
+            <a:schemeClr val="tx1"/>
+          </a:solidFill>
+          <a:latin typeface="+mn-lt"/>
+          <a:ea typeface="+mn-ea"/>
+          <a:cs typeface="+mn-cs"/>
+        </a:defRPr>
+      </a:lvl6pPr>
+      <a:lvl7pPr marL="2743200" algn="l" defTabSz="457200" rtl="0" eaLnBrk="1" latinLnBrk="0" hangingPunct="1">
+        <a:defRPr sz="1800" kern="1200">
+          <a:solidFill>
+            <a:schemeClr val="tx1"/>
+          </a:solidFill>
+          <a:latin typeface="+mn-lt"/>
+          <a:ea typeface="+mn-ea"/>
+          <a:cs typeface="+mn-cs"/>
+        </a:defRPr>
+      </a:lvl7pPr>
+      <a:lvl8pPr marL="3200400" algn="l" defTabSz="457200" rtl="0" eaLnBrk="1" latinLnBrk="0" hangingPunct="1">
+        <a:defRPr sz="1800" kern="1200">
+          <a:solidFill>
+            <a:schemeClr val="tx1"/>
+          </a:solidFill>
+          <a:latin typeface="+mn-lt"/>
+          <a:ea typeface="+mn-ea"/>
+          <a:cs typeface="+mn-cs"/>
+        </a:defRPr>
+      </a:lvl8pPr>
+      <a:lvl9pPr marL="3657600" algn="l" defTabSz="457200" rtl="0" eaLnBrk="1" latinLnBrk="0" hangingPunct="1">
+        <a:defRPr sz="1800" kern="1200">
+          <a:solidFill>
+            <a:schemeClr val="tx1"/>
+          </a:solidFill>
+          <a:latin typeface="+mn-lt"/>
+          <a:ea typeface="+mn-ea"/>
+          <a:cs typeface="+mn-cs"/>
+        </a:defRPr>
+      </a:lvl9pPr>
+    </p:otherStyle>
+  </p:txStyles>
+</p:sldMaster>
+</file>
+
+<file path=ppt/slides/slide1.xml><?xml version="1.0" encoding="utf-8"?>
+<p:sld xmlns:a="http://schemas.openxmlformats.org/drawingml/2006/main" xmlns:r="http://schemas.openxmlformats.org/officeDocument/2006/relationships" xmlns:p="http://schemas.openxmlformats.org/presentationml/2006/main">
+  <p:cSld>
+    <p:spTree>
+      <p:nvGrpSpPr>
+        <p:cNvPr id="1" name=""/>
+        <p:cNvGrpSpPr/>
+        <p:nvPr/>
+      </p:nvGrpSpPr>
+      <p:grpSpPr>
+        <a:xfrm>
+          <a:off x="0" y="0"/>
+          <a:ext cx="0" cy="0"/>
+          <a:chOff x="0" y="0"/>
+          <a:chExt cx="0" cy="0"/>
+        </a:xfrm>
+      </p:grpSpPr>
+      <p:sp>
+        <p:nvSpPr>
+          <p:cNvPr id="4" name="Text Placeholder 3"/>
+          <p:cNvSpPr>
+            <a:spLocks noGrp="1"/>
+          </p:cNvSpPr>
+          <p:nvPr>
+            <p:ph type="body" sz="quarter" idx="12"/>
+          </p:nvPr>
+        </p:nvSpPr>
+        <p:spPr/>
+        <p:txBody>
+          <a:bodyPr/>
+          <a:lstStyle/>
+          <a:p>
+            <a:r>
+              <a:rPr lang="en-US" dirty="0" smtClean="0"/>
+              <a:t>Photo credit: Name/Organization</a:t>
+            </a:r>
+            <a:endParaRPr lang="en-US" dirty="0"/>
+          </a:p>
+        </p:txBody>
+      </p:sp>
+      <p:sp>
+        <p:nvSpPr>
+          <p:cNvPr id="5" name="Text Placeholder 4"/>
+          <p:cNvSpPr>
+            <a:spLocks noGrp="1"/>
+          </p:cNvSpPr>
+          <p:nvPr>
+            <p:ph type="body" sz="quarter" idx="13"/>
+          </p:nvPr>
+        </p:nvSpPr>
+        <p:spPr/>
+        <p:txBody>
+          <a:bodyPr/>
+          <a:lstStyle/>
+          <a:p>
+            <a:r>
+              <a:rPr lang="en-US"/>
+              <a:t>Date/Title/Additional Information</a:t>
+            </a:r>
+            <a:endParaRPr lang="en-US" dirty="0"/>
+          </a:p>
+        </p:txBody>
+      </p:sp>
+      <p:sp>
+        <p:nvSpPr>
+          <p:cNvPr id="6" name="Text Placeholder 5"/>
+          <p:cNvSpPr>
+            <a:spLocks noGrp="1"/>
+          </p:cNvSpPr>
+          <p:nvPr>
+            <p:ph type="body" sz="quarter" idx="14"/>
+          </p:nvPr>
+        </p:nvSpPr>
+        <p:spPr/>
+        <p:txBody>
+          <a:bodyPr/>
+          <a:lstStyle/>
+          <a:p>
+            <a:r>
+              <a:rPr lang="en-US" dirty="0"/>
+              <a:t>TITLE OF PRESENTATION GOES HERE</a:t>
+            </a:r>
+          </a:p>
+        </p:txBody>
+      </p:sp>
+    </p:spTree>
+    <p:extLst>
+      <p:ext uri="{BB962C8B-B14F-4D97-AF65-F5344CB8AC3E}">
+        <p14:creationId xmlns:p14="http://schemas.microsoft.com/office/powerpoint/2010/main" val="362844185"/>
+      </p:ext>
+    </p:extLst>
+  </p:cSld>
+  <p:clrMapOvr>
+    <a:masterClrMapping/>
+  </p:clrMapOvr>
+  <p:timing>
+    <p:tnLst>
+      <p:par>
+        <p:cTn id="1" dur="indefinite" restart="never" nodeType="tmRoot"/>
+      </p:par>
+    </p:tnLst>
+  </p:timing>
+</p:sld>
+</file>
+
+<file path=ppt/slides/slide2.xml><?xml version="1.0" encoding="utf-8"?>
+<p:sld xmlns:a="http://schemas.openxmlformats.org/drawingml/2006/main" xmlns:r="http://schemas.openxmlformats.org/officeDocument/2006/relationships" xmlns:p="http://schemas.openxmlformats.org/presentationml/2006/main">
+  <p:cSld>
+    <p:spTree>
+      <p:nvGrpSpPr>
+        <p:cNvPr id="1" name=""/>
+        <p:cNvGrpSpPr/>
+        <p:nvPr/>
+      </p:nvGrpSpPr>
+      <p:grpSpPr>
+        <a:xfrm>
+          <a:off x="0" y="0"/>
+          <a:ext cx="0" cy="0"/>
+          <a:chOff x="0" y="0"/>
+          <a:chExt cx="0" cy="0"/>
+        </a:xfrm>
+      </p:grpSpPr>
+      <p:pic>
+        <p:nvPicPr>
+          <p:cNvPr id="4" name="Picture 3" descr="logo_african_color.png"/>
+          <p:cNvPicPr>
+            <a:picLocks noChangeAspect="1"/>
+          </p:cNvPicPr>
+          <p:nvPr/>
+        </p:nvPicPr>
+        <p:blipFill>
+          <a:blip r:embed="rId3">
+            <a:extLst>
+              <a:ext uri="{28A0092B-C50C-407E-A947-70E740481C1C}">
+                <a14:useLocalDpi xmlns:a14="http://schemas.microsoft.com/office/drawing/2010/main" val="0"/>
+              </a:ext>
+            </a:extLst>
+          </a:blip>
+          <a:srcRect/>
+          <a:stretch>
+            <a:fillRect/>
+          </a:stretch>
+        </p:blipFill>
+        <p:spPr bwMode="auto">
+          <a:xfrm>
+            <a:off x="6997700" y="4982900"/>
+            <a:ext cx="1384300" cy="1325563"/>
+          </a:xfrm>
+          <a:prstGeom prst="rect">
+            <a:avLst/>
+          </a:prstGeom>
+          <a:noFill/>
+          <a:ln>
+            <a:noFill/>
+          </a:ln>
+          <a:extLst>
+            <a:ext uri="{909E8E84-426E-40DD-AFC4-6F175D3DCCD1}">
+              <a14:hiddenFill xmlns:a14="http://schemas.microsoft.com/office/drawing/2010/main">
+                <a:solidFill>
+                  <a:srgbClr val="FFFFFF"/>
+                </a:solidFill>
+              </a14:hiddenFill>
+            </a:ext>
+            <a:ext uri="{91240B29-F687-4F45-9708-019B960494DF}">
+              <a14:hiddenLine xmlns:a14="http://schemas.microsoft.com/office/drawing/2010/main" w="9525">
+                <a:solidFill>
+                  <a:srgbClr val="000000"/>
+                </a:solidFill>
+                <a:miter lim="800000"/>
+                <a:headEnd/>
+                <a:tailEnd/>
+              </a14:hiddenLine>
+            </a:ext>
+          </a:extLst>
+        </p:spPr>
+      </p:pic>
+      <p:pic>
+        <p:nvPicPr>
+          <p:cNvPr id="5" name="Picture 4" descr="logo_eop_color.png"/>
+          <p:cNvPicPr>
+            <a:picLocks noChangeAspect="1"/>
+          </p:cNvPicPr>
+          <p:nvPr/>
+        </p:nvPicPr>
+        <p:blipFill>
+          <a:blip r:embed="rId4">
+            <a:extLst>
+              <a:ext uri="{28A0092B-C50C-407E-A947-70E740481C1C}">
+                <a14:useLocalDpi xmlns:a14="http://schemas.microsoft.com/office/drawing/2010/main" val="0"/>
+              </a:ext>
+            </a:extLst>
+          </a:blip>
+          <a:srcRect/>
+          <a:stretch>
+            <a:fillRect/>
+          </a:stretch>
+        </p:blipFill>
+        <p:spPr bwMode="auto">
+          <a:xfrm>
+            <a:off x="887413" y="4962263"/>
+            <a:ext cx="1392237" cy="1371600"/>
+          </a:xfrm>
+          <a:prstGeom prst="rect">
+            <a:avLst/>
+          </a:prstGeom>
+          <a:noFill/>
+          <a:ln>
+            <a:noFill/>
+          </a:ln>
+          <a:extLst>
+            <a:ext uri="{909E8E84-426E-40DD-AFC4-6F175D3DCCD1}">
+              <a14:hiddenFill xmlns:a14="http://schemas.microsoft.com/office/drawing/2010/main">
+                <a:solidFill>
+                  <a:srgbClr val="FFFFFF"/>
+                </a:solidFill>
+              </a14:hiddenFill>
+            </a:ext>
+            <a:ext uri="{91240B29-F687-4F45-9708-019B960494DF}">
+              <a14:hiddenLine xmlns:a14="http://schemas.microsoft.com/office/drawing/2010/main" w="9525">
+                <a:solidFill>
+                  <a:srgbClr val="000000"/>
+                </a:solidFill>
+                <a:miter lim="800000"/>
+                <a:headEnd/>
+                <a:tailEnd/>
+              </a14:hiddenLine>
+            </a:ext>
+          </a:extLst>
+        </p:spPr>
+      </p:pic>
+      <p:pic>
+        <p:nvPicPr>
+          <p:cNvPr id="6" name="Picture 5" descr="logo_treasury_color.png"/>
+          <p:cNvPicPr>
+            <a:picLocks noChangeAspect="1"/>
+          </p:cNvPicPr>
+          <p:nvPr/>
+        </p:nvPicPr>
+        <p:blipFill>
+          <a:blip r:embed="rId5">
+            <a:extLst>
+              <a:ext uri="{28A0092B-C50C-407E-A947-70E740481C1C}">
+                <a14:useLocalDpi xmlns:a14="http://schemas.microsoft.com/office/drawing/2010/main" val="0"/>
+              </a:ext>
+            </a:extLst>
+          </a:blip>
+          <a:srcRect/>
+          <a:stretch>
+            <a:fillRect/>
+          </a:stretch>
+        </p:blipFill>
+        <p:spPr bwMode="auto">
+          <a:xfrm>
+            <a:off x="5027613" y="4990838"/>
+            <a:ext cx="1296987" cy="1325562"/>
+          </a:xfrm>
+          <a:prstGeom prst="rect">
+            <a:avLst/>
+          </a:prstGeom>
+          <a:noFill/>
+          <a:ln>
+            <a:noFill/>
+          </a:ln>
+          <a:extLst>
+            <a:ext uri="{909E8E84-426E-40DD-AFC4-6F175D3DCCD1}">
+              <a14:hiddenFill xmlns:a14="http://schemas.microsoft.com/office/drawing/2010/main">
+                <a:solidFill>
+                  <a:srgbClr val="FFFFFF"/>
+                </a:solidFill>
+              </a14:hiddenFill>
+            </a:ext>
+            <a:ext uri="{91240B29-F687-4F45-9708-019B960494DF}">
+              <a14:hiddenLine xmlns:a14="http://schemas.microsoft.com/office/drawing/2010/main" w="9525">
+                <a:solidFill>
+                  <a:srgbClr val="000000"/>
+                </a:solidFill>
+                <a:miter lim="800000"/>
+                <a:headEnd/>
+                <a:tailEnd/>
+              </a14:hiddenLine>
+            </a:ext>
+          </a:extLst>
+        </p:spPr>
+      </p:pic>
+      <p:pic>
+        <p:nvPicPr>
+          <p:cNvPr id="7" name="Picture 6" descr="logo_peace_color.png"/>
+          <p:cNvPicPr>
+            <a:picLocks noChangeAspect="1"/>
+          </p:cNvPicPr>
+          <p:nvPr/>
+        </p:nvPicPr>
+        <p:blipFill>
+          <a:blip r:embed="rId6">
+            <a:extLst>
+              <a:ext uri="{28A0092B-C50C-407E-A947-70E740481C1C}">
+                <a14:useLocalDpi xmlns:a14="http://schemas.microsoft.com/office/drawing/2010/main" val="0"/>
+              </a:ext>
+            </a:extLst>
+          </a:blip>
+          <a:srcRect/>
+          <a:stretch>
+            <a:fillRect/>
+          </a:stretch>
+        </p:blipFill>
+        <p:spPr bwMode="auto">
+          <a:xfrm>
+            <a:off x="2895600" y="4952738"/>
+            <a:ext cx="1371600" cy="1401762"/>
+          </a:xfrm>
+          <a:prstGeom prst="rect">
+            <a:avLst/>
+          </a:prstGeom>
+          <a:noFill/>
+          <a:ln>
+            <a:noFill/>
+          </a:ln>
+          <a:extLst>
+            <a:ext uri="{909E8E84-426E-40DD-AFC4-6F175D3DCCD1}">
+              <a14:hiddenFill xmlns:a14="http://schemas.microsoft.com/office/drawing/2010/main">
+                <a:solidFill>
+                  <a:srgbClr val="FFFFFF"/>
+                </a:solidFill>
+              </a14:hiddenFill>
+            </a:ext>
+            <a:ext uri="{91240B29-F687-4F45-9708-019B960494DF}">
+              <a14:hiddenLine xmlns:a14="http://schemas.microsoft.com/office/drawing/2010/main" w="9525">
+                <a:solidFill>
+                  <a:srgbClr val="000000"/>
+                </a:solidFill>
+                <a:miter lim="800000"/>
+                <a:headEnd/>
+                <a:tailEnd/>
+              </a14:hiddenLine>
+            </a:ext>
+          </a:extLst>
+        </p:spPr>
+      </p:pic>
+      <p:pic>
+        <p:nvPicPr>
+          <p:cNvPr id="8" name="Picture 7" descr="logo_state_color.png"/>
+          <p:cNvPicPr>
+            <a:picLocks noChangeAspect="1"/>
+          </p:cNvPicPr>
+          <p:nvPr/>
+        </p:nvPicPr>
+        <p:blipFill>
+          <a:blip r:embed="rId7">
+            <a:extLst>
+              <a:ext uri="{28A0092B-C50C-407E-A947-70E740481C1C}">
+                <a14:useLocalDpi xmlns:a14="http://schemas.microsoft.com/office/drawing/2010/main" val="0"/>
+              </a:ext>
+            </a:extLst>
+          </a:blip>
+          <a:srcRect/>
+          <a:stretch>
+            <a:fillRect/>
+          </a:stretch>
+        </p:blipFill>
+        <p:spPr bwMode="auto">
+          <a:xfrm>
+            <a:off x="1447800" y="3433438"/>
+            <a:ext cx="1427163" cy="1447800"/>
+          </a:xfrm>
+          <a:prstGeom prst="rect">
+            <a:avLst/>
+          </a:prstGeom>
+          <a:noFill/>
+          <a:ln>
+            <a:noFill/>
+          </a:ln>
+          <a:extLst>
+            <a:ext uri="{909E8E84-426E-40DD-AFC4-6F175D3DCCD1}">
+              <a14:hiddenFill xmlns:a14="http://schemas.microsoft.com/office/drawing/2010/main">
+                <a:solidFill>
+                  <a:srgbClr val="FFFFFF"/>
+                </a:solidFill>
+              </a14:hiddenFill>
+            </a:ext>
+            <a:ext uri="{91240B29-F687-4F45-9708-019B960494DF}">
+              <a14:hiddenLine xmlns:a14="http://schemas.microsoft.com/office/drawing/2010/main" w="9525">
+                <a:solidFill>
+                  <a:srgbClr val="000000"/>
+                </a:solidFill>
+                <a:miter lim="800000"/>
+                <a:headEnd/>
+                <a:tailEnd/>
+              </a14:hiddenLine>
+            </a:ext>
+          </a:extLst>
+        </p:spPr>
+      </p:pic>
+      <p:pic>
+        <p:nvPicPr>
+          <p:cNvPr id="9" name="Picture 15" descr="http://upload.wikimedia.org/wikipedia/commons/thumb/1/1c/USGS_logo_green.svg/800px-USGS_logo_green.svg.png"/>
+          <p:cNvPicPr>
+            <a:picLocks noChangeAspect="1" noChangeArrowheads="1"/>
+          </p:cNvPicPr>
+          <p:nvPr/>
+        </p:nvPicPr>
+        <p:blipFill>
+          <a:blip r:embed="rId8">
+            <a:extLst>
+              <a:ext uri="{28A0092B-C50C-407E-A947-70E740481C1C}">
+                <a14:useLocalDpi xmlns:a14="http://schemas.microsoft.com/office/drawing/2010/main" val="0"/>
+              </a:ext>
+            </a:extLst>
+          </a:blip>
+          <a:srcRect/>
+          <a:stretch>
+            <a:fillRect/>
+          </a:stretch>
+        </p:blipFill>
+        <p:spPr bwMode="auto">
+          <a:xfrm>
+            <a:off x="3429000" y="3687438"/>
+            <a:ext cx="2133600" cy="854075"/>
+          </a:xfrm>
+          <a:prstGeom prst="rect">
+            <a:avLst/>
+          </a:prstGeom>
+          <a:noFill/>
+          <a:ln>
+            <a:noFill/>
+          </a:ln>
+          <a:extLst>
+            <a:ext uri="{909E8E84-426E-40DD-AFC4-6F175D3DCCD1}">
+              <a14:hiddenFill xmlns:a14="http://schemas.microsoft.com/office/drawing/2010/main">
+                <a:solidFill>
+                  <a:srgbClr val="FFFFFF"/>
+                </a:solidFill>
+              </a14:hiddenFill>
+            </a:ext>
+            <a:ext uri="{91240B29-F687-4F45-9708-019B960494DF}">
+              <a14:hiddenLine xmlns:a14="http://schemas.microsoft.com/office/drawing/2010/main" w="9525">
+                <a:solidFill>
+                  <a:srgbClr val="000000"/>
+                </a:solidFill>
+                <a:miter lim="800000"/>
+                <a:headEnd/>
+                <a:tailEnd/>
+              </a14:hiddenLine>
+            </a:ext>
+          </a:extLst>
+        </p:spPr>
+      </p:pic>
+      <p:pic>
+        <p:nvPicPr>
+          <p:cNvPr id="10" name="Picture 8" descr="logo_usda_color.png"/>
+          <p:cNvPicPr>
+            <a:picLocks noChangeAspect="1"/>
+          </p:cNvPicPr>
+          <p:nvPr/>
+        </p:nvPicPr>
+        <p:blipFill>
+          <a:blip r:embed="rId9">
+            <a:extLst>
+              <a:ext uri="{28A0092B-C50C-407E-A947-70E740481C1C}">
+                <a14:useLocalDpi xmlns:a14="http://schemas.microsoft.com/office/drawing/2010/main" val="0"/>
+              </a:ext>
+            </a:extLst>
+          </a:blip>
+          <a:srcRect/>
+          <a:stretch>
+            <a:fillRect/>
+          </a:stretch>
+        </p:blipFill>
+        <p:spPr bwMode="auto">
+          <a:xfrm>
+            <a:off x="4691063" y="2197838"/>
+            <a:ext cx="1176337" cy="1143000"/>
+          </a:xfrm>
+          <a:prstGeom prst="rect">
+            <a:avLst/>
+          </a:prstGeom>
+          <a:noFill/>
+          <a:ln>
+            <a:noFill/>
+          </a:ln>
+          <a:extLst>
+            <a:ext uri="{909E8E84-426E-40DD-AFC4-6F175D3DCCD1}">
+              <a14:hiddenFill xmlns:a14="http://schemas.microsoft.com/office/drawing/2010/main">
+                <a:solidFill>
+                  <a:srgbClr val="FFFFFF"/>
+                </a:solidFill>
+              </a14:hiddenFill>
+            </a:ext>
+            <a:ext uri="{91240B29-F687-4F45-9708-019B960494DF}">
+              <a14:hiddenLine xmlns:a14="http://schemas.microsoft.com/office/drawing/2010/main" w="9525">
+                <a:solidFill>
+                  <a:srgbClr val="000000"/>
+                </a:solidFill>
+                <a:miter lim="800000"/>
+                <a:headEnd/>
+                <a:tailEnd/>
+              </a14:hiddenLine>
+            </a:ext>
+          </a:extLst>
+        </p:spPr>
+      </p:pic>
+      <p:pic>
+        <p:nvPicPr>
+          <p:cNvPr id="11" name="Picture 9" descr="logo_opic_color.png"/>
+          <p:cNvPicPr>
+            <a:picLocks noChangeAspect="1"/>
+          </p:cNvPicPr>
+          <p:nvPr/>
+        </p:nvPicPr>
+        <p:blipFill>
+          <a:blip r:embed="rId10">
+            <a:extLst>
+              <a:ext uri="{28A0092B-C50C-407E-A947-70E740481C1C}">
+                <a14:useLocalDpi xmlns:a14="http://schemas.microsoft.com/office/drawing/2010/main" val="0"/>
+              </a:ext>
+            </a:extLst>
+          </a:blip>
+          <a:srcRect/>
+          <a:stretch>
+            <a:fillRect/>
+          </a:stretch>
+        </p:blipFill>
+        <p:spPr bwMode="auto">
+          <a:xfrm>
+            <a:off x="6789738" y="2121638"/>
+            <a:ext cx="1211262" cy="1219200"/>
+          </a:xfrm>
+          <a:prstGeom prst="rect">
+            <a:avLst/>
+          </a:prstGeom>
+          <a:noFill/>
+          <a:ln>
+            <a:noFill/>
+          </a:ln>
+          <a:extLst>
+            <a:ext uri="{909E8E84-426E-40DD-AFC4-6F175D3DCCD1}">
+              <a14:hiddenFill xmlns:a14="http://schemas.microsoft.com/office/drawing/2010/main">
+                <a:solidFill>
+                  <a:srgbClr val="FFFFFF"/>
+                </a:solidFill>
+              </a14:hiddenFill>
+            </a:ext>
+            <a:ext uri="{91240B29-F687-4F45-9708-019B960494DF}">
+              <a14:hiddenLine xmlns:a14="http://schemas.microsoft.com/office/drawing/2010/main" w="9525">
+                <a:solidFill>
+                  <a:srgbClr val="000000"/>
+                </a:solidFill>
+                <a:miter lim="800000"/>
+                <a:headEnd/>
+                <a:tailEnd/>
+              </a14:hiddenLine>
+            </a:ext>
+          </a:extLst>
+        </p:spPr>
+      </p:pic>
+      <p:pic>
+        <p:nvPicPr>
+          <p:cNvPr id="12" name="Picture 10" descr="logo_mcc_color.png"/>
+          <p:cNvPicPr>
+            <a:picLocks noChangeAspect="1"/>
+          </p:cNvPicPr>
+          <p:nvPr/>
+        </p:nvPicPr>
+        <p:blipFill>
+          <a:blip r:embed="rId11">
+            <a:extLst>
+              <a:ext uri="{28A0092B-C50C-407E-A947-70E740481C1C}">
+                <a14:useLocalDpi xmlns:a14="http://schemas.microsoft.com/office/drawing/2010/main" val="0"/>
+              </a:ext>
+            </a:extLst>
+          </a:blip>
+          <a:srcRect/>
+          <a:stretch>
+            <a:fillRect/>
+          </a:stretch>
+        </p:blipFill>
+        <p:spPr bwMode="auto">
+          <a:xfrm>
+            <a:off x="2670175" y="2013025"/>
+            <a:ext cx="1292225" cy="1265238"/>
+          </a:xfrm>
+          <a:prstGeom prst="rect">
+            <a:avLst/>
+          </a:prstGeom>
+          <a:noFill/>
+          <a:ln>
+            <a:noFill/>
+          </a:ln>
+          <a:extLst>
+            <a:ext uri="{909E8E84-426E-40DD-AFC4-6F175D3DCCD1}">
+              <a14:hiddenFill xmlns:a14="http://schemas.microsoft.com/office/drawing/2010/main">
+                <a:solidFill>
+                  <a:srgbClr val="FFFFFF"/>
+                </a:solidFill>
+              </a14:hiddenFill>
+            </a:ext>
+            <a:ext uri="{91240B29-F687-4F45-9708-019B960494DF}">
+              <a14:hiddenLine xmlns:a14="http://schemas.microsoft.com/office/drawing/2010/main" w="9525">
+                <a:solidFill>
+                  <a:srgbClr val="000000"/>
+                </a:solidFill>
+                <a:miter lim="800000"/>
+                <a:headEnd/>
+                <a:tailEnd/>
+              </a14:hiddenLine>
+            </a:ext>
+          </a:extLst>
+        </p:spPr>
+      </p:pic>
+      <p:pic>
+        <p:nvPicPr>
+          <p:cNvPr id="13" name="Picture 11" descr="logo_usaid_color.png"/>
+          <p:cNvPicPr>
+            <a:picLocks noChangeAspect="1"/>
+          </p:cNvPicPr>
+          <p:nvPr/>
+        </p:nvPicPr>
+        <p:blipFill>
+          <a:blip r:embed="rId12">
+            <a:extLst>
+              <a:ext uri="{28A0092B-C50C-407E-A947-70E740481C1C}">
+                <a14:useLocalDpi xmlns:a14="http://schemas.microsoft.com/office/drawing/2010/main" val="0"/>
+              </a:ext>
+            </a:extLst>
+          </a:blip>
+          <a:srcRect/>
+          <a:stretch>
+            <a:fillRect/>
+          </a:stretch>
+        </p:blipFill>
+        <p:spPr bwMode="auto">
+          <a:xfrm>
+            <a:off x="381000" y="2108275"/>
+            <a:ext cx="1431925" cy="1112838"/>
+          </a:xfrm>
+          <a:prstGeom prst="rect">
+            <a:avLst/>
+          </a:prstGeom>
+          <a:noFill/>
+          <a:ln>
+            <a:noFill/>
+          </a:ln>
+          <a:extLst>
+            <a:ext uri="{909E8E84-426E-40DD-AFC4-6F175D3DCCD1}">
+              <a14:hiddenFill xmlns:a14="http://schemas.microsoft.com/office/drawing/2010/main">
+                <a:solidFill>
+                  <a:srgbClr val="FFFFFF"/>
+                </a:solidFill>
+              </a14:hiddenFill>
+            </a:ext>
+            <a:ext uri="{91240B29-F687-4F45-9708-019B960494DF}">
+              <a14:hiddenLine xmlns:a14="http://schemas.microsoft.com/office/drawing/2010/main" w="9525">
+                <a:solidFill>
+                  <a:srgbClr val="000000"/>
+                </a:solidFill>
+                <a:miter lim="800000"/>
+                <a:headEnd/>
+                <a:tailEnd/>
+              </a14:hiddenLine>
+            </a:ext>
+          </a:extLst>
+        </p:spPr>
+      </p:pic>
+      <p:pic>
+        <p:nvPicPr>
+          <p:cNvPr id="14" name="Picture 14" descr="U.S. Department of Commerce logo"/>
+          <p:cNvPicPr>
+            <a:picLocks noChangeAspect="1" noChangeArrowheads="1"/>
+          </p:cNvPicPr>
+          <p:nvPr/>
+        </p:nvPicPr>
+        <p:blipFill>
+          <a:blip r:embed="rId13">
+            <a:extLst>
+              <a:ext uri="{28A0092B-C50C-407E-A947-70E740481C1C}">
+                <a14:useLocalDpi xmlns:a14="http://schemas.microsoft.com/office/drawing/2010/main" val="0"/>
+              </a:ext>
+            </a:extLst>
+          </a:blip>
+          <a:srcRect/>
+          <a:stretch>
+            <a:fillRect/>
+          </a:stretch>
+        </p:blipFill>
+        <p:spPr bwMode="auto">
+          <a:xfrm>
+            <a:off x="5943600" y="3530275"/>
+            <a:ext cx="1295400" cy="1295400"/>
+          </a:xfrm>
+          <a:prstGeom prst="rect">
+            <a:avLst/>
+          </a:prstGeom>
+          <a:noFill/>
+          <a:ln>
+            <a:noFill/>
+          </a:ln>
+          <a:extLst>
+            <a:ext uri="{909E8E84-426E-40DD-AFC4-6F175D3DCCD1}">
+              <a14:hiddenFill xmlns:a14="http://schemas.microsoft.com/office/drawing/2010/main">
+                <a:solidFill>
+                  <a:srgbClr val="FFFFFF"/>
+                </a:solidFill>
+              </a14:hiddenFill>
+            </a:ext>
+            <a:ext uri="{91240B29-F687-4F45-9708-019B960494DF}">
+              <a14:hiddenLine xmlns:a14="http://schemas.microsoft.com/office/drawing/2010/main" w="9525">
+                <a:solidFill>
+                  <a:srgbClr val="000000"/>
+                </a:solidFill>
+                <a:miter lim="800000"/>
+                <a:headEnd/>
+                <a:tailEnd/>
+              </a14:hiddenLine>
+            </a:ext>
+          </a:extLst>
+        </p:spPr>
+      </p:pic>
+      <p:sp>
+        <p:nvSpPr>
+          <p:cNvPr id="17" name="Title 1"/>
+          <p:cNvSpPr txBox="1">
+            <a:spLocks/>
+          </p:cNvSpPr>
+          <p:nvPr/>
+        </p:nvSpPr>
+        <p:spPr bwMode="auto">
+          <a:xfrm>
+            <a:off x="448041" y="1144866"/>
+            <a:ext cx="8229600" cy="597049"/>
+          </a:xfrm>
+          <a:prstGeom prst="rect">
+            <a:avLst/>
+          </a:prstGeom>
+          <a:noFill/>
+          <a:ln w="0">
+            <a:noFill/>
+            <a:miter lim="800000"/>
+            <a:headEnd/>
+            <a:tailEnd/>
+          </a:ln>
+          <a:extLst>
+            <a:ext uri="{909E8E84-426E-40DD-AFC4-6F175D3DCCD1}">
+              <a14:hiddenFill xmlns:a14="http://schemas.microsoft.com/office/drawing/2010/main">
+                <a:solidFill>
+                  <a:srgbClr val="FFFFFF"/>
+                </a:solidFill>
+              </a14:hiddenFill>
+            </a:ext>
+          </a:extLst>
+        </p:spPr>
+        <p:txBody>
+          <a:bodyPr vert="horz" wrap="square" lIns="91440" tIns="45720" rIns="91440" bIns="0" numCol="1" anchor="t" anchorCtr="0" compatLnSpc="1">
+            <a:prstTxWarp prst="textNoShape">
+              <a:avLst/>
+            </a:prstTxWarp>
+          </a:bodyPr>
+          <a:lstStyle>
+            <a:lvl1pPr algn="ctr" defTabSz="457200" rtl="0" eaLnBrk="1" latinLnBrk="0" hangingPunct="1">
+              <a:spcBef>
+                <a:spcPct val="0"/>
+              </a:spcBef>
+              <a:buNone/>
+              <a:defRPr sz="3200" kern="1200" cap="all" baseline="0">
+                <a:solidFill>
+                  <a:srgbClr val="D37D28"/>
+                </a:solidFill>
+                <a:latin typeface="Arial" panose="020B0604020202020204" pitchFamily="34" charset="0"/>
+                <a:ea typeface="+mj-ea"/>
+                <a:cs typeface="Arial" panose="020B0604020202020204" pitchFamily="34" charset="0"/>
+              </a:defRPr>
+            </a:lvl1pPr>
+          </a:lstStyle>
+          <a:p>
+            <a:pPr marL="0" marR="0" lvl="0" indent="0" algn="ctr" defTabSz="457200" rtl="0" eaLnBrk="1" fontAlgn="auto" latinLnBrk="0" hangingPunct="1">
+              <a:lnSpc>
+                <a:spcPct val="100000"/>
+              </a:lnSpc>
+              <a:spcBef>
+                <a:spcPct val="0"/>
+              </a:spcBef>
+              <a:spcAft>
+                <a:spcPts val="0"/>
+              </a:spcAft>
+              <a:buClrTx/>
+              <a:buSzTx/>
+              <a:buFontTx/>
+              <a:buNone/>
+              <a:tabLst/>
+              <a:defRPr/>
+            </a:pPr>
+            <a:r>
+              <a:rPr kumimoji="0" lang="en-US" altLang="en-US" sz="3200" b="0" i="0" u="none" strike="noStrike" kern="1200" cap="all" spc="0" normalizeH="0" baseline="0" noProof="0" dirty="0" smtClean="0">
+                <a:ln>
+                  <a:noFill/>
+                </a:ln>
+                <a:solidFill>
+                  <a:srgbClr val="D37D28"/>
+                </a:solidFill>
+                <a:effectLst/>
+                <a:uLnTx/>
+                <a:uFillTx/>
+                <a:latin typeface="Arial" panose="020B0604020202020204" pitchFamily="34" charset="0"/>
+                <a:ea typeface="+mj-ea"/>
+                <a:cs typeface="Arial" panose="020B0604020202020204" pitchFamily="34" charset="0"/>
+              </a:rPr>
+              <a:t>U.S. Government Partners</a:t>
+            </a:r>
+            <a:endParaRPr kumimoji="0" lang="en-US" sz="3200" b="0" i="0" u="none" strike="noStrike" kern="1200" cap="all" spc="0" normalizeH="0" baseline="0" noProof="0" dirty="0">
+              <a:ln>
+                <a:noFill/>
+              </a:ln>
+              <a:solidFill>
+                <a:srgbClr val="D37D28"/>
+              </a:solidFill>
+              <a:effectLst/>
+              <a:uLnTx/>
+              <a:uFillTx/>
+              <a:latin typeface="Arial" panose="020B0604020202020204" pitchFamily="34" charset="0"/>
+              <a:ea typeface="+mj-ea"/>
+              <a:cs typeface="Arial" panose="020B0604020202020204" pitchFamily="34" charset="0"/>
+            </a:endParaRPr>
+          </a:p>
+        </p:txBody>
+      </p:sp>
+    </p:spTree>
+    <p:extLst>
+      <p:ext uri="{BB962C8B-B14F-4D97-AF65-F5344CB8AC3E}">
+        <p14:creationId xmlns:p14="http://schemas.microsoft.com/office/powerpoint/2010/main" val="127464388"/>
+      </p:ext>
+    </p:extLst>
+  </p:cSld>
+  <p:clrMapOvr>
+    <a:masterClrMapping/>
+  </p:clrMapOvr>
+  <p:timing>
+    <p:tnLst>
+      <p:par>
+        <p:cTn id="1" dur="indefinite" restart="never" nodeType="tmRoot"/>
+      </p:par>
+    </p:tnLst>
+  </p:timing>
+</p:sld>
+</file>
+
+<file path=ppt/slides/slide3.xml><?xml version="1.0" encoding="utf-8"?>
+<p:sld xmlns:a="http://schemas.openxmlformats.org/drawingml/2006/main" xmlns:r="http://schemas.openxmlformats.org/officeDocument/2006/relationships" xmlns:p="http://schemas.openxmlformats.org/presentationml/2006/main">
+  <p:cSld>
+    <p:spTree>
+      <p:nvGrpSpPr>
+        <p:cNvPr id="1" name=""/>
+        <p:cNvGrpSpPr/>
+        <p:nvPr/>
+      </p:nvGrpSpPr>
+      <p:grpSpPr>
+        <a:xfrm>
+          <a:off x="0" y="0"/>
+          <a:ext cx="0" cy="0"/>
+          <a:chOff x="0" y="0"/>
+          <a:chExt cx="0" cy="0"/>
+        </a:xfrm>
+      </p:grpSpPr>
+      <p:sp>
+        <p:nvSpPr>
+          <p:cNvPr id="2" name="Title 1"/>
+          <p:cNvSpPr>
+            <a:spLocks noGrp="1"/>
+          </p:cNvSpPr>
+          <p:nvPr>
+            <p:ph type="title"/>
+          </p:nvPr>
+        </p:nvSpPr>
+        <p:spPr/>
+        <p:txBody>
+          <a:bodyPr/>
+          <a:lstStyle/>
+          <a:p>
+            <a:r>
+              <a:rPr lang="en-US" dirty="0" smtClean="0"/>
+              <a:t>HEADER HERE</a:t>
+            </a:r>
+            <a:endParaRPr lang="en-US" dirty="0"/>
+          </a:p>
+        </p:txBody>
+      </p:sp>
+      <p:sp>
+        <p:nvSpPr>
+          <p:cNvPr id="3" name="Text Placeholder 2"/>
+          <p:cNvSpPr>
+            <a:spLocks noGrp="1"/>
+          </p:cNvSpPr>
+          <p:nvPr>
+            <p:ph type="body" sz="quarter" idx="10"/>
+          </p:nvPr>
+        </p:nvSpPr>
+        <p:spPr/>
+        <p:txBody>
+          <a:bodyPr/>
+          <a:lstStyle/>
+          <a:p>
+            <a:pPr>
+              <a:lnSpc>
+                <a:spcPts val="2400"/>
+              </a:lnSpc>
+              <a:spcBef>
+                <a:spcPts val="1200"/>
+              </a:spcBef>
+            </a:pPr>
+            <a:r>
+              <a:rPr lang="en-US" dirty="0">
+                <a:latin typeface="Arial"/>
+                <a:cs typeface="Arial"/>
+              </a:rPr>
+              <a:t>Use this slide layout for left-justified text. </a:t>
+            </a:r>
+            <a:r>
+              <a:rPr lang="en-US" dirty="0"/>
+              <a:t>Use Arial 18 </a:t>
+            </a:r>
+            <a:r>
+              <a:rPr lang="en-US" dirty="0" err="1"/>
+              <a:t>pt</a:t>
+            </a:r>
+            <a:r>
+              <a:rPr lang="en-US" dirty="0"/>
+              <a:t> font.</a:t>
+            </a:r>
+            <a:r>
+              <a:rPr lang="en-US" dirty="0">
+                <a:latin typeface="Arial"/>
+                <a:cs typeface="Arial"/>
+              </a:rPr>
+              <a:t> Use this slide layout for left-justified text. </a:t>
+            </a:r>
+            <a:r>
+              <a:rPr lang="en-US" dirty="0"/>
+              <a:t>Use Arial 18 </a:t>
+            </a:r>
+            <a:r>
+              <a:rPr lang="en-US" dirty="0" err="1"/>
+              <a:t>pt</a:t>
+            </a:r>
+            <a:r>
+              <a:rPr lang="en-US" dirty="0"/>
+              <a:t> font. </a:t>
+            </a:r>
+            <a:r>
+              <a:rPr lang="en-US" dirty="0">
+                <a:latin typeface="Arial"/>
+                <a:cs typeface="Arial"/>
+              </a:rPr>
+              <a:t>Use this slide layout for left-justified text. </a:t>
+            </a:r>
+            <a:r>
+              <a:rPr lang="en-US" dirty="0"/>
+              <a:t>Use Arial 18 </a:t>
+            </a:r>
+            <a:r>
+              <a:rPr lang="en-US" dirty="0" err="1"/>
+              <a:t>pt</a:t>
+            </a:r>
+            <a:r>
+              <a:rPr lang="en-US" dirty="0"/>
+              <a:t> font.</a:t>
+            </a:r>
+            <a:r>
+              <a:rPr lang="en-US" dirty="0">
+                <a:latin typeface="Arial"/>
+                <a:cs typeface="Arial"/>
+              </a:rPr>
+              <a:t> Use this slide layout for left-justified text. </a:t>
+            </a:r>
+            <a:r>
+              <a:rPr lang="en-US" dirty="0"/>
+              <a:t>Use Arial 18 </a:t>
+            </a:r>
+            <a:r>
+              <a:rPr lang="en-US" dirty="0" err="1"/>
+              <a:t>pt</a:t>
+            </a:r>
+            <a:r>
+              <a:rPr lang="en-US" dirty="0"/>
+              <a:t> font.</a:t>
+            </a:r>
+            <a:r>
+              <a:rPr lang="en-US" dirty="0">
+                <a:latin typeface="Arial"/>
+                <a:cs typeface="Arial"/>
+              </a:rPr>
+              <a:t> Use this slide layout for left-justified text. </a:t>
+            </a:r>
+          </a:p>
+          <a:p>
+            <a:pPr>
+              <a:lnSpc>
+                <a:spcPts val="2400"/>
+              </a:lnSpc>
+              <a:spcBef>
+                <a:spcPts val="1200"/>
+              </a:spcBef>
+            </a:pPr>
+            <a:r>
+              <a:rPr lang="en-US" dirty="0">
+                <a:latin typeface="Arial"/>
+                <a:cs typeface="Arial"/>
+              </a:rPr>
+              <a:t>Use this slide layout for left-justified text. </a:t>
+            </a:r>
+            <a:r>
+              <a:rPr lang="en-US" dirty="0"/>
+              <a:t>Use Arial 18 </a:t>
+            </a:r>
+            <a:r>
+              <a:rPr lang="en-US" dirty="0" err="1"/>
+              <a:t>pt</a:t>
+            </a:r>
+            <a:r>
+              <a:rPr lang="en-US" dirty="0"/>
+              <a:t> font.</a:t>
+            </a:r>
+            <a:r>
+              <a:rPr lang="en-US" dirty="0">
+                <a:latin typeface="Arial"/>
+                <a:cs typeface="Arial"/>
+              </a:rPr>
+              <a:t> Use this slide layout for left-justified text. </a:t>
+            </a:r>
+            <a:r>
+              <a:rPr lang="en-US" dirty="0"/>
+              <a:t>Use Arial 18 </a:t>
+            </a:r>
+            <a:r>
+              <a:rPr lang="en-US" dirty="0" err="1"/>
+              <a:t>pt</a:t>
+            </a:r>
+            <a:r>
+              <a:rPr lang="en-US" dirty="0"/>
+              <a:t> font. </a:t>
+            </a:r>
+            <a:r>
+              <a:rPr lang="en-US" dirty="0">
+                <a:latin typeface="Arial"/>
+                <a:cs typeface="Arial"/>
+              </a:rPr>
+              <a:t>Use this slide layout for left-justified text. </a:t>
+            </a:r>
+            <a:r>
+              <a:rPr lang="en-US" dirty="0"/>
+              <a:t>Use Arial 18 </a:t>
+            </a:r>
+            <a:r>
+              <a:rPr lang="en-US" dirty="0" err="1"/>
+              <a:t>pt</a:t>
+            </a:r>
+            <a:r>
+              <a:rPr lang="en-US" dirty="0"/>
+              <a:t> font.</a:t>
+            </a:r>
+            <a:r>
+              <a:rPr lang="en-US" dirty="0">
+                <a:latin typeface="Arial"/>
+                <a:cs typeface="Arial"/>
+              </a:rPr>
+              <a:t> Use this slide layout for left-justified text. </a:t>
+            </a:r>
+            <a:r>
+              <a:rPr lang="en-US" dirty="0"/>
+              <a:t>Use Arial 18 </a:t>
+            </a:r>
+            <a:r>
+              <a:rPr lang="en-US" dirty="0" err="1"/>
+              <a:t>pt</a:t>
+            </a:r>
+            <a:r>
+              <a:rPr lang="en-US" dirty="0"/>
+              <a:t> font.</a:t>
+            </a:r>
+            <a:r>
+              <a:rPr lang="en-US" dirty="0">
+                <a:latin typeface="Arial"/>
+                <a:cs typeface="Arial"/>
+              </a:rPr>
+              <a:t> </a:t>
+            </a:r>
+          </a:p>
+          <a:p>
+            <a:endParaRPr lang="en-US" dirty="0"/>
+          </a:p>
+        </p:txBody>
+      </p:sp>
+    </p:spTree>
+    <p:extLst>
+      <p:ext uri="{BB962C8B-B14F-4D97-AF65-F5344CB8AC3E}">
+        <p14:creationId xmlns:p14="http://schemas.microsoft.com/office/powerpoint/2010/main" val="29467127"/>
+      </p:ext>
+    </p:extLst>
+  </p:cSld>
+  <p:clrMapOvr>
+    <a:masterClrMapping/>
+  </p:clrMapOvr>
+  <p:timing>
+    <p:tnLst>
+      <p:par>
+        <p:cTn id="1" dur="indefinite" restart="never" nodeType="tmRoot"/>
+      </p:par>
+    </p:tnLst>
+  </p:timing>
+</p:sld>
+</file>
+
+<file path=ppt/slides/slide4.xml><?xml version="1.0" encoding="utf-8"?>
+<p:sld xmlns:a="http://schemas.openxmlformats.org/drawingml/2006/main" xmlns:r="http://schemas.openxmlformats.org/officeDocument/2006/relationships" xmlns:p="http://schemas.openxmlformats.org/presentationml/2006/main">
+  <p:cSld>
+    <p:spTree>
+      <p:nvGrpSpPr>
+        <p:cNvPr id="1" name=""/>
+        <p:cNvGrpSpPr/>
+        <p:nvPr/>
+      </p:nvGrpSpPr>
+      <p:grpSpPr>
+        <a:xfrm>
+          <a:off x="0" y="0"/>
+          <a:ext cx="0" cy="0"/>
+          <a:chOff x="0" y="0"/>
+          <a:chExt cx="0" cy="0"/>
+        </a:xfrm>
+      </p:grpSpPr>
+      <p:sp>
+        <p:nvSpPr>
+          <p:cNvPr id="4" name="Title 3"/>
+          <p:cNvSpPr>
+            <a:spLocks noGrp="1"/>
+          </p:cNvSpPr>
+          <p:nvPr>
+            <p:ph type="title"/>
+          </p:nvPr>
+        </p:nvSpPr>
+        <p:spPr/>
+        <p:txBody>
+          <a:bodyPr/>
+          <a:lstStyle/>
+          <a:p>
+            <a:r>
+              <a:rPr lang="en-US" dirty="0" smtClean="0"/>
+              <a:t>HEADER HERE</a:t>
+            </a:r>
+            <a:endParaRPr lang="en-US" dirty="0"/>
+          </a:p>
+        </p:txBody>
+      </p:sp>
+      <p:sp>
+        <p:nvSpPr>
+          <p:cNvPr id="5" name="Text Placeholder 4"/>
+          <p:cNvSpPr>
+            <a:spLocks noGrp="1"/>
+          </p:cNvSpPr>
+          <p:nvPr>
+            <p:ph type="body" sz="quarter" idx="10"/>
+          </p:nvPr>
+        </p:nvSpPr>
+        <p:spPr/>
+        <p:txBody>
+          <a:bodyPr/>
+          <a:lstStyle/>
+          <a:p>
+            <a:pPr marL="225425" indent="-225425">
+              <a:lnSpc>
+                <a:spcPts val="2400"/>
+              </a:lnSpc>
+              <a:spcBef>
+                <a:spcPts val="1800"/>
+              </a:spcBef>
+            </a:pPr>
+            <a:r>
+              <a:rPr lang="en-US" dirty="0"/>
+              <a:t>Use this slide layout for bulleted lists. Use Arial 18 </a:t>
+            </a:r>
+            <a:r>
+              <a:rPr lang="en-US" dirty="0" err="1"/>
+              <a:t>pt</a:t>
+            </a:r>
+            <a:r>
+              <a:rPr lang="en-US" dirty="0"/>
+              <a:t> font. Use this slide layout for bulleted lists. Use Arial 18 </a:t>
+            </a:r>
+            <a:r>
+              <a:rPr lang="en-US" dirty="0" err="1"/>
+              <a:t>pt</a:t>
+            </a:r>
+            <a:r>
+              <a:rPr lang="en-US" dirty="0"/>
+              <a:t> font. Use this slide layout for bulleted lists. Use Arial 18 </a:t>
+            </a:r>
+            <a:r>
+              <a:rPr lang="en-US" dirty="0" err="1"/>
+              <a:t>pt</a:t>
+            </a:r>
+            <a:r>
+              <a:rPr lang="en-US" dirty="0"/>
+              <a:t> font. </a:t>
+            </a:r>
+          </a:p>
+          <a:p>
+            <a:pPr marL="225425" indent="-225425">
+              <a:lnSpc>
+                <a:spcPts val="2400"/>
+              </a:lnSpc>
+              <a:spcBef>
+                <a:spcPts val="1800"/>
+              </a:spcBef>
+            </a:pPr>
+            <a:r>
+              <a:rPr lang="en-US" dirty="0"/>
+              <a:t>Use this slide layout for bulleted lists. Use Arial 18 </a:t>
+            </a:r>
+            <a:r>
+              <a:rPr lang="en-US" dirty="0" err="1"/>
+              <a:t>pt</a:t>
+            </a:r>
+            <a:r>
+              <a:rPr lang="en-US" dirty="0"/>
+              <a:t> font. Use this slide layout for bulleted lists. Use Arial 18 </a:t>
+            </a:r>
+            <a:r>
+              <a:rPr lang="en-US" dirty="0" err="1"/>
+              <a:t>pt</a:t>
+            </a:r>
+            <a:r>
+              <a:rPr lang="en-US" dirty="0"/>
+              <a:t> font. Use this slide layout for bulleted lists. Use Arial 18 </a:t>
+            </a:r>
+            <a:r>
+              <a:rPr lang="en-US" dirty="0" err="1"/>
+              <a:t>pt</a:t>
+            </a:r>
+            <a:r>
+              <a:rPr lang="en-US" dirty="0"/>
+              <a:t> font. </a:t>
+            </a:r>
+          </a:p>
+          <a:p>
+            <a:pPr marL="225425" indent="-225425">
+              <a:lnSpc>
+                <a:spcPts val="2400"/>
+              </a:lnSpc>
+              <a:spcBef>
+                <a:spcPts val="1800"/>
+              </a:spcBef>
+            </a:pPr>
+            <a:r>
+              <a:rPr lang="en-US" dirty="0"/>
+              <a:t>Use this slide layout for bulleted lists. Use Arial 18 </a:t>
+            </a:r>
+            <a:r>
+              <a:rPr lang="en-US" dirty="0" err="1"/>
+              <a:t>pt</a:t>
+            </a:r>
+            <a:r>
+              <a:rPr lang="en-US" dirty="0"/>
+              <a:t> font. Use this slide layout for bulleted lists. Use Arial 18 </a:t>
+            </a:r>
+            <a:r>
+              <a:rPr lang="en-US" dirty="0" err="1"/>
+              <a:t>pt</a:t>
+            </a:r>
+            <a:r>
+              <a:rPr lang="en-US" dirty="0"/>
+              <a:t> font. Use this slide layout for bulleted lists. Use Arial 18 </a:t>
+            </a:r>
+            <a:r>
+              <a:rPr lang="en-US" dirty="0" err="1"/>
+              <a:t>pt</a:t>
+            </a:r>
+            <a:r>
+              <a:rPr lang="en-US" dirty="0"/>
+              <a:t> font. </a:t>
+            </a:r>
+          </a:p>
+          <a:p>
+            <a:endParaRPr lang="en-US" dirty="0"/>
+          </a:p>
+        </p:txBody>
+      </p:sp>
+    </p:spTree>
+    <p:extLst>
+      <p:ext uri="{BB962C8B-B14F-4D97-AF65-F5344CB8AC3E}">
+        <p14:creationId xmlns:p14="http://schemas.microsoft.com/office/powerpoint/2010/main" val="3315063331"/>
+      </p:ext>
+    </p:extLst>
+  </p:cSld>
+  <p:clrMapOvr>
+    <a:masterClrMapping/>
+  </p:clrMapOvr>
+  <p:timing>
+    <p:tnLst>
+      <p:par>
+        <p:cTn id="1" dur="indefinite" restart="never" nodeType="tmRoot"/>
+      </p:par>
+    </p:tnLst>
+  </p:timing>
+</p:sld>
+</file>
+
+<file path=ppt/slides/slide5.xml><?xml version="1.0" encoding="utf-8"?>
+<p:sld xmlns:a="http://schemas.openxmlformats.org/drawingml/2006/main" xmlns:r="http://schemas.openxmlformats.org/officeDocument/2006/relationships" xmlns:p="http://schemas.openxmlformats.org/presentationml/2006/main">
+  <p:cSld>
+    <p:spTree>
+      <p:nvGrpSpPr>
+        <p:cNvPr id="1" name=""/>
+        <p:cNvGrpSpPr/>
+        <p:nvPr/>
+      </p:nvGrpSpPr>
+      <p:grpSpPr>
+        <a:xfrm>
+          <a:off x="0" y="0"/>
+          <a:ext cx="0" cy="0"/>
+          <a:chOff x="0" y="0"/>
+          <a:chExt cx="0" cy="0"/>
+        </a:xfrm>
+      </p:grpSpPr>
+      <p:sp>
+        <p:nvSpPr>
+          <p:cNvPr id="4" name="Title 3"/>
+          <p:cNvSpPr>
+            <a:spLocks noGrp="1"/>
+          </p:cNvSpPr>
+          <p:nvPr>
+            <p:ph type="title"/>
+          </p:nvPr>
+        </p:nvSpPr>
+        <p:spPr/>
+        <p:txBody>
+          <a:bodyPr/>
+          <a:lstStyle/>
+          <a:p>
+            <a:r>
+              <a:rPr lang="en-US" dirty="0" smtClean="0"/>
+              <a:t>HEADER HERE</a:t>
+            </a:r>
+            <a:endParaRPr lang="en-US" dirty="0"/>
+          </a:p>
+        </p:txBody>
+      </p:sp>
+      <p:sp>
+        <p:nvSpPr>
+          <p:cNvPr id="5" name="Text Placeholder 4"/>
+          <p:cNvSpPr>
+            <a:spLocks noGrp="1"/>
+          </p:cNvSpPr>
+          <p:nvPr>
+            <p:ph type="body" sz="quarter" idx="10"/>
+          </p:nvPr>
+        </p:nvSpPr>
+        <p:spPr/>
+        <p:txBody>
+          <a:bodyPr/>
+          <a:lstStyle/>
+          <a:p>
+            <a:pPr marL="225425" indent="-225425">
+              <a:lnSpc>
+                <a:spcPts val="2400"/>
+              </a:lnSpc>
+              <a:spcBef>
+                <a:spcPts val="1800"/>
+              </a:spcBef>
+            </a:pPr>
+            <a:r>
+              <a:rPr lang="en-US" dirty="0"/>
+              <a:t>Use this slide layout for bulleted lists with a subhead. Use Arial 18 </a:t>
+            </a:r>
+            <a:r>
+              <a:rPr lang="en-US" dirty="0" err="1"/>
+              <a:t>pt</a:t>
+            </a:r>
+            <a:r>
+              <a:rPr lang="en-US" dirty="0"/>
+              <a:t> font. Use this slide layout for bulleted lists with a subhead. Use Arial 18 </a:t>
+            </a:r>
+            <a:r>
+              <a:rPr lang="en-US" dirty="0" err="1"/>
+              <a:t>pt</a:t>
+            </a:r>
+            <a:r>
+              <a:rPr lang="en-US" dirty="0"/>
+              <a:t> font. </a:t>
+            </a:r>
+          </a:p>
+          <a:p>
+            <a:pPr marL="225425" indent="-225425">
+              <a:lnSpc>
+                <a:spcPts val="2400"/>
+              </a:lnSpc>
+              <a:spcBef>
+                <a:spcPts val="1800"/>
+              </a:spcBef>
+            </a:pPr>
+            <a:r>
+              <a:rPr lang="en-US" dirty="0"/>
+              <a:t>Use this slide layout for bulleted lists with a subhead. Use Arial 18 </a:t>
+            </a:r>
+            <a:r>
+              <a:rPr lang="en-US" dirty="0" err="1"/>
+              <a:t>pt</a:t>
+            </a:r>
+            <a:r>
+              <a:rPr lang="en-US" dirty="0"/>
+              <a:t> font. Use this slide layout for bulleted lists with a subhead. Use Arial 18 </a:t>
+            </a:r>
+            <a:r>
+              <a:rPr lang="en-US" dirty="0" err="1"/>
+              <a:t>pt</a:t>
+            </a:r>
+            <a:r>
+              <a:rPr lang="en-US" dirty="0"/>
+              <a:t> font. </a:t>
+            </a:r>
+          </a:p>
+          <a:p>
+            <a:pPr marL="225425" indent="-225425">
+              <a:lnSpc>
+                <a:spcPts val="2400"/>
+              </a:lnSpc>
+              <a:spcBef>
+                <a:spcPts val="1800"/>
+              </a:spcBef>
+            </a:pPr>
+            <a:r>
+              <a:rPr lang="en-US" dirty="0"/>
+              <a:t>Use this slide layout for bulleted lists with a subhead. Use Arial 18 </a:t>
+            </a:r>
+            <a:r>
+              <a:rPr lang="en-US" dirty="0" err="1"/>
+              <a:t>pt</a:t>
+            </a:r>
+            <a:r>
+              <a:rPr lang="en-US" dirty="0"/>
+              <a:t> font. Use this slide layout for bulleted lists with a subhead. Use Arial 18 </a:t>
+            </a:r>
+            <a:r>
+              <a:rPr lang="en-US" dirty="0" err="1"/>
+              <a:t>pt</a:t>
+            </a:r>
+            <a:r>
+              <a:rPr lang="en-US" dirty="0"/>
+              <a:t> font. </a:t>
+            </a:r>
+          </a:p>
+          <a:p>
+            <a:pPr marL="0" indent="0">
+              <a:buNone/>
+            </a:pPr>
+            <a:endParaRPr lang="en-US" dirty="0"/>
+          </a:p>
+        </p:txBody>
+      </p:sp>
+      <p:sp>
+        <p:nvSpPr>
+          <p:cNvPr id="6" name="Text Placeholder 5"/>
+          <p:cNvSpPr>
+            <a:spLocks noGrp="1"/>
+          </p:cNvSpPr>
+          <p:nvPr>
+            <p:ph type="body" sz="quarter" idx="11"/>
+          </p:nvPr>
+        </p:nvSpPr>
+        <p:spPr/>
+        <p:txBody>
+          <a:bodyPr/>
+          <a:lstStyle/>
+          <a:p>
+            <a:r>
+              <a:rPr lang="en-US" dirty="0" smtClean="0"/>
+              <a:t>Subhead goes here</a:t>
+            </a:r>
+            <a:endParaRPr lang="en-US" dirty="0"/>
+          </a:p>
+        </p:txBody>
+      </p:sp>
+    </p:spTree>
+    <p:extLst>
+      <p:ext uri="{BB962C8B-B14F-4D97-AF65-F5344CB8AC3E}">
+        <p14:creationId xmlns:p14="http://schemas.microsoft.com/office/powerpoint/2010/main" val="1469679265"/>
+      </p:ext>
+    </p:extLst>
+  </p:cSld>
+  <p:clrMapOvr>
+    <a:masterClrMapping/>
+  </p:clrMapOvr>
+  <p:timing>
+    <p:tnLst>
+      <p:par>
+        <p:cTn id="1" dur="indefinite" restart="never" nodeType="tmRoot"/>
+      </p:par>
+    </p:tnLst>
+  </p:timing>
+</p:sld>
+</file>
+
+<file path=ppt/slides/slide6.xml><?xml version="1.0" encoding="utf-8"?>
+<p:sld xmlns:a="http://schemas.openxmlformats.org/drawingml/2006/main" xmlns:r="http://schemas.openxmlformats.org/officeDocument/2006/relationships" xmlns:p="http://schemas.openxmlformats.org/presentationml/2006/main">
+  <p:cSld>
+    <p:spTree>
+      <p:nvGrpSpPr>
+        <p:cNvPr id="1" name=""/>
+        <p:cNvGrpSpPr/>
+        <p:nvPr/>
+      </p:nvGrpSpPr>
+      <p:grpSpPr>
+        <a:xfrm>
+          <a:off x="0" y="0"/>
+          <a:ext cx="0" cy="0"/>
+          <a:chOff x="0" y="0"/>
+          <a:chExt cx="0" cy="0"/>
+        </a:xfrm>
+      </p:grpSpPr>
+      <p:sp>
+        <p:nvSpPr>
+          <p:cNvPr id="5" name="Title 4"/>
+          <p:cNvSpPr>
+            <a:spLocks noGrp="1"/>
+          </p:cNvSpPr>
+          <p:nvPr>
+            <p:ph type="title"/>
+          </p:nvPr>
+        </p:nvSpPr>
+        <p:spPr/>
+        <p:txBody>
+          <a:bodyPr/>
+          <a:lstStyle/>
+          <a:p>
+            <a:r>
+              <a:rPr lang="en-US" dirty="0" smtClean="0"/>
+              <a:t>HEADER HERE</a:t>
+            </a:r>
+            <a:endParaRPr lang="en-US" dirty="0"/>
+          </a:p>
+        </p:txBody>
+      </p:sp>
+      <p:sp>
+        <p:nvSpPr>
+          <p:cNvPr id="6" name="Text Placeholder 5"/>
+          <p:cNvSpPr>
+            <a:spLocks noGrp="1"/>
+          </p:cNvSpPr>
+          <p:nvPr>
+            <p:ph type="body" sz="quarter" idx="10"/>
+          </p:nvPr>
+        </p:nvSpPr>
+        <p:spPr/>
+        <p:txBody>
+          <a:bodyPr/>
+          <a:lstStyle/>
+          <a:p>
+            <a:pPr marL="225425" indent="-225425">
+              <a:lnSpc>
+                <a:spcPts val="2400"/>
+              </a:lnSpc>
+              <a:spcBef>
+                <a:spcPts val="1800"/>
+              </a:spcBef>
+            </a:pPr>
+            <a:r>
+              <a:rPr lang="en-US" dirty="0"/>
+              <a:t>Use this slide layout for bulleted lists and an image. Use Arial 18 </a:t>
+            </a:r>
+            <a:r>
+              <a:rPr lang="en-US" dirty="0" err="1"/>
+              <a:t>pt</a:t>
+            </a:r>
+            <a:r>
+              <a:rPr lang="en-US" dirty="0"/>
+              <a:t> font. Use this slide layout for bulleted lists and an image. Use Arial 18 </a:t>
+            </a:r>
+            <a:r>
+              <a:rPr lang="en-US" dirty="0" err="1"/>
+              <a:t>pt</a:t>
+            </a:r>
+            <a:r>
+              <a:rPr lang="en-US" dirty="0"/>
+              <a:t> font. </a:t>
+            </a:r>
+          </a:p>
+          <a:p>
+            <a:pPr marL="225425" indent="-225425">
+              <a:lnSpc>
+                <a:spcPts val="2400"/>
+              </a:lnSpc>
+              <a:spcBef>
+                <a:spcPts val="1800"/>
+              </a:spcBef>
+            </a:pPr>
+            <a:r>
+              <a:rPr lang="en-US" dirty="0"/>
+              <a:t>Use this slide layout for bulleted lists and an image. Use Arial 18 </a:t>
+            </a:r>
+            <a:r>
+              <a:rPr lang="en-US" dirty="0" err="1"/>
+              <a:t>pt</a:t>
+            </a:r>
+            <a:r>
+              <a:rPr lang="en-US" dirty="0"/>
+              <a:t> font. Use this slide layout for bulleted lists and an image. Use Arial 18 </a:t>
+            </a:r>
+            <a:r>
+              <a:rPr lang="en-US" dirty="0" err="1"/>
+              <a:t>pt</a:t>
+            </a:r>
+            <a:r>
+              <a:rPr lang="en-US" dirty="0"/>
+              <a:t> font.  </a:t>
+            </a:r>
+          </a:p>
+          <a:p>
+            <a:endParaRPr lang="en-US" dirty="0"/>
+          </a:p>
+        </p:txBody>
+      </p:sp>
+      <p:sp>
+        <p:nvSpPr>
+          <p:cNvPr id="7" name="Picture Placeholder 6"/>
+          <p:cNvSpPr>
+            <a:spLocks noGrp="1"/>
+          </p:cNvSpPr>
+          <p:nvPr>
+            <p:ph type="pic" sz="quarter" idx="11"/>
+          </p:nvPr>
+        </p:nvSpPr>
+        <p:spPr>
+          <a:solidFill>
+            <a:srgbClr val="94A545">
+              <a:alpha val="53000"/>
+            </a:srgbClr>
+          </a:solidFill>
+        </p:spPr>
+      </p:sp>
+    </p:spTree>
+    <p:extLst>
+      <p:ext uri="{BB962C8B-B14F-4D97-AF65-F5344CB8AC3E}">
+        <p14:creationId xmlns:p14="http://schemas.microsoft.com/office/powerpoint/2010/main" val="1509903108"/>
+      </p:ext>
+    </p:extLst>
+  </p:cSld>
+  <p:clrMapOvr>
+    <a:masterClrMapping/>
+  </p:clrMapOvr>
+  <p:timing>
+    <p:tnLst>
+      <p:par>
+        <p:cTn id="1" dur="indefinite" restart="never" nodeType="tmRoot"/>
+      </p:par>
+    </p:tnLst>
+  </p:timing>
+</p:sld>
+</file>
+
+<file path=ppt/slides/slide7.xml><?xml version="1.0" encoding="utf-8"?>
+<p:sld xmlns:a="http://schemas.openxmlformats.org/drawingml/2006/main" xmlns:r="http://schemas.openxmlformats.org/officeDocument/2006/relationships" xmlns:p="http://schemas.openxmlformats.org/presentationml/2006/main">
+  <p:cSld>
+    <p:spTree>
+      <p:nvGrpSpPr>
+        <p:cNvPr id="1" name=""/>
+        <p:cNvGrpSpPr/>
+        <p:nvPr/>
+      </p:nvGrpSpPr>
+      <p:grpSpPr>
+        <a:xfrm>
+          <a:off x="0" y="0"/>
+          <a:ext cx="0" cy="0"/>
+          <a:chOff x="0" y="0"/>
+          <a:chExt cx="0" cy="0"/>
+        </a:xfrm>
+      </p:grpSpPr>
+      <p:sp>
+        <p:nvSpPr>
+          <p:cNvPr id="6" name="Text Placeholder 5"/>
+          <p:cNvSpPr>
+            <a:spLocks noGrp="1"/>
+          </p:cNvSpPr>
+          <p:nvPr>
+            <p:ph type="body" sz="quarter" idx="10"/>
+          </p:nvPr>
+        </p:nvSpPr>
+        <p:spPr/>
+        <p:txBody>
+          <a:bodyPr/>
+          <a:lstStyle/>
+          <a:p>
+            <a:pPr marL="225425" indent="-225425">
+              <a:lnSpc>
+                <a:spcPts val="2400"/>
+              </a:lnSpc>
+              <a:spcBef>
+                <a:spcPts val="1800"/>
+              </a:spcBef>
+            </a:pPr>
+            <a:r>
+              <a:rPr lang="en-US" dirty="0"/>
+              <a:t>Use this slide layout for bulleted lists with additional info under the header. Use Arial 18 </a:t>
+            </a:r>
+            <a:r>
+              <a:rPr lang="en-US" dirty="0" err="1"/>
+              <a:t>pt</a:t>
+            </a:r>
+            <a:r>
+              <a:rPr lang="en-US" dirty="0"/>
+              <a:t> font. Use this slide layout for bulleted lists with additional info under the header. Use Arial 18 </a:t>
+            </a:r>
+            <a:r>
+              <a:rPr lang="en-US" dirty="0" err="1"/>
+              <a:t>pt</a:t>
+            </a:r>
+            <a:r>
+              <a:rPr lang="en-US" dirty="0"/>
+              <a:t> font. </a:t>
+            </a:r>
+          </a:p>
+          <a:p>
+            <a:pPr marL="225425" indent="-225425">
+              <a:lnSpc>
+                <a:spcPts val="2400"/>
+              </a:lnSpc>
+              <a:spcBef>
+                <a:spcPts val="1800"/>
+              </a:spcBef>
+            </a:pPr>
+            <a:r>
+              <a:rPr lang="en-US" dirty="0"/>
+              <a:t>Use this slide layout for bulleted lists with additional info under the header. Use Arial 18 </a:t>
+            </a:r>
+            <a:r>
+              <a:rPr lang="en-US" dirty="0" err="1"/>
+              <a:t>pt</a:t>
+            </a:r>
+            <a:r>
+              <a:rPr lang="en-US" dirty="0"/>
+              <a:t> font. Use this slide layout for bulleted lists with additional info under the header. Use Arial 18 </a:t>
+            </a:r>
+            <a:r>
+              <a:rPr lang="en-US" dirty="0" err="1"/>
+              <a:t>pt</a:t>
+            </a:r>
+            <a:r>
+              <a:rPr lang="en-US" dirty="0"/>
+              <a:t> font. </a:t>
+            </a:r>
+          </a:p>
+          <a:p>
+            <a:pPr marL="225425" indent="-225425">
+              <a:lnSpc>
+                <a:spcPts val="2400"/>
+              </a:lnSpc>
+              <a:spcBef>
+                <a:spcPts val="1800"/>
+              </a:spcBef>
+            </a:pPr>
+            <a:r>
+              <a:rPr lang="en-US" dirty="0"/>
+              <a:t>Use this slide layout for bulleted lists with additional info under the header. Use Arial 18 </a:t>
+            </a:r>
+            <a:r>
+              <a:rPr lang="en-US" dirty="0" err="1"/>
+              <a:t>pt</a:t>
+            </a:r>
+            <a:r>
+              <a:rPr lang="en-US" dirty="0"/>
+              <a:t> font. Use this slide layout for bulleted lists with additional info under the header. Use Arial 18 </a:t>
+            </a:r>
+            <a:r>
+              <a:rPr lang="en-US" dirty="0" err="1"/>
+              <a:t>pt</a:t>
+            </a:r>
+            <a:r>
+              <a:rPr lang="en-US" dirty="0"/>
+              <a:t> font. </a:t>
+            </a:r>
+          </a:p>
+          <a:p>
+            <a:endParaRPr lang="en-US" dirty="0"/>
+          </a:p>
+        </p:txBody>
+      </p:sp>
+      <p:sp>
+        <p:nvSpPr>
+          <p:cNvPr id="7" name="Text Placeholder 6"/>
+          <p:cNvSpPr>
+            <a:spLocks noGrp="1"/>
+          </p:cNvSpPr>
+          <p:nvPr>
+            <p:ph type="body" sz="quarter" idx="11"/>
+          </p:nvPr>
+        </p:nvSpPr>
+        <p:spPr/>
+        <p:txBody>
+          <a:bodyPr/>
+          <a:lstStyle/>
+          <a:p>
+            <a:pPr lvl="0">
+              <a:defRPr/>
+            </a:pPr>
+            <a:r>
+              <a:rPr lang="en-US" sz="2000" b="0" dirty="0">
+                <a:latin typeface="Arial"/>
+                <a:cs typeface="Arial"/>
+              </a:rPr>
+              <a:t>(Parentheses Under Header)</a:t>
+            </a:r>
+          </a:p>
+        </p:txBody>
+      </p:sp>
+      <p:sp>
+        <p:nvSpPr>
+          <p:cNvPr id="5" name="Title 4"/>
+          <p:cNvSpPr>
+            <a:spLocks noGrp="1"/>
+          </p:cNvSpPr>
+          <p:nvPr>
+            <p:ph type="title"/>
+          </p:nvPr>
+        </p:nvSpPr>
+        <p:spPr/>
+        <p:txBody>
+          <a:bodyPr/>
+          <a:lstStyle/>
+          <a:p>
+            <a:r>
+              <a:rPr lang="en-US" dirty="0" smtClean="0"/>
+              <a:t>HEADER HERE</a:t>
+            </a:r>
+            <a:endParaRPr lang="en-US" dirty="0"/>
+          </a:p>
+        </p:txBody>
+      </p:sp>
+    </p:spTree>
+    <p:extLst>
+      <p:ext uri="{BB962C8B-B14F-4D97-AF65-F5344CB8AC3E}">
+        <p14:creationId xmlns:p14="http://schemas.microsoft.com/office/powerpoint/2010/main" val="485236939"/>
+      </p:ext>
+    </p:extLst>
+  </p:cSld>
+  <p:clrMapOvr>
+    <a:masterClrMapping/>
+  </p:clrMapOvr>
+  <p:timing>
+    <p:tnLst>
+      <p:par>
+        <p:cTn id="1" dur="indefinite" restart="never" nodeType="tmRoot"/>
+      </p:par>
+    </p:tnLst>
+  </p:timing>
+</p:sld>
+</file>
+
+<file path=ppt/slides/slide8.xml><?xml version="1.0" encoding="utf-8"?>
+<p:sld xmlns:a="http://schemas.openxmlformats.org/drawingml/2006/main" xmlns:r="http://schemas.openxmlformats.org/officeDocument/2006/relationships" xmlns:p="http://schemas.openxmlformats.org/presentationml/2006/main">
+  <p:cSld>
+    <p:spTree>
+      <p:nvGrpSpPr>
+        <p:cNvPr id="1" name=""/>
+        <p:cNvGrpSpPr/>
+        <p:nvPr/>
+      </p:nvGrpSpPr>
+      <p:grpSpPr>
+        <a:xfrm>
+          <a:off x="0" y="0"/>
+          <a:ext cx="0" cy="0"/>
+          <a:chOff x="0" y="0"/>
+          <a:chExt cx="0" cy="0"/>
+        </a:xfrm>
+      </p:grpSpPr>
+    </p:spTree>
+  </p:cSld>
+  <p:clrMapOvr>
+    <a:masterClrMapping/>
+  </p:clrMapOvr>
+  <p:timing>
+    <p:tnLst>
+      <p:par>
+        <p:cTn id="1" dur="indefinite" restart="never" nodeType="tmRoot"/>
+      </p:par>
+    </p:tnLst>
+  </p:timing>
+</p:sld>
+</file>
+
+<file path=ppt/theme/theme1.xml><?xml version="1.0" encoding="utf-8"?>
+<a:theme xmlns:a="http://schemas.openxmlformats.org/drawingml/2006/main" name="Title Slide">
+  <a:themeElements>
+    <a:clrScheme name="Office">
+      <a:dk1>
+        <a:sysClr val="windowText" lastClr="000000"/>
+      </a:dk1>
+      <a:lt1>
+        <a:sysClr val="window" lastClr="FFFFFF"/>
+      </a:lt1>
+      <a:dk2>
+        <a:srgbClr val="1F497D"/>
+      </a:dk2>
+      <a:lt2>
+        <a:srgbClr val="EEECE1"/>
+      </a:lt2>
+      <a:accent1>
+        <a:srgbClr val="4F81BD"/>
+      </a:accent1>
+      <a:accent2>
+        <a:srgbClr val="C0504D"/>
+      </a:accent2>
+      <a:accent3>
+        <a:srgbClr val="9BBB59"/>
+      </a:accent3>
+      <a:accent4>
+        <a:srgbClr val="8064A2"/>
+      </a:accent4>
+      <a:accent5>
+        <a:srgbClr val="4BACC6"/>
+      </a:accent5>
+      <a:accent6>
+        <a:srgbClr val="F79646"/>
+      </a:accent6>
+      <a:hlink>
+        <a:srgbClr val="0000FF"/>
+      </a:hlink>
+      <a:folHlink>
+        <a:srgbClr val="800080"/>
+      </a:folHlink>
+    </a:clrScheme>
+    <a:fontScheme name="Office">
+      <a:majorFont>
+        <a:latin typeface="Calibri"/>
+        <a:ea typeface=""/>
+        <a:cs typeface=""/>
+        <a:font script="Jpan" typeface="ＭＳ Ｐゴシック"/>
+        <a:font script="Hang" typeface="맑은 고딕"/>
+        <a:font script="Hans" typeface="宋体"/>
+        <a:font script="Hant" typeface="新細明體"/>
+        <a:font script="Arab" typeface="Times New Roman"/>
+        <a:font script="Hebr" typeface="Times New Roman"/>
+        <a:font script="Thai" typeface="Angsana New"/>
+        <a:font script="Ethi" typeface="Nyala"/>
+        <a:font script="Beng" typeface="Vrinda"/>
+        <a:font script="Gujr" typeface="Shruti"/>
+        <a:font script="Khmr" typeface="MoolBoran"/>
+        <a:font script="Knda" typeface="Tunga"/>
+        <a:font script="Guru" typeface="Raavi"/>
+        <a:font script="Cans" typeface="Euphemia"/>
+        <a:font script="Cher" typeface="Plantagenet Cherokee"/>
+        <a:font script="Yiii" typeface="Microsoft Yi Baiti"/>
+        <a:font script="Tibt" typeface="Microsoft Himalaya"/>
+        <a:font script="Thaa" typeface="MV Boli"/>
+        <a:font script="Deva" typeface="Mangal"/>
+        <a:font script="Telu" typeface="Gautami"/>
+        <a:font script="Taml" typeface="Latha"/>
+        <a:font script="Syrc" typeface="Estrangelo Edessa"/>
+        <a:font script="Orya" typeface="Kalinga"/>
+        <a:font script="Mlym" typeface="Kartika"/>
+        <a:font script="Laoo" typeface="DokChampa"/>
+        <a:font script="Sinh" typeface="Iskoola Pota"/>
+        <a:font script="Mong" typeface="Mongolian Baiti"/>
+        <a:font script="Viet" typeface="Times New Roman"/>
+        <a:font script="Uigh" typeface="Microsoft Uighur"/>
+        <a:font script="Geor" typeface="Sylfaen"/>
+      </a:majorFont>
+      <a:minorFont>
+        <a:latin typeface="Calibri"/>
+        <a:ea typeface=""/>
+        <a:cs typeface=""/>
+        <a:font script="Jpan" typeface="ＭＳ Ｐゴシック"/>
+        <a:font script="Hang" typeface="맑은 고딕"/>
+        <a:font script="Hans" typeface="宋体"/>
+        <a:font script="Hant" typeface="新細明體"/>
+        <a:font script="Arab" typeface="Arial"/>
+        <a:font script="Hebr" typeface="Arial"/>
+        <a:font script="Thai" typeface="Cordia New"/>
+        <a:font script="Ethi" typeface="Nyala"/>
+        <a:font script="Beng" typeface="Vrinda"/>
+        <a:font script="Gujr" typeface="Shruti"/>
+        <a:font script="Khmr" typeface="DaunPenh"/>
+        <a:font script="Knda" typeface="Tunga"/>
+        <a:font script="Guru" typeface="Raavi"/>
+        <a:font script="Cans" typeface="Euphemia"/>
+        <a:font script="Cher" typeface="Plantagenet Cherokee"/>
+        <a:font script="Yiii" typeface="Microsoft Yi Baiti"/>
+        <a:font script="Tibt" typeface="Microsoft Himalaya"/>
+        <a:font script="Thaa" typeface="MV Boli"/>
+        <a:font script="Deva" typeface="Mangal"/>
+        <a:font script="Telu" typeface="Gautami"/>
+        <a:font script="Taml" typeface="Latha"/>
+        <a:font script="Syrc" typeface="Estrangelo Edessa"/>
+        <a:font script="Orya" typeface="Kalinga"/>
+        <a:font script="Mlym" typeface="Kartika"/>
+        <a:font script="Laoo" typeface="DokChampa"/>
+        <a:font script="Sinh" typeface="Iskoola Pota"/>
+        <a:font script="Mong" typeface="Mongolian Baiti"/>
+        <a:font script="Viet" typeface="Arial"/>
+        <a:font script="Uigh" typeface="Microsoft Uighur"/>
+        <a:font script="Geor" typeface="Sylfaen"/>
+      </a:minorFont>
+    </a:fontScheme>
+    <a:fmtScheme name="Office">
+      <a:fillStyleLst>
+        <a:solidFill>
+          <a:schemeClr val="phClr"/>
+        </a:solidFill>
+        <a:gradFill rotWithShape="1">
+          <a:gsLst>
+            <a:gs pos="0">
+              <a:schemeClr val="phClr">
+                <a:tint val="50000"/>
+                <a:satMod val="300000"/>
+              </a:schemeClr>
+            </a:gs>
+            <a:gs pos="35000">
+              <a:schemeClr val="phClr">
+                <a:tint val="37000"/>
+                <a:satMod val="300000"/>
+              </a:schemeClr>
+            </a:gs>
+            <a:gs pos="100000">
+              <a:schemeClr val="phClr">
+                <a:tint val="15000"/>
+                <a:satMod val="350000"/>
+              </a:schemeClr>
+            </a:gs>
+          </a:gsLst>
+          <a:lin ang="16200000" scaled="1"/>
+        </a:gradFill>
+        <a:gradFill rotWithShape="1">
+          <a:gsLst>
+            <a:gs pos="0">
+              <a:schemeClr val="phClr">
+                <a:tint val="100000"/>
+                <a:shade val="100000"/>
+                <a:satMod val="130000"/>
+              </a:schemeClr>
+            </a:gs>
+            <a:gs pos="100000">
+              <a:schemeClr val="phClr">
+                <a:tint val="50000"/>
+                <a:shade val="100000"/>
+                <a:satMod val="350000"/>
+              </a:schemeClr>
+            </a:gs>
+          </a:gsLst>
+          <a:lin ang="16200000" scaled="0"/>
+        </a:gradFill>
+      </a:fillStyleLst>
+      <a:lnStyleLst>
+        <a:ln w="9525" cap="flat" cmpd="sng" algn="ctr">
+          <a:solidFill>
+            <a:schemeClr val="phClr">
+              <a:shade val="95000"/>
+              <a:satMod val="105000"/>
+            </a:schemeClr>
+          </a:solidFill>
+          <a:prstDash val="solid"/>
+        </a:ln>
+        <a:ln w="25400" cap="flat" cmpd="sng" algn="ctr">
+          <a:solidFill>
+            <a:schemeClr val="phClr"/>
+          </a:solidFill>
+          <a:prstDash val="solid"/>
+        </a:ln>
+        <a:ln w="38100" cap="flat" cmpd="sng" algn="ctr">
+          <a:solidFill>
+            <a:schemeClr val="phClr"/>
+          </a:solidFill>
+          <a:prstDash val="solid"/>
+        </a:ln>
+      </a:lnStyleLst>
+      <a:effectStyleLst>
+        <a:effectStyle>
+          <a:effectLst>
+            <a:outerShdw blurRad="40000" dist="20000" dir="5400000" rotWithShape="0">
+              <a:srgbClr val="000000">
+                <a:alpha val="38000"/>
+              </a:srgbClr>
+            </a:outerShdw>
+          </a:effectLst>
+        </a:effectStyle>
+        <a:effectStyle>
+          <a:effectLst>
+            <a:outerShdw blurRad="40000" dist="23000" dir="5400000" rotWithShape="0">
+              <a:srgbClr val="000000">
+                <a:alpha val="35000"/>
+              </a:srgbClr>
+            </a:outerShdw>
+          </a:effectLst>
+        </a:effectStyle>
+        <a:effectStyle>
+          <a:effectLst>
+            <a:outerShdw blurRad="40000" dist="23000" dir="5400000" rotWithShape="0">
+              <a:srgbClr val="000000">
+                <a:alpha val="35000"/>
+              </a:srgbClr>
+            </a:outerShdw>
+          </a:effectLst>
+          <a:scene3d>
+            <a:camera prst="orthographicFront">
+              <a:rot lat="0" lon="0" rev="0"/>
+            </a:camera>
+            <a:lightRig rig="threePt" dir="t">
+              <a:rot lat="0" lon="0" rev="1200000"/>
+            </a:lightRig>
+          </a:scene3d>
+          <a:sp3d>
+            <a:bevelT w="63500" h="25400"/>
+          </a:sp3d>
+        </a:effectStyle>
+      </a:effectStyleLst>
+      <a:bgFillStyleLst>
+        <a:solidFill>
+          <a:schemeClr val="phClr"/>
+        </a:solidFill>
+        <a:gradFill rotWithShape="1">
+          <a:gsLst>
+            <a:gs pos="0">
+              <a:schemeClr val="phClr">
+                <a:tint val="40000"/>
+                <a:satMod val="350000"/>
+              </a:schemeClr>
+            </a:gs>
+            <a:gs pos="40000">
+              <a:schemeClr val="phClr">
+                <a:tint val="45000"/>
+                <a:shade val="99000"/>
+                <a:satMod val="350000"/>
+              </a:schemeClr>
+            </a:gs>
+            <a:gs pos="100000">
+              <a:schemeClr val="phClr">
+                <a:shade val="20000"/>
+                <a:satMod val="255000"/>
+              </a:schemeClr>
+            </a:gs>
+          </a:gsLst>
+          <a:path path="circle">
+            <a:fillToRect l="50000" t="-80000" r="50000" b="180000"/>
+          </a:path>
+        </a:gradFill>
+        <a:gradFill rotWithShape="1">
+          <a:gsLst>
+            <a:gs pos="0">
+              <a:schemeClr val="phClr">
+                <a:tint val="80000"/>
+                <a:satMod val="300000"/>
+              </a:schemeClr>
+            </a:gs>
+            <a:gs pos="100000">
+              <a:schemeClr val="phClr">
+                <a:shade val="30000"/>
+                <a:satMod val="200000"/>
+              </a:schemeClr>
+            </a:gs>
+          </a:gsLst>
+          <a:path path="circle">
+            <a:fillToRect l="50000" t="50000" r="50000" b="50000"/>
+          </a:path>
+        </a:gradFill>
+      </a:bgFillStyleLst>
+    </a:fmtScheme>
+  </a:themeElements>
+  <a:objectDefaults>
+    <a:spDef>
+      <a:spPr/>
+      <a:bodyPr/>
+      <a:lstStyle/>
+      <a:style>
+        <a:lnRef idx="1">
+          <a:schemeClr val="accent1"/>
+        </a:lnRef>
+        <a:fillRef idx="3">
+          <a:schemeClr val="accent1"/>
+        </a:fillRef>
+        <a:effectRef idx="2">
+          <a:schemeClr val="accent1"/>
+        </a:effectRef>
+        <a:fontRef idx="minor">
+          <a:schemeClr val="lt1"/>
+        </a:fontRef>
+      </a:style>
+    </a:spDef>
+    <a:lnDef>
+      <a:spPr/>
+      <a:bodyPr/>
+      <a:lstStyle/>
+      <a:style>
+        <a:lnRef idx="2">
+          <a:schemeClr val="accent1"/>
+        </a:lnRef>
+        <a:fillRef idx="0">
+          <a:schemeClr val="accent1"/>
+        </a:fillRef>
+        <a:effectRef idx="1">
+          <a:schemeClr val="accent1"/>
+        </a:effectRef>
+        <a:fontRef idx="minor">
+          <a:schemeClr val="tx1"/>
+        </a:fontRef>
+      </a:style>
+    </a:lnDef>
+  </a:objectDefaults>
+  <a:extraClrSchemeLst/>
+</a:theme>
+</file>
 
 <file path=ppt/theme/theme2.xml><?xml version="1.0" encoding="utf-8"?>
 <a:theme xmlns:a="http://schemas.openxmlformats.org/drawingml/2006/main" name="Content Slides">
